--- a/PowerPoint.pptx
+++ b/PowerPoint.pptx
@@ -106,6 +106,11 @@
       </a:defRPr>
     </a:lvl9pPr>
   </p:defaultTextStyle>
+  <p:extLst>
+    <p:ext uri="{EFAFB233-063F-42B5-8137-9DF3F51BA10A}">
+      <p15:sldGuideLst xmlns:p15="http://schemas.microsoft.com/office/powerpoint/2012/main"/>
+    </p:ext>
+  </p:extLst>
 </p:presentation>
 </file>
 
@@ -300,7 +305,7 @@
           <a:p>
             <a:fld id="{4EC87238-8AE5-4254-B341-F7F1A060BE88}" type="datetimeFigureOut">
               <a:rPr lang="nl-NL" smtClean="0"/>
-              <a:t>12-12-2019</a:t>
+              <a:t>13-12-2019</a:t>
             </a:fld>
             <a:endParaRPr lang="nl-NL"/>
           </a:p>
@@ -736,7 +741,7 @@
           <a:p>
             <a:fld id="{4EC87238-8AE5-4254-B341-F7F1A060BE88}" type="datetimeFigureOut">
               <a:rPr lang="nl-NL" smtClean="0"/>
-              <a:t>12-12-2019</a:t>
+              <a:t>13-12-2019</a:t>
             </a:fld>
             <a:endParaRPr lang="nl-NL"/>
           </a:p>
@@ -986,7 +991,7 @@
           <a:p>
             <a:fld id="{4EC87238-8AE5-4254-B341-F7F1A060BE88}" type="datetimeFigureOut">
               <a:rPr lang="nl-NL" smtClean="0"/>
-              <a:t>12-12-2019</a:t>
+              <a:t>13-12-2019</a:t>
             </a:fld>
             <a:endParaRPr lang="nl-NL"/>
           </a:p>
@@ -1294,7 +1299,7 @@
           <a:p>
             <a:fld id="{4EC87238-8AE5-4254-B341-F7F1A060BE88}" type="datetimeFigureOut">
               <a:rPr lang="nl-NL" smtClean="0"/>
-              <a:t>12-12-2019</a:t>
+              <a:t>13-12-2019</a:t>
             </a:fld>
             <a:endParaRPr lang="nl-NL"/>
           </a:p>
@@ -1612,7 +1617,7 @@
           <a:p>
             <a:fld id="{4EC87238-8AE5-4254-B341-F7F1A060BE88}" type="datetimeFigureOut">
               <a:rPr lang="nl-NL" smtClean="0"/>
-              <a:t>12-12-2019</a:t>
+              <a:t>13-12-2019</a:t>
             </a:fld>
             <a:endParaRPr lang="nl-NL"/>
           </a:p>
@@ -1914,7 +1919,7 @@
           <a:p>
             <a:fld id="{4EC87238-8AE5-4254-B341-F7F1A060BE88}" type="datetimeFigureOut">
               <a:rPr lang="nl-NL" smtClean="0"/>
-              <a:t>12-12-2019</a:t>
+              <a:t>13-12-2019</a:t>
             </a:fld>
             <a:endParaRPr lang="nl-NL"/>
           </a:p>
@@ -2281,7 +2286,7 @@
           <a:p>
             <a:fld id="{4EC87238-8AE5-4254-B341-F7F1A060BE88}" type="datetimeFigureOut">
               <a:rPr lang="nl-NL" smtClean="0"/>
-              <a:t>12-12-2019</a:t>
+              <a:t>13-12-2019</a:t>
             </a:fld>
             <a:endParaRPr lang="nl-NL"/>
           </a:p>
@@ -2455,7 +2460,7 @@
           <a:p>
             <a:fld id="{4EC87238-8AE5-4254-B341-F7F1A060BE88}" type="datetimeFigureOut">
               <a:rPr lang="nl-NL" smtClean="0"/>
-              <a:t>12-12-2019</a:t>
+              <a:t>13-12-2019</a:t>
             </a:fld>
             <a:endParaRPr lang="nl-NL"/>
           </a:p>
@@ -2635,7 +2640,7 @@
           <a:p>
             <a:fld id="{4EC87238-8AE5-4254-B341-F7F1A060BE88}" type="datetimeFigureOut">
               <a:rPr lang="nl-NL" smtClean="0"/>
-              <a:t>12-12-2019</a:t>
+              <a:t>13-12-2019</a:t>
             </a:fld>
             <a:endParaRPr lang="nl-NL"/>
           </a:p>
@@ -2805,7 +2810,7 @@
           <a:p>
             <a:fld id="{4EC87238-8AE5-4254-B341-F7F1A060BE88}" type="datetimeFigureOut">
               <a:rPr lang="nl-NL" smtClean="0"/>
-              <a:t>12-12-2019</a:t>
+              <a:t>13-12-2019</a:t>
             </a:fld>
             <a:endParaRPr lang="nl-NL"/>
           </a:p>
@@ -3055,7 +3060,7 @@
           <a:p>
             <a:fld id="{4EC87238-8AE5-4254-B341-F7F1A060BE88}" type="datetimeFigureOut">
               <a:rPr lang="nl-NL" smtClean="0"/>
-              <a:t>12-12-2019</a:t>
+              <a:t>13-12-2019</a:t>
             </a:fld>
             <a:endParaRPr lang="nl-NL"/>
           </a:p>
@@ -3291,7 +3296,7 @@
           <a:p>
             <a:fld id="{4EC87238-8AE5-4254-B341-F7F1A060BE88}" type="datetimeFigureOut">
               <a:rPr lang="nl-NL" smtClean="0"/>
-              <a:t>12-12-2019</a:t>
+              <a:t>13-12-2019</a:t>
             </a:fld>
             <a:endParaRPr lang="nl-NL"/>
           </a:p>
@@ -3673,7 +3678,7 @@
           <a:p>
             <a:fld id="{4EC87238-8AE5-4254-B341-F7F1A060BE88}" type="datetimeFigureOut">
               <a:rPr lang="nl-NL" smtClean="0"/>
-              <a:t>12-12-2019</a:t>
+              <a:t>13-12-2019</a:t>
             </a:fld>
             <a:endParaRPr lang="nl-NL"/>
           </a:p>
@@ -3791,7 +3796,7 @@
           <a:p>
             <a:fld id="{4EC87238-8AE5-4254-B341-F7F1A060BE88}" type="datetimeFigureOut">
               <a:rPr lang="nl-NL" smtClean="0"/>
-              <a:t>12-12-2019</a:t>
+              <a:t>13-12-2019</a:t>
             </a:fld>
             <a:endParaRPr lang="nl-NL"/>
           </a:p>
@@ -3886,7 +3891,7 @@
           <a:p>
             <a:fld id="{4EC87238-8AE5-4254-B341-F7F1A060BE88}" type="datetimeFigureOut">
               <a:rPr lang="nl-NL" smtClean="0"/>
-              <a:t>12-12-2019</a:t>
+              <a:t>13-12-2019</a:t>
             </a:fld>
             <a:endParaRPr lang="nl-NL"/>
           </a:p>
@@ -4141,7 +4146,7 @@
           <a:p>
             <a:fld id="{4EC87238-8AE5-4254-B341-F7F1A060BE88}" type="datetimeFigureOut">
               <a:rPr lang="nl-NL" smtClean="0"/>
-              <a:t>12-12-2019</a:t>
+              <a:t>13-12-2019</a:t>
             </a:fld>
             <a:endParaRPr lang="nl-NL"/>
           </a:p>
@@ -4424,7 +4429,7 @@
           <a:p>
             <a:fld id="{4EC87238-8AE5-4254-B341-F7F1A060BE88}" type="datetimeFigureOut">
               <a:rPr lang="nl-NL" smtClean="0"/>
-              <a:t>12-12-2019</a:t>
+              <a:t>13-12-2019</a:t>
             </a:fld>
             <a:endParaRPr lang="nl-NL"/>
           </a:p>
@@ -4830,7 +4835,7 @@
           <a:p>
             <a:fld id="{4EC87238-8AE5-4254-B341-F7F1A060BE88}" type="datetimeFigureOut">
               <a:rPr lang="nl-NL" smtClean="0"/>
-              <a:t>12-12-2019</a:t>
+              <a:t>13-12-2019</a:t>
             </a:fld>
             <a:endParaRPr lang="nl-NL"/>
           </a:p>
@@ -5650,12 +5655,12 @@
         <p:spPr>
           <a:xfrm>
             <a:off x="684212" y="2068511"/>
-            <a:ext cx="8534400" cy="3615267"/>
+            <a:ext cx="8534400" cy="4172491"/>
           </a:xfrm>
         </p:spPr>
         <p:txBody>
           <a:bodyPr anchor="t">
-            <a:normAutofit/>
+            <a:normAutofit fontScale="92500" lnSpcReduction="10000"/>
           </a:bodyPr>
           <a:lstStyle/>
           <a:p>
@@ -5736,6 +5741,26 @@
                 </a:solidFill>
               </a:rPr>
               <a:t>Gezichtsherkenning</a:t>
+            </a:r>
+          </a:p>
+          <a:p>
+            <a:r>
+              <a:rPr lang="nl-NL" dirty="0">
+                <a:solidFill>
+                  <a:schemeClr val="tx1"/>
+                </a:solidFill>
+              </a:rPr>
+              <a:t>Verbeterpunten</a:t>
+            </a:r>
+          </a:p>
+          <a:p>
+            <a:r>
+              <a:rPr lang="nl-NL" dirty="0">
+                <a:solidFill>
+                  <a:schemeClr val="tx1"/>
+                </a:solidFill>
+              </a:rPr>
+              <a:t>Samenvatten</a:t>
             </a:r>
           </a:p>
           <a:p>
@@ -5818,8 +5843,10 @@
                         <a14:foregroundMark x1="66412" y1="50939" x2="60305" y2="63257"/>
                         <a14:foregroundMark x1="60305" y1="63257" x2="39695" y2="66388"/>
                         <a14:foregroundMark x1="39695" y1="66388" x2="40267" y2="62213"/>
-                        <a14:foregroundMark x1="18511" y1="27140" x2="14885" y2="13570"/>
-                        <a14:foregroundMark x1="14885" y1="13570" x2="18130" y2="26514"/>
+                        <a14:foregroundMark x1="15108" y1="14405" x2="14885" y2="13570"/>
+                        <a14:foregroundMark x1="18511" y1="27140" x2="15652" y2="16443"/>
+                        <a14:foregroundMark x1="15594" y1="16399" x2="18130" y2="26514"/>
+                        <a14:foregroundMark x1="14885" y1="13570" x2="15094" y2="14405"/>
                         <a14:foregroundMark x1="18130" y1="26514" x2="19466" y2="15031"/>
                         <a14:foregroundMark x1="19847" y1="10647" x2="16794" y2="6472"/>
                         <a14:foregroundMark x1="19275" y1="7307" x2="16031" y2="10230"/>
@@ -5831,9 +5858,12 @@
                         <a14:foregroundMark x1="84160" y1="17328" x2="83397" y2="72025"/>
                         <a14:foregroundMark x1="19275" y1="11691" x2="15840" y2="12944"/>
                         <a14:foregroundMark x1="17176" y1="13152" x2="15840" y2="13779"/>
-                        <a14:foregroundMark x1="15076" y1="12526" x2="14504" y2="14614"/>
+                        <a14:foregroundMark x1="15076" y1="12526" x2="14647" y2="14093"/>
                         <a14:foregroundMark x1="10305" y1="77662" x2="5153" y2="76827"/>
                         <a14:foregroundMark x1="91031" y1="77662" x2="93893" y2="77035"/>
+                        <a14:foregroundMark x1="85496" y1="6681" x2="84160" y2="7098"/>
+                        <a14:foregroundMark x1="86069" y1="12109" x2="86069" y2="12109"/>
+                        <a14:foregroundMark x1="86641" y1="12317" x2="86641" y2="12317"/>
                         <a14:backgroundMark x1="13550" y1="4175" x2="3817" y2="12735"/>
                         <a14:backgroundMark x1="3817" y1="12735" x2="382" y2="60334"/>
                         <a14:backgroundMark x1="382" y1="60334" x2="9924" y2="51566"/>
@@ -5849,11 +5879,12 @@
                         <a14:backgroundMark x1="10878" y1="3758" x2="15531" y2="3064"/>
                         <a14:backgroundMark x1="23473" y1="1879" x2="52219" y2="3059"/>
                         <a14:backgroundMark x1="92732" y1="10589" x2="96374" y2="12317"/>
-                        <a14:backgroundMark x1="85052" y1="6946" x2="85218" y2="7025"/>
                         <a14:backgroundMark x1="96374" y1="12317" x2="96374" y2="25887"/>
                         <a14:backgroundMark x1="96374" y1="25887" x2="92176" y2="40710"/>
                         <a14:backgroundMark x1="92176" y1="40710" x2="94084" y2="62630"/>
-                        <a14:backgroundMark x1="91603" y1="8142" x2="87786" y2="13152"/>
+                        <a14:backgroundMark x1="88422" y1="12317" x2="87786" y2="13152"/>
+                        <a14:backgroundMark x1="88581" y1="12109" x2="88422" y2="12317"/>
+                        <a14:backgroundMark x1="91603" y1="8142" x2="88581" y2="12109"/>
                         <a14:backgroundMark x1="89504" y1="7724" x2="90840" y2="6681"/>
                         <a14:backgroundMark x1="88168" y1="4175" x2="88168" y2="4175"/>
                         <a14:backgroundMark x1="87595" y1="67641" x2="87977" y2="69937"/>
@@ -5935,6 +5966,13 @@
                         <a14:backgroundMark x1="83397" y1="86221" x2="90076" y2="96033"/>
                         <a14:backgroundMark x1="85687" y1="84760" x2="97328" y2="91023"/>
                         <a14:backgroundMark x1="97328" y1="91023" x2="89313" y2="90605"/>
+                        <a14:backgroundMark x1="13359" y1="14405" x2="13359" y2="14405"/>
+                        <a14:backgroundMark x1="13931" y1="14614" x2="13931" y2="14614"/>
+                        <a14:backgroundMark x1="14504" y1="14405" x2="14504" y2="14405"/>
+                        <a14:backgroundMark x1="13931" y1="15240" x2="13931" y2="15240"/>
+                        <a14:backgroundMark x1="14122" y1="14823" x2="14122" y2="14823"/>
+                        <a14:backgroundMark x1="14504" y1="14405" x2="14504" y2="14405"/>
+                        <a14:backgroundMark x1="14504" y1="13987" x2="13740" y2="15031"/>
                       </a14:backgroundRemoval>
                     </a14:imgEffect>
                   </a14:imgLayer>
@@ -6935,6 +6973,176 @@
                                   </p:childTnLst>
                                 </p:cTn>
                               </p:par>
+                              <p:par>
+                                <p:cTn id="49" presetID="2" presetClass="entr" presetSubtype="8" fill="hold" nodeType="withEffect">
+                                  <p:stCondLst>
+                                    <p:cond delay="0"/>
+                                  </p:stCondLst>
+                                  <p:childTnLst>
+                                    <p:set>
+                                      <p:cBhvr>
+                                        <p:cTn id="50" dur="1" fill="hold">
+                                          <p:stCondLst>
+                                            <p:cond delay="0"/>
+                                          </p:stCondLst>
+                                        </p:cTn>
+                                        <p:tgtEl>
+                                          <p:spTgt spid="3">
+                                            <p:txEl>
+                                              <p:pRg st="8" end="8"/>
+                                            </p:txEl>
+                                          </p:spTgt>
+                                        </p:tgtEl>
+                                        <p:attrNameLst>
+                                          <p:attrName>style.visibility</p:attrName>
+                                        </p:attrNameLst>
+                                      </p:cBhvr>
+                                      <p:to>
+                                        <p:strVal val="visible"/>
+                                      </p:to>
+                                    </p:set>
+                                    <p:anim calcmode="lin" valueType="num">
+                                      <p:cBhvr additive="base">
+                                        <p:cTn id="51" dur="500" fill="hold"/>
+                                        <p:tgtEl>
+                                          <p:spTgt spid="3">
+                                            <p:txEl>
+                                              <p:pRg st="8" end="8"/>
+                                            </p:txEl>
+                                          </p:spTgt>
+                                        </p:tgtEl>
+                                        <p:attrNameLst>
+                                          <p:attrName>ppt_x</p:attrName>
+                                        </p:attrNameLst>
+                                      </p:cBhvr>
+                                      <p:tavLst>
+                                        <p:tav tm="0">
+                                          <p:val>
+                                            <p:strVal val="0-#ppt_w/2"/>
+                                          </p:val>
+                                        </p:tav>
+                                        <p:tav tm="100000">
+                                          <p:val>
+                                            <p:strVal val="#ppt_x"/>
+                                          </p:val>
+                                        </p:tav>
+                                      </p:tavLst>
+                                    </p:anim>
+                                    <p:anim calcmode="lin" valueType="num">
+                                      <p:cBhvr additive="base">
+                                        <p:cTn id="52" dur="500" fill="hold"/>
+                                        <p:tgtEl>
+                                          <p:spTgt spid="3">
+                                            <p:txEl>
+                                              <p:pRg st="8" end="8"/>
+                                            </p:txEl>
+                                          </p:spTgt>
+                                        </p:tgtEl>
+                                        <p:attrNameLst>
+                                          <p:attrName>ppt_y</p:attrName>
+                                        </p:attrNameLst>
+                                      </p:cBhvr>
+                                      <p:tavLst>
+                                        <p:tav tm="0">
+                                          <p:val>
+                                            <p:strVal val="#ppt_y"/>
+                                          </p:val>
+                                        </p:tav>
+                                        <p:tav tm="100000">
+                                          <p:val>
+                                            <p:strVal val="#ppt_y"/>
+                                          </p:val>
+                                        </p:tav>
+                                      </p:tavLst>
+                                    </p:anim>
+                                  </p:childTnLst>
+                                </p:cTn>
+                              </p:par>
+                              <p:par>
+                                <p:cTn id="53" presetID="2" presetClass="entr" presetSubtype="8" fill="hold" nodeType="withEffect">
+                                  <p:stCondLst>
+                                    <p:cond delay="0"/>
+                                  </p:stCondLst>
+                                  <p:childTnLst>
+                                    <p:set>
+                                      <p:cBhvr>
+                                        <p:cTn id="54" dur="1" fill="hold">
+                                          <p:stCondLst>
+                                            <p:cond delay="0"/>
+                                          </p:stCondLst>
+                                        </p:cTn>
+                                        <p:tgtEl>
+                                          <p:spTgt spid="3">
+                                            <p:txEl>
+                                              <p:pRg st="9" end="9"/>
+                                            </p:txEl>
+                                          </p:spTgt>
+                                        </p:tgtEl>
+                                        <p:attrNameLst>
+                                          <p:attrName>style.visibility</p:attrName>
+                                        </p:attrNameLst>
+                                      </p:cBhvr>
+                                      <p:to>
+                                        <p:strVal val="visible"/>
+                                      </p:to>
+                                    </p:set>
+                                    <p:anim calcmode="lin" valueType="num">
+                                      <p:cBhvr additive="base">
+                                        <p:cTn id="55" dur="500" fill="hold"/>
+                                        <p:tgtEl>
+                                          <p:spTgt spid="3">
+                                            <p:txEl>
+                                              <p:pRg st="9" end="9"/>
+                                            </p:txEl>
+                                          </p:spTgt>
+                                        </p:tgtEl>
+                                        <p:attrNameLst>
+                                          <p:attrName>ppt_x</p:attrName>
+                                        </p:attrNameLst>
+                                      </p:cBhvr>
+                                      <p:tavLst>
+                                        <p:tav tm="0">
+                                          <p:val>
+                                            <p:strVal val="0-#ppt_w/2"/>
+                                          </p:val>
+                                        </p:tav>
+                                        <p:tav tm="100000">
+                                          <p:val>
+                                            <p:strVal val="#ppt_x"/>
+                                          </p:val>
+                                        </p:tav>
+                                      </p:tavLst>
+                                    </p:anim>
+                                    <p:anim calcmode="lin" valueType="num">
+                                      <p:cBhvr additive="base">
+                                        <p:cTn id="56" dur="500" fill="hold"/>
+                                        <p:tgtEl>
+                                          <p:spTgt spid="3">
+                                            <p:txEl>
+                                              <p:pRg st="9" end="9"/>
+                                            </p:txEl>
+                                          </p:spTgt>
+                                        </p:tgtEl>
+                                        <p:attrNameLst>
+                                          <p:attrName>ppt_y</p:attrName>
+                                        </p:attrNameLst>
+                                      </p:cBhvr>
+                                      <p:tavLst>
+                                        <p:tav tm="0">
+                                          <p:val>
+                                            <p:strVal val="#ppt_y"/>
+                                          </p:val>
+                                        </p:tav>
+                                        <p:tav tm="100000">
+                                          <p:val>
+                                            <p:strVal val="#ppt_y"/>
+                                          </p:val>
+                                        </p:tav>
+                                      </p:tavLst>
+                                    </p:anim>
+                                  </p:childTnLst>
+                                </p:cTn>
+                              </p:par>
                             </p:childTnLst>
                           </p:cTn>
                         </p:par>

--- a/PowerPoint.pptx
+++ b/PowerPoint.pptx
@@ -8,6 +8,8 @@
     <p:sldId id="256" r:id="rId2"/>
     <p:sldId id="257" r:id="rId3"/>
     <p:sldId id="258" r:id="rId4"/>
+    <p:sldId id="259" r:id="rId5"/>
+    <p:sldId id="260" r:id="rId6"/>
   </p:sldIdLst>
   <p:sldSz cx="12192000" cy="6858000"/>
   <p:notesSz cx="6858000" cy="9144000"/>
@@ -305,7 +307,7 @@
           <a:p>
             <a:fld id="{4EC87238-8AE5-4254-B341-F7F1A060BE88}" type="datetimeFigureOut">
               <a:rPr lang="nl-NL" smtClean="0"/>
-              <a:t>13-12-2019</a:t>
+              <a:t>15-12-2019</a:t>
             </a:fld>
             <a:endParaRPr lang="nl-NL"/>
           </a:p>
@@ -741,7 +743,7 @@
           <a:p>
             <a:fld id="{4EC87238-8AE5-4254-B341-F7F1A060BE88}" type="datetimeFigureOut">
               <a:rPr lang="nl-NL" smtClean="0"/>
-              <a:t>13-12-2019</a:t>
+              <a:t>15-12-2019</a:t>
             </a:fld>
             <a:endParaRPr lang="nl-NL"/>
           </a:p>
@@ -991,7 +993,7 @@
           <a:p>
             <a:fld id="{4EC87238-8AE5-4254-B341-F7F1A060BE88}" type="datetimeFigureOut">
               <a:rPr lang="nl-NL" smtClean="0"/>
-              <a:t>13-12-2019</a:t>
+              <a:t>15-12-2019</a:t>
             </a:fld>
             <a:endParaRPr lang="nl-NL"/>
           </a:p>
@@ -1299,7 +1301,7 @@
           <a:p>
             <a:fld id="{4EC87238-8AE5-4254-B341-F7F1A060BE88}" type="datetimeFigureOut">
               <a:rPr lang="nl-NL" smtClean="0"/>
-              <a:t>13-12-2019</a:t>
+              <a:t>15-12-2019</a:t>
             </a:fld>
             <a:endParaRPr lang="nl-NL"/>
           </a:p>
@@ -1617,7 +1619,7 @@
           <a:p>
             <a:fld id="{4EC87238-8AE5-4254-B341-F7F1A060BE88}" type="datetimeFigureOut">
               <a:rPr lang="nl-NL" smtClean="0"/>
-              <a:t>13-12-2019</a:t>
+              <a:t>15-12-2019</a:t>
             </a:fld>
             <a:endParaRPr lang="nl-NL"/>
           </a:p>
@@ -1919,7 +1921,7 @@
           <a:p>
             <a:fld id="{4EC87238-8AE5-4254-B341-F7F1A060BE88}" type="datetimeFigureOut">
               <a:rPr lang="nl-NL" smtClean="0"/>
-              <a:t>13-12-2019</a:t>
+              <a:t>15-12-2019</a:t>
             </a:fld>
             <a:endParaRPr lang="nl-NL"/>
           </a:p>
@@ -2286,7 +2288,7 @@
           <a:p>
             <a:fld id="{4EC87238-8AE5-4254-B341-F7F1A060BE88}" type="datetimeFigureOut">
               <a:rPr lang="nl-NL" smtClean="0"/>
-              <a:t>13-12-2019</a:t>
+              <a:t>15-12-2019</a:t>
             </a:fld>
             <a:endParaRPr lang="nl-NL"/>
           </a:p>
@@ -2460,7 +2462,7 @@
           <a:p>
             <a:fld id="{4EC87238-8AE5-4254-B341-F7F1A060BE88}" type="datetimeFigureOut">
               <a:rPr lang="nl-NL" smtClean="0"/>
-              <a:t>13-12-2019</a:t>
+              <a:t>15-12-2019</a:t>
             </a:fld>
             <a:endParaRPr lang="nl-NL"/>
           </a:p>
@@ -2640,7 +2642,7 @@
           <a:p>
             <a:fld id="{4EC87238-8AE5-4254-B341-F7F1A060BE88}" type="datetimeFigureOut">
               <a:rPr lang="nl-NL" smtClean="0"/>
-              <a:t>13-12-2019</a:t>
+              <a:t>15-12-2019</a:t>
             </a:fld>
             <a:endParaRPr lang="nl-NL"/>
           </a:p>
@@ -2810,7 +2812,7 @@
           <a:p>
             <a:fld id="{4EC87238-8AE5-4254-B341-F7F1A060BE88}" type="datetimeFigureOut">
               <a:rPr lang="nl-NL" smtClean="0"/>
-              <a:t>13-12-2019</a:t>
+              <a:t>15-12-2019</a:t>
             </a:fld>
             <a:endParaRPr lang="nl-NL"/>
           </a:p>
@@ -3060,7 +3062,7 @@
           <a:p>
             <a:fld id="{4EC87238-8AE5-4254-B341-F7F1A060BE88}" type="datetimeFigureOut">
               <a:rPr lang="nl-NL" smtClean="0"/>
-              <a:t>13-12-2019</a:t>
+              <a:t>15-12-2019</a:t>
             </a:fld>
             <a:endParaRPr lang="nl-NL"/>
           </a:p>
@@ -3296,7 +3298,7 @@
           <a:p>
             <a:fld id="{4EC87238-8AE5-4254-B341-F7F1A060BE88}" type="datetimeFigureOut">
               <a:rPr lang="nl-NL" smtClean="0"/>
-              <a:t>13-12-2019</a:t>
+              <a:t>15-12-2019</a:t>
             </a:fld>
             <a:endParaRPr lang="nl-NL"/>
           </a:p>
@@ -3678,7 +3680,7 @@
           <a:p>
             <a:fld id="{4EC87238-8AE5-4254-B341-F7F1A060BE88}" type="datetimeFigureOut">
               <a:rPr lang="nl-NL" smtClean="0"/>
-              <a:t>13-12-2019</a:t>
+              <a:t>15-12-2019</a:t>
             </a:fld>
             <a:endParaRPr lang="nl-NL"/>
           </a:p>
@@ -3796,7 +3798,7 @@
           <a:p>
             <a:fld id="{4EC87238-8AE5-4254-B341-F7F1A060BE88}" type="datetimeFigureOut">
               <a:rPr lang="nl-NL" smtClean="0"/>
-              <a:t>13-12-2019</a:t>
+              <a:t>15-12-2019</a:t>
             </a:fld>
             <a:endParaRPr lang="nl-NL"/>
           </a:p>
@@ -3891,7 +3893,7 @@
           <a:p>
             <a:fld id="{4EC87238-8AE5-4254-B341-F7F1A060BE88}" type="datetimeFigureOut">
               <a:rPr lang="nl-NL" smtClean="0"/>
-              <a:t>13-12-2019</a:t>
+              <a:t>15-12-2019</a:t>
             </a:fld>
             <a:endParaRPr lang="nl-NL"/>
           </a:p>
@@ -4146,7 +4148,7 @@
           <a:p>
             <a:fld id="{4EC87238-8AE5-4254-B341-F7F1A060BE88}" type="datetimeFigureOut">
               <a:rPr lang="nl-NL" smtClean="0"/>
-              <a:t>13-12-2019</a:t>
+              <a:t>15-12-2019</a:t>
             </a:fld>
             <a:endParaRPr lang="nl-NL"/>
           </a:p>
@@ -4429,7 +4431,7 @@
           <a:p>
             <a:fld id="{4EC87238-8AE5-4254-B341-F7F1A060BE88}" type="datetimeFigureOut">
               <a:rPr lang="nl-NL" smtClean="0"/>
-              <a:t>13-12-2019</a:t>
+              <a:t>15-12-2019</a:t>
             </a:fld>
             <a:endParaRPr lang="nl-NL"/>
           </a:p>
@@ -4835,7 +4837,7 @@
           <a:p>
             <a:fld id="{4EC87238-8AE5-4254-B341-F7F1A060BE88}" type="datetimeFigureOut">
               <a:rPr lang="nl-NL" smtClean="0"/>
-              <a:t>13-12-2019</a:t>
+              <a:t>15-12-2019</a:t>
             </a:fld>
             <a:endParaRPr lang="nl-NL"/>
           </a:p>
@@ -7306,6 +7308,612 @@
 </p:sld>
 </file>
 
+<file path=ppt/slides/slide4.xml><?xml version="1.0" encoding="utf-8"?>
+<p:sld xmlns:a="http://schemas.openxmlformats.org/drawingml/2006/main" xmlns:r="http://schemas.openxmlformats.org/officeDocument/2006/relationships" xmlns:p="http://schemas.openxmlformats.org/presentationml/2006/main">
+  <p:cSld>
+    <p:bg>
+      <p:bgPr>
+        <a:gradFill rotWithShape="1">
+          <a:gsLst>
+            <a:gs pos="10000">
+              <a:schemeClr val="bg1">
+                <a:tint val="97000"/>
+                <a:hueMod val="92000"/>
+                <a:satMod val="169000"/>
+                <a:lumMod val="164000"/>
+              </a:schemeClr>
+            </a:gs>
+            <a:gs pos="100000">
+              <a:schemeClr val="bg1">
+                <a:shade val="96000"/>
+                <a:satMod val="120000"/>
+                <a:lumMod val="90000"/>
+              </a:schemeClr>
+            </a:gs>
+          </a:gsLst>
+          <a:lin ang="6120000" scaled="1"/>
+        </a:gradFill>
+        <a:effectLst/>
+      </p:bgPr>
+    </p:bg>
+    <p:spTree>
+      <p:nvGrpSpPr>
+        <p:cNvPr id="1" name=""/>
+        <p:cNvGrpSpPr/>
+        <p:nvPr/>
+      </p:nvGrpSpPr>
+      <p:grpSpPr>
+        <a:xfrm>
+          <a:off x="0" y="0"/>
+          <a:ext cx="0" cy="0"/>
+          <a:chOff x="0" y="0"/>
+          <a:chExt cx="0" cy="0"/>
+        </a:xfrm>
+      </p:grpSpPr>
+      <p:sp>
+        <p:nvSpPr>
+          <p:cNvPr id="2" name="Titel 1">
+            <a:extLst>
+              <a:ext uri="{FF2B5EF4-FFF2-40B4-BE49-F238E27FC236}">
+                <a16:creationId xmlns:a16="http://schemas.microsoft.com/office/drawing/2014/main" id="{301853B7-D914-4E5F-BFF2-9306DF25F055}"/>
+              </a:ext>
+            </a:extLst>
+          </p:cNvPr>
+          <p:cNvSpPr>
+            <a:spLocks noGrp="1"/>
+          </p:cNvSpPr>
+          <p:nvPr>
+            <p:ph type="title"/>
+          </p:nvPr>
+        </p:nvSpPr>
+        <p:spPr>
+          <a:xfrm>
+            <a:off x="684212" y="485244"/>
+            <a:ext cx="8534400" cy="1507067"/>
+          </a:xfrm>
+        </p:spPr>
+        <p:txBody>
+          <a:bodyPr>
+            <a:normAutofit/>
+          </a:bodyPr>
+          <a:lstStyle/>
+          <a:p>
+            <a:r>
+              <a:rPr lang="nl-NL" dirty="0"/>
+              <a:t>Rekenmachine code</a:t>
+            </a:r>
+          </a:p>
+        </p:txBody>
+      </p:sp>
+      <p:sp>
+        <p:nvSpPr>
+          <p:cNvPr id="3" name="Tijdelijke aanduiding voor inhoud 2">
+            <a:extLst>
+              <a:ext uri="{FF2B5EF4-FFF2-40B4-BE49-F238E27FC236}">
+                <a16:creationId xmlns:a16="http://schemas.microsoft.com/office/drawing/2014/main" id="{7DE5AE3C-2DC0-4B9F-9447-2831F8B1DDAA}"/>
+              </a:ext>
+            </a:extLst>
+          </p:cNvPr>
+          <p:cNvSpPr>
+            <a:spLocks noGrp="1"/>
+          </p:cNvSpPr>
+          <p:nvPr>
+            <p:ph idx="1"/>
+          </p:nvPr>
+        </p:nvSpPr>
+        <p:spPr>
+          <a:xfrm>
+            <a:off x="684212" y="2068511"/>
+            <a:ext cx="8534400" cy="3615267"/>
+          </a:xfrm>
+        </p:spPr>
+        <p:txBody>
+          <a:bodyPr anchor="t">
+            <a:normAutofit/>
+          </a:bodyPr>
+          <a:lstStyle/>
+          <a:p>
+            <a:pPr marL="0" indent="0">
+              <a:buNone/>
+            </a:pPr>
+            <a:r>
+              <a:rPr lang="nl-NL" dirty="0">
+                <a:solidFill>
+                  <a:schemeClr val="tx1"/>
+                </a:solidFill>
+              </a:rPr>
+              <a:t>Invoer</a:t>
+            </a:r>
+          </a:p>
+          <a:p>
+            <a:pPr marL="0" indent="0">
+              <a:buNone/>
+            </a:pPr>
+            <a:endParaRPr lang="nl-NL" dirty="0">
+              <a:solidFill>
+                <a:schemeClr val="tx1"/>
+              </a:solidFill>
+            </a:endParaRPr>
+          </a:p>
+          <a:p>
+            <a:pPr marL="0" indent="0">
+              <a:buNone/>
+            </a:pPr>
+            <a:endParaRPr lang="nl-NL" dirty="0">
+              <a:solidFill>
+                <a:schemeClr val="tx1"/>
+              </a:solidFill>
+            </a:endParaRPr>
+          </a:p>
+          <a:p>
+            <a:pPr marL="0" indent="0">
+              <a:buNone/>
+            </a:pPr>
+            <a:r>
+              <a:rPr lang="nl-NL" dirty="0">
+                <a:solidFill>
+                  <a:schemeClr val="tx1"/>
+                </a:solidFill>
+              </a:rPr>
+              <a:t>Getal 1, Getal 2</a:t>
+            </a:r>
+          </a:p>
+          <a:p>
+            <a:pPr marL="0" indent="0">
+              <a:buNone/>
+            </a:pPr>
+            <a:endParaRPr lang="nl-NL" dirty="0">
+              <a:solidFill>
+                <a:schemeClr val="tx1"/>
+              </a:solidFill>
+            </a:endParaRPr>
+          </a:p>
+          <a:p>
+            <a:pPr marL="0" indent="0">
+              <a:buNone/>
+            </a:pPr>
+            <a:endParaRPr lang="nl-NL" dirty="0">
+              <a:solidFill>
+                <a:schemeClr val="tx1"/>
+              </a:solidFill>
+            </a:endParaRPr>
+          </a:p>
+          <a:p>
+            <a:pPr marL="0" indent="0">
+              <a:buNone/>
+            </a:pPr>
+            <a:r>
+              <a:rPr lang="nl-NL" dirty="0">
+                <a:solidFill>
+                  <a:schemeClr val="tx1"/>
+                </a:solidFill>
+              </a:rPr>
+              <a:t>Operatie</a:t>
+            </a:r>
+          </a:p>
+          <a:p>
+            <a:pPr marL="0" indent="0">
+              <a:buNone/>
+            </a:pPr>
+            <a:endParaRPr lang="nl-NL" dirty="0">
+              <a:solidFill>
+                <a:schemeClr val="tx1"/>
+              </a:solidFill>
+            </a:endParaRPr>
+          </a:p>
+        </p:txBody>
+      </p:sp>
+      <p:pic>
+        <p:nvPicPr>
+          <p:cNvPr id="4" name="Afbeelding 3">
+            <a:extLst>
+              <a:ext uri="{FF2B5EF4-FFF2-40B4-BE49-F238E27FC236}">
+                <a16:creationId xmlns:a16="http://schemas.microsoft.com/office/drawing/2014/main" id="{45E7EFE5-E2D5-4EBB-BF05-B83AB4BF3E15}"/>
+              </a:ext>
+            </a:extLst>
+          </p:cNvPr>
+          <p:cNvPicPr>
+            <a:picLocks noChangeAspect="1"/>
+          </p:cNvPicPr>
+          <p:nvPr/>
+        </p:nvPicPr>
+        <p:blipFill>
+          <a:blip r:embed="rId2"/>
+          <a:stretch>
+            <a:fillRect/>
+          </a:stretch>
+        </p:blipFill>
+        <p:spPr>
+          <a:xfrm>
+            <a:off x="5049838" y="1992311"/>
+            <a:ext cx="6457950" cy="1047750"/>
+          </a:xfrm>
+          <a:prstGeom prst="rect">
+            <a:avLst/>
+          </a:prstGeom>
+        </p:spPr>
+      </p:pic>
+      <p:pic>
+        <p:nvPicPr>
+          <p:cNvPr id="5" name="Afbeelding 4">
+            <a:extLst>
+              <a:ext uri="{FF2B5EF4-FFF2-40B4-BE49-F238E27FC236}">
+                <a16:creationId xmlns:a16="http://schemas.microsoft.com/office/drawing/2014/main" id="{BAA2BA97-6EA6-45D3-82E4-18CF0974DB3C}"/>
+              </a:ext>
+            </a:extLst>
+          </p:cNvPr>
+          <p:cNvPicPr>
+            <a:picLocks noChangeAspect="1"/>
+          </p:cNvPicPr>
+          <p:nvPr/>
+        </p:nvPicPr>
+        <p:blipFill>
+          <a:blip r:embed="rId3"/>
+          <a:stretch>
+            <a:fillRect/>
+          </a:stretch>
+        </p:blipFill>
+        <p:spPr>
+          <a:xfrm>
+            <a:off x="5049838" y="3113090"/>
+            <a:ext cx="6057900" cy="1409700"/>
+          </a:xfrm>
+          <a:prstGeom prst="rect">
+            <a:avLst/>
+          </a:prstGeom>
+        </p:spPr>
+      </p:pic>
+      <p:pic>
+        <p:nvPicPr>
+          <p:cNvPr id="6" name="Afbeelding 5">
+            <a:extLst>
+              <a:ext uri="{FF2B5EF4-FFF2-40B4-BE49-F238E27FC236}">
+                <a16:creationId xmlns:a16="http://schemas.microsoft.com/office/drawing/2014/main" id="{26FAA126-E08F-4E01-855A-60B5DDE1BB12}"/>
+              </a:ext>
+            </a:extLst>
+          </p:cNvPr>
+          <p:cNvPicPr>
+            <a:picLocks noChangeAspect="1"/>
+          </p:cNvPicPr>
+          <p:nvPr/>
+        </p:nvPicPr>
+        <p:blipFill>
+          <a:blip r:embed="rId4"/>
+          <a:stretch>
+            <a:fillRect/>
+          </a:stretch>
+        </p:blipFill>
+        <p:spPr>
+          <a:xfrm>
+            <a:off x="5049838" y="4595819"/>
+            <a:ext cx="6153150" cy="1438275"/>
+          </a:xfrm>
+          <a:prstGeom prst="rect">
+            <a:avLst/>
+          </a:prstGeom>
+        </p:spPr>
+      </p:pic>
+    </p:spTree>
+    <p:extLst>
+      <p:ext uri="{BB962C8B-B14F-4D97-AF65-F5344CB8AC3E}">
+        <p14:creationId xmlns:p14="http://schemas.microsoft.com/office/powerpoint/2010/main" val="514134697"/>
+      </p:ext>
+    </p:extLst>
+  </p:cSld>
+  <p:clrMapOvr>
+    <a:masterClrMapping/>
+  </p:clrMapOvr>
+</p:sld>
+</file>
+
+<file path=ppt/slides/slide5.xml><?xml version="1.0" encoding="utf-8"?>
+<p:sld xmlns:a="http://schemas.openxmlformats.org/drawingml/2006/main" xmlns:r="http://schemas.openxmlformats.org/officeDocument/2006/relationships" xmlns:p="http://schemas.openxmlformats.org/presentationml/2006/main">
+  <p:cSld>
+    <p:bg>
+      <p:bgPr>
+        <a:gradFill rotWithShape="1">
+          <a:gsLst>
+            <a:gs pos="10000">
+              <a:schemeClr val="bg1">
+                <a:tint val="97000"/>
+                <a:hueMod val="92000"/>
+                <a:satMod val="169000"/>
+                <a:lumMod val="164000"/>
+              </a:schemeClr>
+            </a:gs>
+            <a:gs pos="100000">
+              <a:schemeClr val="bg1">
+                <a:shade val="96000"/>
+                <a:satMod val="120000"/>
+                <a:lumMod val="90000"/>
+              </a:schemeClr>
+            </a:gs>
+          </a:gsLst>
+          <a:lin ang="6120000" scaled="1"/>
+        </a:gradFill>
+        <a:effectLst/>
+      </p:bgPr>
+    </p:bg>
+    <p:spTree>
+      <p:nvGrpSpPr>
+        <p:cNvPr id="1" name=""/>
+        <p:cNvGrpSpPr/>
+        <p:nvPr/>
+      </p:nvGrpSpPr>
+      <p:grpSpPr>
+        <a:xfrm>
+          <a:off x="0" y="0"/>
+          <a:ext cx="0" cy="0"/>
+          <a:chOff x="0" y="0"/>
+          <a:chExt cx="0" cy="0"/>
+        </a:xfrm>
+      </p:grpSpPr>
+      <p:sp>
+        <p:nvSpPr>
+          <p:cNvPr id="2" name="Titel 1">
+            <a:extLst>
+              <a:ext uri="{FF2B5EF4-FFF2-40B4-BE49-F238E27FC236}">
+                <a16:creationId xmlns:a16="http://schemas.microsoft.com/office/drawing/2014/main" id="{301853B7-D914-4E5F-BFF2-9306DF25F055}"/>
+              </a:ext>
+            </a:extLst>
+          </p:cNvPr>
+          <p:cNvSpPr>
+            <a:spLocks noGrp="1"/>
+          </p:cNvSpPr>
+          <p:nvPr>
+            <p:ph type="title"/>
+          </p:nvPr>
+        </p:nvSpPr>
+        <p:spPr>
+          <a:xfrm>
+            <a:off x="684212" y="485244"/>
+            <a:ext cx="8534400" cy="1507067"/>
+          </a:xfrm>
+        </p:spPr>
+        <p:txBody>
+          <a:bodyPr>
+            <a:normAutofit/>
+          </a:bodyPr>
+          <a:lstStyle/>
+          <a:p>
+            <a:r>
+              <a:rPr lang="nl-NL" dirty="0"/>
+              <a:t>Rekenmachine code</a:t>
+            </a:r>
+          </a:p>
+        </p:txBody>
+      </p:sp>
+      <p:sp>
+        <p:nvSpPr>
+          <p:cNvPr id="3" name="Tijdelijke aanduiding voor inhoud 2">
+            <a:extLst>
+              <a:ext uri="{FF2B5EF4-FFF2-40B4-BE49-F238E27FC236}">
+                <a16:creationId xmlns:a16="http://schemas.microsoft.com/office/drawing/2014/main" id="{7DE5AE3C-2DC0-4B9F-9447-2831F8B1DDAA}"/>
+              </a:ext>
+            </a:extLst>
+          </p:cNvPr>
+          <p:cNvSpPr>
+            <a:spLocks noGrp="1"/>
+          </p:cNvSpPr>
+          <p:nvPr>
+            <p:ph idx="1"/>
+          </p:nvPr>
+        </p:nvSpPr>
+        <p:spPr>
+          <a:xfrm>
+            <a:off x="684212" y="2068511"/>
+            <a:ext cx="8534400" cy="3615267"/>
+          </a:xfrm>
+        </p:spPr>
+        <p:txBody>
+          <a:bodyPr anchor="t">
+            <a:normAutofit fontScale="92500" lnSpcReduction="10000"/>
+          </a:bodyPr>
+          <a:lstStyle/>
+          <a:p>
+            <a:pPr marL="0" indent="0">
+              <a:buNone/>
+            </a:pPr>
+            <a:r>
+              <a:rPr lang="nl-NL" dirty="0">
+                <a:solidFill>
+                  <a:schemeClr val="tx1"/>
+                </a:solidFill>
+              </a:rPr>
+              <a:t>Komma-knop</a:t>
+            </a:r>
+          </a:p>
+          <a:p>
+            <a:pPr marL="0" indent="0">
+              <a:buNone/>
+            </a:pPr>
+            <a:endParaRPr lang="nl-NL" dirty="0">
+              <a:solidFill>
+                <a:schemeClr val="tx1"/>
+              </a:solidFill>
+            </a:endParaRPr>
+          </a:p>
+          <a:p>
+            <a:pPr marL="0" indent="0">
+              <a:buNone/>
+            </a:pPr>
+            <a:endParaRPr lang="nl-NL" dirty="0">
+              <a:solidFill>
+                <a:schemeClr val="tx1"/>
+              </a:solidFill>
+            </a:endParaRPr>
+          </a:p>
+          <a:p>
+            <a:pPr marL="0" indent="0">
+              <a:buNone/>
+            </a:pPr>
+            <a:endParaRPr lang="nl-NL" dirty="0">
+              <a:solidFill>
+                <a:schemeClr val="tx1"/>
+              </a:solidFill>
+            </a:endParaRPr>
+          </a:p>
+          <a:p>
+            <a:pPr marL="0" indent="0">
+              <a:buNone/>
+            </a:pPr>
+            <a:r>
+              <a:rPr lang="nl-NL" dirty="0">
+                <a:solidFill>
+                  <a:schemeClr val="tx1"/>
+                </a:solidFill>
+              </a:rPr>
+              <a:t>Is-knop</a:t>
+            </a:r>
+          </a:p>
+          <a:p>
+            <a:pPr marL="0" indent="0">
+              <a:buNone/>
+            </a:pPr>
+            <a:endParaRPr lang="nl-NL" dirty="0">
+              <a:solidFill>
+                <a:schemeClr val="tx1"/>
+              </a:solidFill>
+            </a:endParaRPr>
+          </a:p>
+          <a:p>
+            <a:pPr marL="0" indent="0">
+              <a:buNone/>
+            </a:pPr>
+            <a:endParaRPr lang="nl-NL" dirty="0">
+              <a:solidFill>
+                <a:schemeClr val="tx1"/>
+              </a:solidFill>
+            </a:endParaRPr>
+          </a:p>
+          <a:p>
+            <a:pPr marL="0" indent="0">
+              <a:buNone/>
+            </a:pPr>
+            <a:endParaRPr lang="nl-NL" dirty="0">
+              <a:solidFill>
+                <a:schemeClr val="tx1"/>
+              </a:solidFill>
+            </a:endParaRPr>
+          </a:p>
+          <a:p>
+            <a:pPr marL="0" indent="0">
+              <a:buNone/>
+            </a:pPr>
+            <a:r>
+              <a:rPr lang="nl-NL" dirty="0">
+                <a:solidFill>
+                  <a:schemeClr val="tx1"/>
+                </a:solidFill>
+              </a:rPr>
+              <a:t>Operatie</a:t>
+            </a:r>
+          </a:p>
+        </p:txBody>
+      </p:sp>
+      <p:pic>
+        <p:nvPicPr>
+          <p:cNvPr id="7" name="Afbeelding 6">
+            <a:extLst>
+              <a:ext uri="{FF2B5EF4-FFF2-40B4-BE49-F238E27FC236}">
+                <a16:creationId xmlns:a16="http://schemas.microsoft.com/office/drawing/2014/main" id="{D3039194-2D54-43E0-99E9-4D46D37FE1B2}"/>
+              </a:ext>
+            </a:extLst>
+          </p:cNvPr>
+          <p:cNvPicPr>
+            <a:picLocks noChangeAspect="1"/>
+          </p:cNvPicPr>
+          <p:nvPr/>
+        </p:nvPicPr>
+        <p:blipFill>
+          <a:blip r:embed="rId2"/>
+          <a:stretch>
+            <a:fillRect/>
+          </a:stretch>
+        </p:blipFill>
+        <p:spPr>
+          <a:xfrm>
+            <a:off x="6096000" y="3429000"/>
+            <a:ext cx="3409950" cy="1076325"/>
+          </a:xfrm>
+          <a:prstGeom prst="rect">
+            <a:avLst/>
+          </a:prstGeom>
+        </p:spPr>
+      </p:pic>
+      <p:pic>
+        <p:nvPicPr>
+          <p:cNvPr id="8" name="Afbeelding 7">
+            <a:extLst>
+              <a:ext uri="{FF2B5EF4-FFF2-40B4-BE49-F238E27FC236}">
+                <a16:creationId xmlns:a16="http://schemas.microsoft.com/office/drawing/2014/main" id="{8F1F560F-C264-4BB1-B99B-14BE73AB9BB2}"/>
+              </a:ext>
+            </a:extLst>
+          </p:cNvPr>
+          <p:cNvPicPr>
+            <a:picLocks noChangeAspect="1"/>
+          </p:cNvPicPr>
+          <p:nvPr/>
+        </p:nvPicPr>
+        <p:blipFill>
+          <a:blip r:embed="rId3"/>
+          <a:stretch>
+            <a:fillRect/>
+          </a:stretch>
+        </p:blipFill>
+        <p:spPr>
+          <a:xfrm>
+            <a:off x="6096000" y="2068511"/>
+            <a:ext cx="2333625" cy="857250"/>
+          </a:xfrm>
+          <a:prstGeom prst="rect">
+            <a:avLst/>
+          </a:prstGeom>
+        </p:spPr>
+      </p:pic>
+      <p:pic>
+        <p:nvPicPr>
+          <p:cNvPr id="9" name="Afbeelding 8">
+            <a:extLst>
+              <a:ext uri="{FF2B5EF4-FFF2-40B4-BE49-F238E27FC236}">
+                <a16:creationId xmlns:a16="http://schemas.microsoft.com/office/drawing/2014/main" id="{6CC45AFF-C76F-48C2-86AE-2DE91A9DD140}"/>
+              </a:ext>
+            </a:extLst>
+          </p:cNvPr>
+          <p:cNvPicPr>
+            <a:picLocks noChangeAspect="1"/>
+          </p:cNvPicPr>
+          <p:nvPr/>
+        </p:nvPicPr>
+        <p:blipFill>
+          <a:blip r:embed="rId4"/>
+          <a:stretch>
+            <a:fillRect/>
+          </a:stretch>
+        </p:blipFill>
+        <p:spPr>
+          <a:xfrm>
+            <a:off x="6096000" y="5008564"/>
+            <a:ext cx="3657600" cy="1057275"/>
+          </a:xfrm>
+          <a:prstGeom prst="rect">
+            <a:avLst/>
+          </a:prstGeom>
+        </p:spPr>
+      </p:pic>
+    </p:spTree>
+    <p:extLst>
+      <p:ext uri="{BB962C8B-B14F-4D97-AF65-F5344CB8AC3E}">
+        <p14:creationId xmlns:p14="http://schemas.microsoft.com/office/powerpoint/2010/main" val="852697815"/>
+      </p:ext>
+    </p:extLst>
+  </p:cSld>
+  <p:clrMapOvr>
+    <a:masterClrMapping/>
+  </p:clrMapOvr>
+</p:sld>
+</file>
+
 <file path=ppt/theme/theme1.xml><?xml version="1.0" encoding="utf-8"?>
 <a:theme xmlns:a="http://schemas.openxmlformats.org/drawingml/2006/main" name="Segment">
   <a:themeElements>

--- a/PowerPoint.pptx
+++ b/PowerPoint.pptx
@@ -307,7 +307,7 @@
           <a:p>
             <a:fld id="{4EC87238-8AE5-4254-B341-F7F1A060BE88}" type="datetimeFigureOut">
               <a:rPr lang="nl-NL" smtClean="0"/>
-              <a:t>15-12-2019</a:t>
+              <a:t>16-12-2019</a:t>
             </a:fld>
             <a:endParaRPr lang="nl-NL"/>
           </a:p>
@@ -743,7 +743,7 @@
           <a:p>
             <a:fld id="{4EC87238-8AE5-4254-B341-F7F1A060BE88}" type="datetimeFigureOut">
               <a:rPr lang="nl-NL" smtClean="0"/>
-              <a:t>15-12-2019</a:t>
+              <a:t>16-12-2019</a:t>
             </a:fld>
             <a:endParaRPr lang="nl-NL"/>
           </a:p>
@@ -993,7 +993,7 @@
           <a:p>
             <a:fld id="{4EC87238-8AE5-4254-B341-F7F1A060BE88}" type="datetimeFigureOut">
               <a:rPr lang="nl-NL" smtClean="0"/>
-              <a:t>15-12-2019</a:t>
+              <a:t>16-12-2019</a:t>
             </a:fld>
             <a:endParaRPr lang="nl-NL"/>
           </a:p>
@@ -1301,7 +1301,7 @@
           <a:p>
             <a:fld id="{4EC87238-8AE5-4254-B341-F7F1A060BE88}" type="datetimeFigureOut">
               <a:rPr lang="nl-NL" smtClean="0"/>
-              <a:t>15-12-2019</a:t>
+              <a:t>16-12-2019</a:t>
             </a:fld>
             <a:endParaRPr lang="nl-NL"/>
           </a:p>
@@ -1619,7 +1619,7 @@
           <a:p>
             <a:fld id="{4EC87238-8AE5-4254-B341-F7F1A060BE88}" type="datetimeFigureOut">
               <a:rPr lang="nl-NL" smtClean="0"/>
-              <a:t>15-12-2019</a:t>
+              <a:t>16-12-2019</a:t>
             </a:fld>
             <a:endParaRPr lang="nl-NL"/>
           </a:p>
@@ -1921,7 +1921,7 @@
           <a:p>
             <a:fld id="{4EC87238-8AE5-4254-B341-F7F1A060BE88}" type="datetimeFigureOut">
               <a:rPr lang="nl-NL" smtClean="0"/>
-              <a:t>15-12-2019</a:t>
+              <a:t>16-12-2019</a:t>
             </a:fld>
             <a:endParaRPr lang="nl-NL"/>
           </a:p>
@@ -2288,7 +2288,7 @@
           <a:p>
             <a:fld id="{4EC87238-8AE5-4254-B341-F7F1A060BE88}" type="datetimeFigureOut">
               <a:rPr lang="nl-NL" smtClean="0"/>
-              <a:t>15-12-2019</a:t>
+              <a:t>16-12-2019</a:t>
             </a:fld>
             <a:endParaRPr lang="nl-NL"/>
           </a:p>
@@ -2462,7 +2462,7 @@
           <a:p>
             <a:fld id="{4EC87238-8AE5-4254-B341-F7F1A060BE88}" type="datetimeFigureOut">
               <a:rPr lang="nl-NL" smtClean="0"/>
-              <a:t>15-12-2019</a:t>
+              <a:t>16-12-2019</a:t>
             </a:fld>
             <a:endParaRPr lang="nl-NL"/>
           </a:p>
@@ -2642,7 +2642,7 @@
           <a:p>
             <a:fld id="{4EC87238-8AE5-4254-B341-F7F1A060BE88}" type="datetimeFigureOut">
               <a:rPr lang="nl-NL" smtClean="0"/>
-              <a:t>15-12-2019</a:t>
+              <a:t>16-12-2019</a:t>
             </a:fld>
             <a:endParaRPr lang="nl-NL"/>
           </a:p>
@@ -2812,7 +2812,7 @@
           <a:p>
             <a:fld id="{4EC87238-8AE5-4254-B341-F7F1A060BE88}" type="datetimeFigureOut">
               <a:rPr lang="nl-NL" smtClean="0"/>
-              <a:t>15-12-2019</a:t>
+              <a:t>16-12-2019</a:t>
             </a:fld>
             <a:endParaRPr lang="nl-NL"/>
           </a:p>
@@ -3062,7 +3062,7 @@
           <a:p>
             <a:fld id="{4EC87238-8AE5-4254-B341-F7F1A060BE88}" type="datetimeFigureOut">
               <a:rPr lang="nl-NL" smtClean="0"/>
-              <a:t>15-12-2019</a:t>
+              <a:t>16-12-2019</a:t>
             </a:fld>
             <a:endParaRPr lang="nl-NL"/>
           </a:p>
@@ -3298,7 +3298,7 @@
           <a:p>
             <a:fld id="{4EC87238-8AE5-4254-B341-F7F1A060BE88}" type="datetimeFigureOut">
               <a:rPr lang="nl-NL" smtClean="0"/>
-              <a:t>15-12-2019</a:t>
+              <a:t>16-12-2019</a:t>
             </a:fld>
             <a:endParaRPr lang="nl-NL"/>
           </a:p>
@@ -3680,7 +3680,7 @@
           <a:p>
             <a:fld id="{4EC87238-8AE5-4254-B341-F7F1A060BE88}" type="datetimeFigureOut">
               <a:rPr lang="nl-NL" smtClean="0"/>
-              <a:t>15-12-2019</a:t>
+              <a:t>16-12-2019</a:t>
             </a:fld>
             <a:endParaRPr lang="nl-NL"/>
           </a:p>
@@ -3798,7 +3798,7 @@
           <a:p>
             <a:fld id="{4EC87238-8AE5-4254-B341-F7F1A060BE88}" type="datetimeFigureOut">
               <a:rPr lang="nl-NL" smtClean="0"/>
-              <a:t>15-12-2019</a:t>
+              <a:t>16-12-2019</a:t>
             </a:fld>
             <a:endParaRPr lang="nl-NL"/>
           </a:p>
@@ -3893,7 +3893,7 @@
           <a:p>
             <a:fld id="{4EC87238-8AE5-4254-B341-F7F1A060BE88}" type="datetimeFigureOut">
               <a:rPr lang="nl-NL" smtClean="0"/>
-              <a:t>15-12-2019</a:t>
+              <a:t>16-12-2019</a:t>
             </a:fld>
             <a:endParaRPr lang="nl-NL"/>
           </a:p>
@@ -4148,7 +4148,7 @@
           <a:p>
             <a:fld id="{4EC87238-8AE5-4254-B341-F7F1A060BE88}" type="datetimeFigureOut">
               <a:rPr lang="nl-NL" smtClean="0"/>
-              <a:t>15-12-2019</a:t>
+              <a:t>16-12-2019</a:t>
             </a:fld>
             <a:endParaRPr lang="nl-NL"/>
           </a:p>
@@ -4431,7 +4431,7 @@
           <a:p>
             <a:fld id="{4EC87238-8AE5-4254-B341-F7F1A060BE88}" type="datetimeFigureOut">
               <a:rPr lang="nl-NL" smtClean="0"/>
-              <a:t>15-12-2019</a:t>
+              <a:t>16-12-2019</a:t>
             </a:fld>
             <a:endParaRPr lang="nl-NL"/>
           </a:p>
@@ -4837,7 +4837,7 @@
           <a:p>
             <a:fld id="{4EC87238-8AE5-4254-B341-F7F1A060BE88}" type="datetimeFigureOut">
               <a:rPr lang="nl-NL" smtClean="0"/>
-              <a:t>15-12-2019</a:t>
+              <a:t>16-12-2019</a:t>
             </a:fld>
             <a:endParaRPr lang="nl-NL"/>
           </a:p>
@@ -5489,18 +5489,22 @@
                   </a:schemeClr>
                 </a:solidFill>
               </a:rPr>
-              <a:t>Jesse </a:t>
-            </a:r>
-            <a:r>
-              <a:rPr lang="nl-NL" dirty="0" err="1">
+              <a:t>Jesse Overveld			Sam Elfring</a:t>
+            </a:r>
+          </a:p>
+          <a:p>
+            <a:r>
+              <a:rPr lang="nl-NL" dirty="0">
                 <a:solidFill>
                   <a:schemeClr val="tx2">
                     <a:lumMod val="75000"/>
                   </a:schemeClr>
                 </a:solidFill>
               </a:rPr>
-              <a:t>Overveld</a:t>
-            </a:r>
+              <a:t>Lucas Huls					Bram van Nek</a:t>
+            </a:r>
+          </a:p>
+          <a:p>
             <a:r>
               <a:rPr lang="nl-NL" dirty="0">
                 <a:solidFill>
@@ -5509,41 +5513,7 @@
                   </a:schemeClr>
                 </a:solidFill>
               </a:rPr>
-              <a:t>			Sam Elfring</a:t>
-            </a:r>
-          </a:p>
-          <a:p>
-            <a:r>
-              <a:rPr lang="nl-NL" dirty="0">
-                <a:solidFill>
-                  <a:schemeClr val="tx2">
-                    <a:lumMod val="75000"/>
-                  </a:schemeClr>
-                </a:solidFill>
-              </a:rPr>
-              <a:t>Lucas Huls					Bram van Nek</a:t>
-            </a:r>
-          </a:p>
-          <a:p>
-            <a:r>
-              <a:rPr lang="nl-NL" dirty="0" err="1">
-                <a:solidFill>
-                  <a:schemeClr val="tx2">
-                    <a:lumMod val="75000"/>
-                  </a:schemeClr>
-                </a:solidFill>
-              </a:rPr>
-              <a:t>Jullian</a:t>
-            </a:r>
-            <a:r>
-              <a:rPr lang="nl-NL" dirty="0">
-                <a:solidFill>
-                  <a:schemeClr val="tx2">
-                    <a:lumMod val="75000"/>
-                  </a:schemeClr>
-                </a:solidFill>
-              </a:rPr>
-              <a:t> Moreno </a:t>
+              <a:t>Jullian Moreno </a:t>
             </a:r>
           </a:p>
         </p:txBody>
@@ -5682,6 +5652,31 @@
                   <a:schemeClr val="tx1"/>
                 </a:solidFill>
               </a:rPr>
+              <a:t>Ontwerp</a:t>
+            </a:r>
+          </a:p>
+          <a:p>
+            <a:r>
+              <a:rPr lang="nl-NL">
+                <a:solidFill>
+                  <a:schemeClr val="tx1"/>
+                </a:solidFill>
+              </a:rPr>
+              <a:t>GitHub</a:t>
+            </a:r>
+            <a:endParaRPr lang="nl-NL" dirty="0">
+              <a:solidFill>
+                <a:schemeClr val="tx1"/>
+              </a:solidFill>
+            </a:endParaRPr>
+          </a:p>
+          <a:p>
+            <a:r>
+              <a:rPr lang="nl-NL" dirty="0">
+                <a:solidFill>
+                  <a:schemeClr val="tx1"/>
+                </a:solidFill>
+              </a:rPr>
               <a:t>Sprints</a:t>
             </a:r>
           </a:p>
@@ -5692,7 +5687,7 @@
                   <a:schemeClr val="tx1"/>
                 </a:solidFill>
               </a:rPr>
-              <a:t>Ontwerp</a:t>
+              <a:t>Rekenmachine code</a:t>
             </a:r>
           </a:p>
           <a:p>
@@ -5703,26 +5698,6 @@
                 </a:solidFill>
               </a:rPr>
               <a:t>Taakverdeling</a:t>
-            </a:r>
-          </a:p>
-          <a:p>
-            <a:r>
-              <a:rPr lang="nl-NL" dirty="0">
-                <a:solidFill>
-                  <a:schemeClr val="tx1"/>
-                </a:solidFill>
-              </a:rPr>
-              <a:t>Rekenmachine code</a:t>
-            </a:r>
-          </a:p>
-          <a:p>
-            <a:r>
-              <a:rPr lang="nl-NL" dirty="0">
-                <a:solidFill>
-                  <a:schemeClr val="tx1"/>
-                </a:solidFill>
-              </a:rPr>
-              <a:t>GitHub</a:t>
             </a:r>
           </a:p>
           <a:p>

--- a/PowerPoint.pptx
+++ b/PowerPoint.pptx
@@ -5626,8 +5626,8 @@
         </p:nvSpPr>
         <p:spPr>
           <a:xfrm>
-            <a:off x="684212" y="2068511"/>
-            <a:ext cx="8534400" cy="4172491"/>
+            <a:off x="684212" y="1837678"/>
+            <a:ext cx="8534400" cy="4403324"/>
           </a:xfrm>
         </p:spPr>
         <p:txBody>
@@ -5652,23 +5652,28 @@
                   <a:schemeClr val="tx1"/>
                 </a:solidFill>
               </a:rPr>
+              <a:t>Nulmeting</a:t>
+            </a:r>
+          </a:p>
+          <a:p>
+            <a:r>
+              <a:rPr lang="nl-NL" dirty="0">
+                <a:solidFill>
+                  <a:schemeClr val="tx1"/>
+                </a:solidFill>
+              </a:rPr>
               <a:t>Ontwerp</a:t>
             </a:r>
           </a:p>
           <a:p>
             <a:r>
-              <a:rPr lang="nl-NL">
+              <a:rPr lang="nl-NL" dirty="0">
                 <a:solidFill>
                   <a:schemeClr val="tx1"/>
                 </a:solidFill>
               </a:rPr>
               <a:t>GitHub</a:t>
             </a:r>
-            <a:endParaRPr lang="nl-NL" dirty="0">
-              <a:solidFill>
-                <a:schemeClr val="tx1"/>
-              </a:solidFill>
-            </a:endParaRPr>
           </a:p>
           <a:p>
             <a:r>
@@ -5737,7 +5742,7 @@
                   <a:schemeClr val="tx1"/>
                 </a:solidFill>
               </a:rPr>
-              <a:t>Samenvatten</a:t>
+              <a:t>Retrospective</a:t>
             </a:r>
           </a:p>
           <a:p>
@@ -7120,6 +7125,91 @@
                                   </p:childTnLst>
                                 </p:cTn>
                               </p:par>
+                              <p:par>
+                                <p:cTn id="57" presetID="2" presetClass="entr" presetSubtype="8" fill="hold" nodeType="withEffect">
+                                  <p:stCondLst>
+                                    <p:cond delay="0"/>
+                                  </p:stCondLst>
+                                  <p:childTnLst>
+                                    <p:set>
+                                      <p:cBhvr>
+                                        <p:cTn id="58" dur="1" fill="hold">
+                                          <p:stCondLst>
+                                            <p:cond delay="0"/>
+                                          </p:stCondLst>
+                                        </p:cTn>
+                                        <p:tgtEl>
+                                          <p:spTgt spid="3">
+                                            <p:txEl>
+                                              <p:pRg st="10" end="10"/>
+                                            </p:txEl>
+                                          </p:spTgt>
+                                        </p:tgtEl>
+                                        <p:attrNameLst>
+                                          <p:attrName>style.visibility</p:attrName>
+                                        </p:attrNameLst>
+                                      </p:cBhvr>
+                                      <p:to>
+                                        <p:strVal val="visible"/>
+                                      </p:to>
+                                    </p:set>
+                                    <p:anim calcmode="lin" valueType="num">
+                                      <p:cBhvr additive="base">
+                                        <p:cTn id="59" dur="500" fill="hold"/>
+                                        <p:tgtEl>
+                                          <p:spTgt spid="3">
+                                            <p:txEl>
+                                              <p:pRg st="10" end="10"/>
+                                            </p:txEl>
+                                          </p:spTgt>
+                                        </p:tgtEl>
+                                        <p:attrNameLst>
+                                          <p:attrName>ppt_x</p:attrName>
+                                        </p:attrNameLst>
+                                      </p:cBhvr>
+                                      <p:tavLst>
+                                        <p:tav tm="0">
+                                          <p:val>
+                                            <p:strVal val="0-#ppt_w/2"/>
+                                          </p:val>
+                                        </p:tav>
+                                        <p:tav tm="100000">
+                                          <p:val>
+                                            <p:strVal val="#ppt_x"/>
+                                          </p:val>
+                                        </p:tav>
+                                      </p:tavLst>
+                                    </p:anim>
+                                    <p:anim calcmode="lin" valueType="num">
+                                      <p:cBhvr additive="base">
+                                        <p:cTn id="60" dur="500" fill="hold"/>
+                                        <p:tgtEl>
+                                          <p:spTgt spid="3">
+                                            <p:txEl>
+                                              <p:pRg st="10" end="10"/>
+                                            </p:txEl>
+                                          </p:spTgt>
+                                        </p:tgtEl>
+                                        <p:attrNameLst>
+                                          <p:attrName>ppt_y</p:attrName>
+                                        </p:attrNameLst>
+                                      </p:cBhvr>
+                                      <p:tavLst>
+                                        <p:tav tm="0">
+                                          <p:val>
+                                            <p:strVal val="#ppt_y"/>
+                                          </p:val>
+                                        </p:tav>
+                                        <p:tav tm="100000">
+                                          <p:val>
+                                            <p:strVal val="#ppt_y"/>
+                                          </p:val>
+                                        </p:tav>
+                                      </p:tavLst>
+                                    </p:anim>
+                                  </p:childTnLst>
+                                </p:cTn>
+                              </p:par>
                             </p:childTnLst>
                           </p:cTn>
                         </p:par>

--- a/PowerPoint.pptx
+++ b/PowerPoint.pptx
@@ -10,6 +10,8 @@
     <p:sldId id="258" r:id="rId4"/>
     <p:sldId id="259" r:id="rId5"/>
     <p:sldId id="260" r:id="rId6"/>
+    <p:sldId id="261" r:id="rId7"/>
+    <p:sldId id="262" r:id="rId8"/>
   </p:sldIdLst>
   <p:sldSz cx="12192000" cy="6858000"/>
   <p:notesSz cx="6858000" cy="9144000"/>
@@ -7979,6 +7981,683 @@
 </p:sld>
 </file>
 
+<file path=ppt/slides/slide6.xml><?xml version="1.0" encoding="utf-8"?>
+<p:sld xmlns:a="http://schemas.openxmlformats.org/drawingml/2006/main" xmlns:r="http://schemas.openxmlformats.org/officeDocument/2006/relationships" xmlns:p="http://schemas.openxmlformats.org/presentationml/2006/main">
+  <p:cSld>
+    <p:bg>
+      <p:bgPr>
+        <a:gradFill rotWithShape="1">
+          <a:gsLst>
+            <a:gs pos="10000">
+              <a:schemeClr val="bg1">
+                <a:tint val="97000"/>
+                <a:hueMod val="92000"/>
+                <a:satMod val="169000"/>
+                <a:lumMod val="164000"/>
+              </a:schemeClr>
+            </a:gs>
+            <a:gs pos="100000">
+              <a:schemeClr val="bg1">
+                <a:shade val="96000"/>
+                <a:satMod val="120000"/>
+                <a:lumMod val="90000"/>
+              </a:schemeClr>
+            </a:gs>
+          </a:gsLst>
+          <a:lin ang="6120000" scaled="1"/>
+        </a:gradFill>
+        <a:effectLst/>
+      </p:bgPr>
+    </p:bg>
+    <p:spTree>
+      <p:nvGrpSpPr>
+        <p:cNvPr id="1" name=""/>
+        <p:cNvGrpSpPr/>
+        <p:nvPr/>
+      </p:nvGrpSpPr>
+      <p:grpSpPr>
+        <a:xfrm>
+          <a:off x="0" y="0"/>
+          <a:ext cx="0" cy="0"/>
+          <a:chOff x="0" y="0"/>
+          <a:chExt cx="0" cy="0"/>
+        </a:xfrm>
+      </p:grpSpPr>
+      <p:sp>
+        <p:nvSpPr>
+          <p:cNvPr id="2" name="Titel 1">
+            <a:extLst>
+              <a:ext uri="{FF2B5EF4-FFF2-40B4-BE49-F238E27FC236}">
+                <a16:creationId xmlns:a16="http://schemas.microsoft.com/office/drawing/2014/main" id="{301853B7-D914-4E5F-BFF2-9306DF25F055}"/>
+              </a:ext>
+            </a:extLst>
+          </p:cNvPr>
+          <p:cNvSpPr>
+            <a:spLocks noGrp="1"/>
+          </p:cNvSpPr>
+          <p:nvPr>
+            <p:ph type="title"/>
+          </p:nvPr>
+        </p:nvSpPr>
+        <p:spPr>
+          <a:xfrm>
+            <a:off x="684212" y="485244"/>
+            <a:ext cx="8534400" cy="1507067"/>
+          </a:xfrm>
+        </p:spPr>
+        <p:txBody>
+          <a:bodyPr>
+            <a:normAutofit/>
+          </a:bodyPr>
+          <a:lstStyle/>
+          <a:p>
+            <a:r>
+              <a:rPr lang="nl-NL" dirty="0"/>
+              <a:t>Rekenmachine code</a:t>
+            </a:r>
+          </a:p>
+        </p:txBody>
+      </p:sp>
+      <p:sp>
+        <p:nvSpPr>
+          <p:cNvPr id="3" name="Tijdelijke aanduiding voor inhoud 2">
+            <a:extLst>
+              <a:ext uri="{FF2B5EF4-FFF2-40B4-BE49-F238E27FC236}">
+                <a16:creationId xmlns:a16="http://schemas.microsoft.com/office/drawing/2014/main" id="{7DE5AE3C-2DC0-4B9F-9447-2831F8B1DDAA}"/>
+              </a:ext>
+            </a:extLst>
+          </p:cNvPr>
+          <p:cNvSpPr>
+            <a:spLocks noGrp="1"/>
+          </p:cNvSpPr>
+          <p:nvPr>
+            <p:ph idx="1"/>
+          </p:nvPr>
+        </p:nvSpPr>
+        <p:spPr>
+          <a:xfrm>
+            <a:off x="684212" y="2068511"/>
+            <a:ext cx="8534400" cy="3615267"/>
+          </a:xfrm>
+        </p:spPr>
+        <p:txBody>
+          <a:bodyPr anchor="t">
+            <a:normAutofit/>
+          </a:bodyPr>
+          <a:lstStyle/>
+          <a:p>
+            <a:pPr marL="0" indent="0">
+              <a:buNone/>
+            </a:pPr>
+            <a:r>
+              <a:rPr lang="nl-NL" dirty="0">
+                <a:solidFill>
+                  <a:schemeClr val="tx1"/>
+                </a:solidFill>
+              </a:rPr>
+              <a:t>Speciale knoppen</a:t>
+            </a:r>
+          </a:p>
+          <a:p>
+            <a:pPr marL="0" indent="0">
+              <a:buNone/>
+            </a:pPr>
+            <a:endParaRPr lang="nl-NL" dirty="0">
+              <a:solidFill>
+                <a:schemeClr val="tx1"/>
+              </a:solidFill>
+            </a:endParaRPr>
+          </a:p>
+          <a:p>
+            <a:pPr marL="0" indent="0">
+              <a:buNone/>
+            </a:pPr>
+            <a:r>
+              <a:rPr lang="nl-NL" dirty="0">
+                <a:solidFill>
+                  <a:schemeClr val="tx1"/>
+                </a:solidFill>
+              </a:rPr>
+              <a:t>Binair</a:t>
+            </a:r>
+          </a:p>
+          <a:p>
+            <a:pPr marL="0" indent="0">
+              <a:buNone/>
+            </a:pPr>
+            <a:endParaRPr lang="nl-NL" dirty="0">
+              <a:solidFill>
+                <a:schemeClr val="tx1"/>
+              </a:solidFill>
+            </a:endParaRPr>
+          </a:p>
+          <a:p>
+            <a:pPr marL="0" indent="0">
+              <a:buNone/>
+            </a:pPr>
+            <a:r>
+              <a:rPr lang="nl-NL" dirty="0">
+                <a:solidFill>
+                  <a:schemeClr val="tx1"/>
+                </a:solidFill>
+              </a:rPr>
+              <a:t>Hexadecimaal</a:t>
+            </a:r>
+          </a:p>
+          <a:p>
+            <a:pPr marL="0" indent="0">
+              <a:buNone/>
+            </a:pPr>
+            <a:endParaRPr lang="nl-NL" dirty="0">
+              <a:solidFill>
+                <a:schemeClr val="tx1"/>
+              </a:solidFill>
+            </a:endParaRPr>
+          </a:p>
+          <a:p>
+            <a:pPr marL="0" indent="0">
+              <a:buNone/>
+            </a:pPr>
+            <a:r>
+              <a:rPr lang="nl-NL" dirty="0">
+                <a:solidFill>
+                  <a:schemeClr val="tx1"/>
+                </a:solidFill>
+              </a:rPr>
+              <a:t>EUR/DOL</a:t>
+            </a:r>
+          </a:p>
+        </p:txBody>
+      </p:sp>
+      <p:pic>
+        <p:nvPicPr>
+          <p:cNvPr id="4" name="Afbeelding 3">
+            <a:extLst>
+              <a:ext uri="{FF2B5EF4-FFF2-40B4-BE49-F238E27FC236}">
+                <a16:creationId xmlns:a16="http://schemas.microsoft.com/office/drawing/2014/main" id="{CC799693-4A0F-4988-AFEA-983B6A4012B0}"/>
+              </a:ext>
+            </a:extLst>
+          </p:cNvPr>
+          <p:cNvPicPr>
+            <a:picLocks noChangeAspect="1"/>
+          </p:cNvPicPr>
+          <p:nvPr/>
+        </p:nvPicPr>
+        <p:blipFill>
+          <a:blip r:embed="rId2"/>
+          <a:stretch>
+            <a:fillRect/>
+          </a:stretch>
+        </p:blipFill>
+        <p:spPr>
+          <a:xfrm>
+            <a:off x="4467225" y="2752725"/>
+            <a:ext cx="7724775" cy="676275"/>
+          </a:xfrm>
+          <a:prstGeom prst="rect">
+            <a:avLst/>
+          </a:prstGeom>
+        </p:spPr>
+      </p:pic>
+      <p:pic>
+        <p:nvPicPr>
+          <p:cNvPr id="5" name="Afbeelding 4">
+            <a:extLst>
+              <a:ext uri="{FF2B5EF4-FFF2-40B4-BE49-F238E27FC236}">
+                <a16:creationId xmlns:a16="http://schemas.microsoft.com/office/drawing/2014/main" id="{6CC5CF93-8D48-4D3A-9C10-036516D5E261}"/>
+              </a:ext>
+            </a:extLst>
+          </p:cNvPr>
+          <p:cNvPicPr>
+            <a:picLocks noChangeAspect="1"/>
+          </p:cNvPicPr>
+          <p:nvPr/>
+        </p:nvPicPr>
+        <p:blipFill>
+          <a:blip r:embed="rId3"/>
+          <a:stretch>
+            <a:fillRect/>
+          </a:stretch>
+        </p:blipFill>
+        <p:spPr>
+          <a:xfrm>
+            <a:off x="4467225" y="3876144"/>
+            <a:ext cx="5133975" cy="428625"/>
+          </a:xfrm>
+          <a:prstGeom prst="rect">
+            <a:avLst/>
+          </a:prstGeom>
+        </p:spPr>
+      </p:pic>
+      <p:pic>
+        <p:nvPicPr>
+          <p:cNvPr id="6" name="Afbeelding 5">
+            <a:extLst>
+              <a:ext uri="{FF2B5EF4-FFF2-40B4-BE49-F238E27FC236}">
+                <a16:creationId xmlns:a16="http://schemas.microsoft.com/office/drawing/2014/main" id="{A0997212-2063-46BB-B514-B921D9DC9774}"/>
+              </a:ext>
+            </a:extLst>
+          </p:cNvPr>
+          <p:cNvPicPr>
+            <a:picLocks noChangeAspect="1"/>
+          </p:cNvPicPr>
+          <p:nvPr/>
+        </p:nvPicPr>
+        <p:blipFill>
+          <a:blip r:embed="rId4"/>
+          <a:stretch>
+            <a:fillRect/>
+          </a:stretch>
+        </p:blipFill>
+        <p:spPr>
+          <a:xfrm>
+            <a:off x="4467225" y="4751913"/>
+            <a:ext cx="3514725" cy="704850"/>
+          </a:xfrm>
+          <a:prstGeom prst="rect">
+            <a:avLst/>
+          </a:prstGeom>
+        </p:spPr>
+      </p:pic>
+    </p:spTree>
+    <p:extLst>
+      <p:ext uri="{BB962C8B-B14F-4D97-AF65-F5344CB8AC3E}">
+        <p14:creationId xmlns:p14="http://schemas.microsoft.com/office/powerpoint/2010/main" val="124031581"/>
+      </p:ext>
+    </p:extLst>
+  </p:cSld>
+  <p:clrMapOvr>
+    <a:masterClrMapping/>
+  </p:clrMapOvr>
+</p:sld>
+</file>
+
+<file path=ppt/slides/slide7.xml><?xml version="1.0" encoding="utf-8"?>
+<p:sld xmlns:a="http://schemas.openxmlformats.org/drawingml/2006/main" xmlns:r="http://schemas.openxmlformats.org/officeDocument/2006/relationships" xmlns:p="http://schemas.openxmlformats.org/presentationml/2006/main">
+  <p:cSld>
+    <p:bg>
+      <p:bgPr>
+        <a:gradFill rotWithShape="1">
+          <a:gsLst>
+            <a:gs pos="10000">
+              <a:schemeClr val="bg1">
+                <a:tint val="97000"/>
+                <a:hueMod val="92000"/>
+                <a:satMod val="169000"/>
+                <a:lumMod val="164000"/>
+              </a:schemeClr>
+            </a:gs>
+            <a:gs pos="100000">
+              <a:schemeClr val="bg1">
+                <a:shade val="96000"/>
+                <a:satMod val="120000"/>
+                <a:lumMod val="90000"/>
+              </a:schemeClr>
+            </a:gs>
+          </a:gsLst>
+          <a:lin ang="6120000" scaled="1"/>
+        </a:gradFill>
+        <a:effectLst/>
+      </p:bgPr>
+    </p:bg>
+    <p:spTree>
+      <p:nvGrpSpPr>
+        <p:cNvPr id="1" name=""/>
+        <p:cNvGrpSpPr/>
+        <p:nvPr/>
+      </p:nvGrpSpPr>
+      <p:grpSpPr>
+        <a:xfrm>
+          <a:off x="0" y="0"/>
+          <a:ext cx="0" cy="0"/>
+          <a:chOff x="0" y="0"/>
+          <a:chExt cx="0" cy="0"/>
+        </a:xfrm>
+      </p:grpSpPr>
+      <p:sp>
+        <p:nvSpPr>
+          <p:cNvPr id="2" name="Titel 1">
+            <a:extLst>
+              <a:ext uri="{FF2B5EF4-FFF2-40B4-BE49-F238E27FC236}">
+                <a16:creationId xmlns:a16="http://schemas.microsoft.com/office/drawing/2014/main" id="{301853B7-D914-4E5F-BFF2-9306DF25F055}"/>
+              </a:ext>
+            </a:extLst>
+          </p:cNvPr>
+          <p:cNvSpPr>
+            <a:spLocks noGrp="1"/>
+          </p:cNvSpPr>
+          <p:nvPr>
+            <p:ph type="title"/>
+          </p:nvPr>
+        </p:nvSpPr>
+        <p:spPr>
+          <a:xfrm>
+            <a:off x="684212" y="485244"/>
+            <a:ext cx="8534400" cy="1507067"/>
+          </a:xfrm>
+        </p:spPr>
+        <p:txBody>
+          <a:bodyPr>
+            <a:normAutofit/>
+          </a:bodyPr>
+          <a:lstStyle/>
+          <a:p>
+            <a:r>
+              <a:rPr lang="nl-NL" dirty="0"/>
+              <a:t>Gezichtsherkenning</a:t>
+            </a:r>
+          </a:p>
+        </p:txBody>
+      </p:sp>
+      <p:sp>
+        <p:nvSpPr>
+          <p:cNvPr id="3" name="Tijdelijke aanduiding voor inhoud 2">
+            <a:extLst>
+              <a:ext uri="{FF2B5EF4-FFF2-40B4-BE49-F238E27FC236}">
+                <a16:creationId xmlns:a16="http://schemas.microsoft.com/office/drawing/2014/main" id="{7DE5AE3C-2DC0-4B9F-9447-2831F8B1DDAA}"/>
+              </a:ext>
+            </a:extLst>
+          </p:cNvPr>
+          <p:cNvSpPr>
+            <a:spLocks noGrp="1"/>
+          </p:cNvSpPr>
+          <p:nvPr>
+            <p:ph idx="1"/>
+          </p:nvPr>
+        </p:nvSpPr>
+        <p:spPr>
+          <a:xfrm>
+            <a:off x="684212" y="2068511"/>
+            <a:ext cx="8534400" cy="3615267"/>
+          </a:xfrm>
+        </p:spPr>
+        <p:txBody>
+          <a:bodyPr anchor="t">
+            <a:normAutofit/>
+          </a:bodyPr>
+          <a:lstStyle/>
+          <a:p>
+            <a:pPr marL="0" indent="0">
+              <a:buNone/>
+            </a:pPr>
+            <a:r>
+              <a:rPr lang="nl-NL" dirty="0">
+                <a:solidFill>
+                  <a:schemeClr val="tx1"/>
+                </a:solidFill>
+              </a:rPr>
+              <a:t>Knoppen</a:t>
+            </a:r>
+          </a:p>
+          <a:p>
+            <a:pPr marL="0" indent="0">
+              <a:buNone/>
+            </a:pPr>
+            <a:endParaRPr lang="nl-NL" dirty="0">
+              <a:solidFill>
+                <a:schemeClr val="tx1"/>
+              </a:solidFill>
+            </a:endParaRPr>
+          </a:p>
+          <a:p>
+            <a:pPr marL="0" indent="0">
+              <a:buNone/>
+            </a:pPr>
+            <a:endParaRPr lang="nl-NL" dirty="0">
+              <a:solidFill>
+                <a:schemeClr val="tx1"/>
+              </a:solidFill>
+            </a:endParaRPr>
+          </a:p>
+          <a:p>
+            <a:pPr marL="0" indent="0">
+              <a:buNone/>
+            </a:pPr>
+            <a:r>
+              <a:rPr lang="nl-NL" dirty="0">
+                <a:solidFill>
+                  <a:schemeClr val="tx1"/>
+                </a:solidFill>
+              </a:rPr>
+              <a:t>Controleren</a:t>
+            </a:r>
+          </a:p>
+          <a:p>
+            <a:pPr marL="0" indent="0">
+              <a:buNone/>
+            </a:pPr>
+            <a:endParaRPr lang="nl-NL" dirty="0">
+              <a:solidFill>
+                <a:schemeClr val="tx1"/>
+              </a:solidFill>
+            </a:endParaRPr>
+          </a:p>
+          <a:p>
+            <a:pPr marL="0" indent="0">
+              <a:buNone/>
+            </a:pPr>
+            <a:r>
+              <a:rPr lang="nl-NL" dirty="0">
+                <a:solidFill>
+                  <a:schemeClr val="tx1"/>
+                </a:solidFill>
+              </a:rPr>
+              <a:t>De </a:t>
+            </a:r>
+            <a:r>
+              <a:rPr lang="nl-NL" dirty="0" err="1">
+                <a:solidFill>
+                  <a:schemeClr val="tx1"/>
+                </a:solidFill>
+              </a:rPr>
+              <a:t>request</a:t>
+            </a:r>
+            <a:endParaRPr lang="nl-NL" dirty="0">
+              <a:solidFill>
+                <a:schemeClr val="tx1"/>
+              </a:solidFill>
+            </a:endParaRPr>
+          </a:p>
+          <a:p>
+            <a:pPr marL="0" indent="0">
+              <a:buNone/>
+            </a:pPr>
+            <a:endParaRPr lang="nl-NL" dirty="0">
+              <a:solidFill>
+                <a:schemeClr val="tx1"/>
+              </a:solidFill>
+            </a:endParaRPr>
+          </a:p>
+          <a:p>
+            <a:pPr marL="0" indent="0">
+              <a:buNone/>
+            </a:pPr>
+            <a:r>
+              <a:rPr lang="nl-NL" dirty="0">
+                <a:solidFill>
+                  <a:schemeClr val="tx1"/>
+                </a:solidFill>
+              </a:rPr>
+              <a:t>Parsen</a:t>
+            </a:r>
+          </a:p>
+        </p:txBody>
+      </p:sp>
+      <p:pic>
+        <p:nvPicPr>
+          <p:cNvPr id="7" name="Afbeelding 6">
+            <a:extLst>
+              <a:ext uri="{FF2B5EF4-FFF2-40B4-BE49-F238E27FC236}">
+                <a16:creationId xmlns:a16="http://schemas.microsoft.com/office/drawing/2014/main" id="{04F4100C-E490-415F-8AA6-2D18BCBFDDBB}"/>
+              </a:ext>
+            </a:extLst>
+          </p:cNvPr>
+          <p:cNvPicPr>
+            <a:picLocks noChangeAspect="1"/>
+          </p:cNvPicPr>
+          <p:nvPr/>
+        </p:nvPicPr>
+        <p:blipFill>
+          <a:blip r:embed="rId2"/>
+          <a:stretch>
+            <a:fillRect/>
+          </a:stretch>
+        </p:blipFill>
+        <p:spPr>
+          <a:xfrm>
+            <a:off x="4951412" y="2068511"/>
+            <a:ext cx="3629025" cy="971550"/>
+          </a:xfrm>
+          <a:prstGeom prst="rect">
+            <a:avLst/>
+          </a:prstGeom>
+        </p:spPr>
+      </p:pic>
+      <p:pic>
+        <p:nvPicPr>
+          <p:cNvPr id="9" name="Afbeelding 8">
+            <a:extLst>
+              <a:ext uri="{FF2B5EF4-FFF2-40B4-BE49-F238E27FC236}">
+                <a16:creationId xmlns:a16="http://schemas.microsoft.com/office/drawing/2014/main" id="{80970760-C275-4021-A965-3B9488D949AF}"/>
+              </a:ext>
+            </a:extLst>
+          </p:cNvPr>
+          <p:cNvPicPr>
+            <a:picLocks noChangeAspect="1"/>
+          </p:cNvPicPr>
+          <p:nvPr/>
+        </p:nvPicPr>
+        <p:blipFill>
+          <a:blip r:embed="rId3"/>
+          <a:stretch>
+            <a:fillRect/>
+          </a:stretch>
+        </p:blipFill>
+        <p:spPr>
+          <a:xfrm>
+            <a:off x="4951412" y="3749541"/>
+            <a:ext cx="5572125" cy="466725"/>
+          </a:xfrm>
+          <a:prstGeom prst="rect">
+            <a:avLst/>
+          </a:prstGeom>
+        </p:spPr>
+      </p:pic>
+      <p:pic>
+        <p:nvPicPr>
+          <p:cNvPr id="1026" name="Picture 2" descr="Afbeeldingsresultaat voor gezichtsherkenning&quot;">
+            <a:extLst>
+              <a:ext uri="{FF2B5EF4-FFF2-40B4-BE49-F238E27FC236}">
+                <a16:creationId xmlns:a16="http://schemas.microsoft.com/office/drawing/2014/main" id="{DBAEA8CB-BB00-4D30-9B7A-21AB67A30F70}"/>
+              </a:ext>
+            </a:extLst>
+          </p:cNvPr>
+          <p:cNvPicPr>
+            <a:picLocks noChangeAspect="1" noChangeArrowheads="1"/>
+          </p:cNvPicPr>
+          <p:nvPr/>
+        </p:nvPicPr>
+        <p:blipFill>
+          <a:blip r:embed="rId4">
+            <a:extLst>
+              <a:ext uri="{BEBA8EAE-BF5A-486C-A8C5-ECC9F3942E4B}">
+                <a14:imgProps xmlns:a14="http://schemas.microsoft.com/office/drawing/2010/main">
+                  <a14:imgLayer r:embed="rId5">
+                    <a14:imgEffect>
+                      <a14:backgroundRemoval t="9884" b="95155" l="10000" r="90000">
+                        <a14:foregroundMark x1="44194" y1="24419" x2="52903" y2="21899"/>
+                        <a14:foregroundMark x1="52903" y1="21899" x2="48871" y2="31589"/>
+                        <a14:foregroundMark x1="48871" y1="31589" x2="58065" y2="32752"/>
+                        <a14:foregroundMark x1="58065" y1="32752" x2="55161" y2="43023"/>
+                        <a14:foregroundMark x1="55161" y1="43023" x2="45484" y2="45155"/>
+                        <a14:foregroundMark x1="45484" y1="45155" x2="50323" y2="33721"/>
+                        <a14:foregroundMark x1="50323" y1="33721" x2="56129" y2="44961"/>
+                        <a14:foregroundMark x1="56129" y1="44961" x2="48387" y2="51357"/>
+                        <a14:foregroundMark x1="48387" y1="51357" x2="47903" y2="80814"/>
+                        <a14:foregroundMark x1="47903" y1="80814" x2="56452" y2="85659"/>
+                        <a14:foregroundMark x1="56452" y1="85659" x2="61129" y2="94186"/>
+                        <a14:foregroundMark x1="61129" y1="94186" x2="45161" y2="98256"/>
+                        <a14:foregroundMark x1="45161" y1="98256" x2="27742" y2="95155"/>
+                        <a14:foregroundMark x1="27742" y1="95155" x2="27742" y2="81977"/>
+                        <a14:foregroundMark x1="27742" y1="81977" x2="31452" y2="78488"/>
+                      </a14:backgroundRemoval>
+                    </a14:imgEffect>
+                  </a14:imgLayer>
+                </a14:imgProps>
+              </a:ext>
+              <a:ext uri="{28A0092B-C50C-407E-A947-70E740481C1C}">
+                <a14:useLocalDpi xmlns:a14="http://schemas.microsoft.com/office/drawing/2010/main" val="0"/>
+              </a:ext>
+            </a:extLst>
+          </a:blip>
+          <a:srcRect/>
+          <a:stretch>
+            <a:fillRect/>
+          </a:stretch>
+        </p:blipFill>
+        <p:spPr bwMode="auto">
+          <a:xfrm>
+            <a:off x="8773434" y="-164320"/>
+            <a:ext cx="3500206" cy="2913075"/>
+          </a:xfrm>
+          <a:prstGeom prst="rect">
+            <a:avLst/>
+          </a:prstGeom>
+          <a:noFill/>
+          <a:extLst>
+            <a:ext uri="{909E8E84-426E-40DD-AFC4-6F175D3DCCD1}">
+              <a14:hiddenFill xmlns:a14="http://schemas.microsoft.com/office/drawing/2010/main">
+                <a:solidFill>
+                  <a:srgbClr val="FFFFFF"/>
+                </a:solidFill>
+              </a14:hiddenFill>
+            </a:ext>
+          </a:extLst>
+        </p:spPr>
+      </p:pic>
+      <p:pic>
+        <p:nvPicPr>
+          <p:cNvPr id="10" name="Afbeelding 9">
+            <a:extLst>
+              <a:ext uri="{FF2B5EF4-FFF2-40B4-BE49-F238E27FC236}">
+                <a16:creationId xmlns:a16="http://schemas.microsoft.com/office/drawing/2014/main" id="{ADD9518E-7F26-40A1-A937-C3F91542B367}"/>
+              </a:ext>
+            </a:extLst>
+          </p:cNvPr>
+          <p:cNvPicPr>
+            <a:picLocks noChangeAspect="1"/>
+          </p:cNvPicPr>
+          <p:nvPr/>
+        </p:nvPicPr>
+        <p:blipFill>
+          <a:blip r:embed="rId6"/>
+          <a:stretch>
+            <a:fillRect/>
+          </a:stretch>
+        </p:blipFill>
+        <p:spPr>
+          <a:xfrm>
+            <a:off x="4951412" y="4509070"/>
+            <a:ext cx="5610225" cy="2047875"/>
+          </a:xfrm>
+          <a:prstGeom prst="rect">
+            <a:avLst/>
+          </a:prstGeom>
+        </p:spPr>
+      </p:pic>
+    </p:spTree>
+    <p:extLst>
+      <p:ext uri="{BB962C8B-B14F-4D97-AF65-F5344CB8AC3E}">
+        <p14:creationId xmlns:p14="http://schemas.microsoft.com/office/powerpoint/2010/main" val="2381562085"/>
+      </p:ext>
+    </p:extLst>
+  </p:cSld>
+  <p:clrMapOvr>
+    <a:masterClrMapping/>
+  </p:clrMapOvr>
+</p:sld>
+</file>
+
 <file path=ppt/theme/theme1.xml><?xml version="1.0" encoding="utf-8"?>
 <a:theme xmlns:a="http://schemas.openxmlformats.org/drawingml/2006/main" name="Segment">
   <a:themeElements>

--- a/PowerPoint.pptx
+++ b/PowerPoint.pptx
@@ -8,6 +8,8 @@
     <p:sldId id="256" r:id="rId2"/>
     <p:sldId id="257" r:id="rId3"/>
     <p:sldId id="258" r:id="rId4"/>
+    <p:sldId id="260" r:id="rId5"/>
+    <p:sldId id="261" r:id="rId6"/>
   </p:sldIdLst>
   <p:sldSz cx="12192000" cy="6858000"/>
   <p:notesSz cx="6858000" cy="9144000"/>
@@ -305,7 +307,7 @@
           <a:p>
             <a:fld id="{4EC87238-8AE5-4254-B341-F7F1A060BE88}" type="datetimeFigureOut">
               <a:rPr lang="nl-NL" smtClean="0"/>
-              <a:t>13-12-2019</a:t>
+              <a:t>16-12-2019</a:t>
             </a:fld>
             <a:endParaRPr lang="nl-NL"/>
           </a:p>
@@ -741,7 +743,7 @@
           <a:p>
             <a:fld id="{4EC87238-8AE5-4254-B341-F7F1A060BE88}" type="datetimeFigureOut">
               <a:rPr lang="nl-NL" smtClean="0"/>
-              <a:t>13-12-2019</a:t>
+              <a:t>16-12-2019</a:t>
             </a:fld>
             <a:endParaRPr lang="nl-NL"/>
           </a:p>
@@ -991,7 +993,7 @@
           <a:p>
             <a:fld id="{4EC87238-8AE5-4254-B341-F7F1A060BE88}" type="datetimeFigureOut">
               <a:rPr lang="nl-NL" smtClean="0"/>
-              <a:t>13-12-2019</a:t>
+              <a:t>16-12-2019</a:t>
             </a:fld>
             <a:endParaRPr lang="nl-NL"/>
           </a:p>
@@ -1299,7 +1301,7 @@
           <a:p>
             <a:fld id="{4EC87238-8AE5-4254-B341-F7F1A060BE88}" type="datetimeFigureOut">
               <a:rPr lang="nl-NL" smtClean="0"/>
-              <a:t>13-12-2019</a:t>
+              <a:t>16-12-2019</a:t>
             </a:fld>
             <a:endParaRPr lang="nl-NL"/>
           </a:p>
@@ -1617,7 +1619,7 @@
           <a:p>
             <a:fld id="{4EC87238-8AE5-4254-B341-F7F1A060BE88}" type="datetimeFigureOut">
               <a:rPr lang="nl-NL" smtClean="0"/>
-              <a:t>13-12-2019</a:t>
+              <a:t>16-12-2019</a:t>
             </a:fld>
             <a:endParaRPr lang="nl-NL"/>
           </a:p>
@@ -1919,7 +1921,7 @@
           <a:p>
             <a:fld id="{4EC87238-8AE5-4254-B341-F7F1A060BE88}" type="datetimeFigureOut">
               <a:rPr lang="nl-NL" smtClean="0"/>
-              <a:t>13-12-2019</a:t>
+              <a:t>16-12-2019</a:t>
             </a:fld>
             <a:endParaRPr lang="nl-NL"/>
           </a:p>
@@ -2286,7 +2288,7 @@
           <a:p>
             <a:fld id="{4EC87238-8AE5-4254-B341-F7F1A060BE88}" type="datetimeFigureOut">
               <a:rPr lang="nl-NL" smtClean="0"/>
-              <a:t>13-12-2019</a:t>
+              <a:t>16-12-2019</a:t>
             </a:fld>
             <a:endParaRPr lang="nl-NL"/>
           </a:p>
@@ -2460,7 +2462,7 @@
           <a:p>
             <a:fld id="{4EC87238-8AE5-4254-B341-F7F1A060BE88}" type="datetimeFigureOut">
               <a:rPr lang="nl-NL" smtClean="0"/>
-              <a:t>13-12-2019</a:t>
+              <a:t>16-12-2019</a:t>
             </a:fld>
             <a:endParaRPr lang="nl-NL"/>
           </a:p>
@@ -2640,7 +2642,7 @@
           <a:p>
             <a:fld id="{4EC87238-8AE5-4254-B341-F7F1A060BE88}" type="datetimeFigureOut">
               <a:rPr lang="nl-NL" smtClean="0"/>
-              <a:t>13-12-2019</a:t>
+              <a:t>16-12-2019</a:t>
             </a:fld>
             <a:endParaRPr lang="nl-NL"/>
           </a:p>
@@ -2810,7 +2812,7 @@
           <a:p>
             <a:fld id="{4EC87238-8AE5-4254-B341-F7F1A060BE88}" type="datetimeFigureOut">
               <a:rPr lang="nl-NL" smtClean="0"/>
-              <a:t>13-12-2019</a:t>
+              <a:t>16-12-2019</a:t>
             </a:fld>
             <a:endParaRPr lang="nl-NL"/>
           </a:p>
@@ -3060,7 +3062,7 @@
           <a:p>
             <a:fld id="{4EC87238-8AE5-4254-B341-F7F1A060BE88}" type="datetimeFigureOut">
               <a:rPr lang="nl-NL" smtClean="0"/>
-              <a:t>13-12-2019</a:t>
+              <a:t>16-12-2019</a:t>
             </a:fld>
             <a:endParaRPr lang="nl-NL"/>
           </a:p>
@@ -3296,7 +3298,7 @@
           <a:p>
             <a:fld id="{4EC87238-8AE5-4254-B341-F7F1A060BE88}" type="datetimeFigureOut">
               <a:rPr lang="nl-NL" smtClean="0"/>
-              <a:t>13-12-2019</a:t>
+              <a:t>16-12-2019</a:t>
             </a:fld>
             <a:endParaRPr lang="nl-NL"/>
           </a:p>
@@ -3678,7 +3680,7 @@
           <a:p>
             <a:fld id="{4EC87238-8AE5-4254-B341-F7F1A060BE88}" type="datetimeFigureOut">
               <a:rPr lang="nl-NL" smtClean="0"/>
-              <a:t>13-12-2019</a:t>
+              <a:t>16-12-2019</a:t>
             </a:fld>
             <a:endParaRPr lang="nl-NL"/>
           </a:p>
@@ -3796,7 +3798,7 @@
           <a:p>
             <a:fld id="{4EC87238-8AE5-4254-B341-F7F1A060BE88}" type="datetimeFigureOut">
               <a:rPr lang="nl-NL" smtClean="0"/>
-              <a:t>13-12-2019</a:t>
+              <a:t>16-12-2019</a:t>
             </a:fld>
             <a:endParaRPr lang="nl-NL"/>
           </a:p>
@@ -3891,7 +3893,7 @@
           <a:p>
             <a:fld id="{4EC87238-8AE5-4254-B341-F7F1A060BE88}" type="datetimeFigureOut">
               <a:rPr lang="nl-NL" smtClean="0"/>
-              <a:t>13-12-2019</a:t>
+              <a:t>16-12-2019</a:t>
             </a:fld>
             <a:endParaRPr lang="nl-NL"/>
           </a:p>
@@ -4146,7 +4148,7 @@
           <a:p>
             <a:fld id="{4EC87238-8AE5-4254-B341-F7F1A060BE88}" type="datetimeFigureOut">
               <a:rPr lang="nl-NL" smtClean="0"/>
-              <a:t>13-12-2019</a:t>
+              <a:t>16-12-2019</a:t>
             </a:fld>
             <a:endParaRPr lang="nl-NL"/>
           </a:p>
@@ -4429,7 +4431,7 @@
           <a:p>
             <a:fld id="{4EC87238-8AE5-4254-B341-F7F1A060BE88}" type="datetimeFigureOut">
               <a:rPr lang="nl-NL" smtClean="0"/>
-              <a:t>13-12-2019</a:t>
+              <a:t>16-12-2019</a:t>
             </a:fld>
             <a:endParaRPr lang="nl-NL"/>
           </a:p>
@@ -4835,7 +4837,7 @@
           <a:p>
             <a:fld id="{4EC87238-8AE5-4254-B341-F7F1A060BE88}" type="datetimeFigureOut">
               <a:rPr lang="nl-NL" smtClean="0"/>
-              <a:t>13-12-2019</a:t>
+              <a:t>16-12-2019</a:t>
             </a:fld>
             <a:endParaRPr lang="nl-NL"/>
           </a:p>
@@ -7306,6 +7308,456 @@
 </p:sld>
 </file>
 
+<file path=ppt/slides/slide4.xml><?xml version="1.0" encoding="utf-8"?>
+<p:sld xmlns:a="http://schemas.openxmlformats.org/drawingml/2006/main" xmlns:r="http://schemas.openxmlformats.org/officeDocument/2006/relationships" xmlns:p="http://schemas.openxmlformats.org/presentationml/2006/main">
+  <p:cSld>
+    <p:bg>
+      <p:bgPr>
+        <a:gradFill rotWithShape="1">
+          <a:gsLst>
+            <a:gs pos="10000">
+              <a:schemeClr val="bg1">
+                <a:tint val="97000"/>
+                <a:hueMod val="92000"/>
+                <a:satMod val="169000"/>
+                <a:lumMod val="164000"/>
+              </a:schemeClr>
+            </a:gs>
+            <a:gs pos="100000">
+              <a:schemeClr val="bg1">
+                <a:shade val="96000"/>
+                <a:satMod val="120000"/>
+                <a:lumMod val="90000"/>
+              </a:schemeClr>
+            </a:gs>
+          </a:gsLst>
+          <a:lin ang="6120000" scaled="1"/>
+        </a:gradFill>
+        <a:effectLst/>
+      </p:bgPr>
+    </p:bg>
+    <p:spTree>
+      <p:nvGrpSpPr>
+        <p:cNvPr id="1" name=""/>
+        <p:cNvGrpSpPr/>
+        <p:nvPr/>
+      </p:nvGrpSpPr>
+      <p:grpSpPr>
+        <a:xfrm>
+          <a:off x="0" y="0"/>
+          <a:ext cx="0" cy="0"/>
+          <a:chOff x="0" y="0"/>
+          <a:chExt cx="0" cy="0"/>
+        </a:xfrm>
+      </p:grpSpPr>
+      <p:sp>
+        <p:nvSpPr>
+          <p:cNvPr id="2" name="Titel 1">
+            <a:extLst>
+              <a:ext uri="{FF2B5EF4-FFF2-40B4-BE49-F238E27FC236}">
+                <a16:creationId xmlns:a16="http://schemas.microsoft.com/office/drawing/2014/main" id="{301853B7-D914-4E5F-BFF2-9306DF25F055}"/>
+              </a:ext>
+            </a:extLst>
+          </p:cNvPr>
+          <p:cNvSpPr>
+            <a:spLocks noGrp="1"/>
+          </p:cNvSpPr>
+          <p:nvPr>
+            <p:ph type="title"/>
+          </p:nvPr>
+        </p:nvSpPr>
+        <p:spPr>
+          <a:xfrm>
+            <a:off x="684212" y="485244"/>
+            <a:ext cx="8534400" cy="1507067"/>
+          </a:xfrm>
+        </p:spPr>
+        <p:txBody>
+          <a:bodyPr>
+            <a:normAutofit/>
+          </a:bodyPr>
+          <a:lstStyle/>
+          <a:p>
+            <a:r>
+              <a:rPr lang="nl-NL" dirty="0"/>
+              <a:t>GitHub</a:t>
+            </a:r>
+          </a:p>
+        </p:txBody>
+      </p:sp>
+      <p:sp>
+        <p:nvSpPr>
+          <p:cNvPr id="3" name="Tijdelijke aanduiding voor inhoud 2">
+            <a:extLst>
+              <a:ext uri="{FF2B5EF4-FFF2-40B4-BE49-F238E27FC236}">
+                <a16:creationId xmlns:a16="http://schemas.microsoft.com/office/drawing/2014/main" id="{7DE5AE3C-2DC0-4B9F-9447-2831F8B1DDAA}"/>
+              </a:ext>
+            </a:extLst>
+          </p:cNvPr>
+          <p:cNvSpPr>
+            <a:spLocks noGrp="1"/>
+          </p:cNvSpPr>
+          <p:nvPr>
+            <p:ph idx="1"/>
+          </p:nvPr>
+        </p:nvSpPr>
+        <p:spPr>
+          <a:xfrm>
+            <a:off x="684212" y="2068511"/>
+            <a:ext cx="8534400" cy="3615267"/>
+          </a:xfrm>
+        </p:spPr>
+        <p:txBody>
+          <a:bodyPr anchor="t">
+            <a:normAutofit/>
+          </a:bodyPr>
+          <a:lstStyle/>
+          <a:p>
+            <a:pPr>
+              <a:buFont typeface="Arial" panose="020B0604020202020204" pitchFamily="34" charset="0"/>
+              <a:buChar char="•"/>
+            </a:pPr>
+            <a:r>
+              <a:rPr lang="nl-NL" dirty="0">
+                <a:solidFill>
+                  <a:schemeClr val="tx1"/>
+                </a:solidFill>
+              </a:rPr>
+              <a:t>GIT Startpagina </a:t>
+            </a:r>
+            <a:r>
+              <a:rPr lang="nl-NL" dirty="0">
+                <a:solidFill>
+                  <a:schemeClr val="tx1"/>
+                </a:solidFill>
+                <a:hlinkClick r:id="rId2"/>
+              </a:rPr>
+              <a:t>Readme</a:t>
+            </a:r>
+            <a:endParaRPr lang="nl-NL" dirty="0">
+              <a:solidFill>
+                <a:schemeClr val="tx1"/>
+              </a:solidFill>
+            </a:endParaRPr>
+          </a:p>
+          <a:p>
+            <a:pPr>
+              <a:buFont typeface="Arial" panose="020B0604020202020204" pitchFamily="34" charset="0"/>
+              <a:buChar char="•"/>
+            </a:pPr>
+            <a:endParaRPr lang="nl-NL" dirty="0">
+              <a:solidFill>
+                <a:schemeClr val="tx1"/>
+              </a:solidFill>
+            </a:endParaRPr>
+          </a:p>
+          <a:p>
+            <a:pPr>
+              <a:buFont typeface="Arial" panose="020B0604020202020204" pitchFamily="34" charset="0"/>
+              <a:buChar char="•"/>
+            </a:pPr>
+            <a:r>
+              <a:rPr lang="nl-NL" dirty="0">
+                <a:solidFill>
+                  <a:schemeClr val="tx1"/>
+                </a:solidFill>
+              </a:rPr>
+              <a:t>GIT Basis Commands </a:t>
+            </a:r>
+            <a:r>
+              <a:rPr lang="nl-NL" dirty="0">
+                <a:solidFill>
+                  <a:schemeClr val="tx1"/>
+                </a:solidFill>
+                <a:hlinkClick r:id="rId3"/>
+              </a:rPr>
+              <a:t>Readme</a:t>
+            </a:r>
+            <a:endParaRPr lang="nl-NL" dirty="0">
+              <a:solidFill>
+                <a:schemeClr val="tx1"/>
+              </a:solidFill>
+            </a:endParaRPr>
+          </a:p>
+          <a:p>
+            <a:pPr marL="0" indent="0">
+              <a:buNone/>
+            </a:pPr>
+            <a:endParaRPr lang="nl-NL" dirty="0">
+              <a:solidFill>
+                <a:schemeClr val="tx1"/>
+              </a:solidFill>
+            </a:endParaRPr>
+          </a:p>
+          <a:p>
+            <a:pPr>
+              <a:buFont typeface="Arial" panose="020B0604020202020204" pitchFamily="34" charset="0"/>
+              <a:buChar char="•"/>
+            </a:pPr>
+            <a:r>
+              <a:rPr lang="nl-NL" dirty="0">
+                <a:solidFill>
+                  <a:schemeClr val="tx1"/>
+                </a:solidFill>
+              </a:rPr>
+              <a:t>Merge problemen met pushen (.</a:t>
+            </a:r>
+            <a:r>
+              <a:rPr lang="nl-NL" dirty="0" err="1">
+                <a:solidFill>
+                  <a:schemeClr val="tx1"/>
+                </a:solidFill>
+              </a:rPr>
+              <a:t>gitignore</a:t>
+            </a:r>
+            <a:r>
+              <a:rPr lang="nl-NL" dirty="0">
+                <a:solidFill>
+                  <a:schemeClr val="tx1"/>
+                </a:solidFill>
+              </a:rPr>
+              <a:t>)</a:t>
+            </a:r>
+          </a:p>
+          <a:p>
+            <a:pPr>
+              <a:buFont typeface="Arial" panose="020B0604020202020204" pitchFamily="34" charset="0"/>
+              <a:buChar char="•"/>
+            </a:pPr>
+            <a:endParaRPr lang="nl-NL" dirty="0">
+              <a:solidFill>
+                <a:schemeClr val="tx1"/>
+              </a:solidFill>
+            </a:endParaRPr>
+          </a:p>
+        </p:txBody>
+      </p:sp>
+      <p:pic>
+        <p:nvPicPr>
+          <p:cNvPr id="1026" name="Picture 2" descr="Afbeeldingsresultaat voor github">
+            <a:extLst>
+              <a:ext uri="{FF2B5EF4-FFF2-40B4-BE49-F238E27FC236}">
+                <a16:creationId xmlns:a16="http://schemas.microsoft.com/office/drawing/2014/main" id="{E63C07CE-EA51-46BA-ACA7-A3FD6AF37723}"/>
+              </a:ext>
+            </a:extLst>
+          </p:cNvPr>
+          <p:cNvPicPr>
+            <a:picLocks noChangeAspect="1" noChangeArrowheads="1"/>
+          </p:cNvPicPr>
+          <p:nvPr/>
+        </p:nvPicPr>
+        <p:blipFill>
+          <a:blip r:embed="rId4">
+            <a:extLst>
+              <a:ext uri="{28A0092B-C50C-407E-A947-70E740481C1C}">
+                <a14:useLocalDpi xmlns:a14="http://schemas.microsoft.com/office/drawing/2010/main" val="0"/>
+              </a:ext>
+            </a:extLst>
+          </a:blip>
+          <a:srcRect/>
+          <a:stretch>
+            <a:fillRect/>
+          </a:stretch>
+        </p:blipFill>
+        <p:spPr bwMode="auto">
+          <a:xfrm>
+            <a:off x="9511839" y="206477"/>
+            <a:ext cx="1995949" cy="1995949"/>
+          </a:xfrm>
+          <a:prstGeom prst="rect">
+            <a:avLst/>
+          </a:prstGeom>
+          <a:noFill/>
+          <a:extLst>
+            <a:ext uri="{909E8E84-426E-40DD-AFC4-6F175D3DCCD1}">
+              <a14:hiddenFill xmlns:a14="http://schemas.microsoft.com/office/drawing/2010/main">
+                <a:solidFill>
+                  <a:srgbClr val="FFFFFF"/>
+                </a:solidFill>
+              </a14:hiddenFill>
+            </a:ext>
+          </a:extLst>
+        </p:spPr>
+      </p:pic>
+    </p:spTree>
+    <p:extLst>
+      <p:ext uri="{BB962C8B-B14F-4D97-AF65-F5344CB8AC3E}">
+        <p14:creationId xmlns:p14="http://schemas.microsoft.com/office/powerpoint/2010/main" val="94017928"/>
+      </p:ext>
+    </p:extLst>
+  </p:cSld>
+  <p:clrMapOvr>
+    <a:masterClrMapping/>
+  </p:clrMapOvr>
+</p:sld>
+</file>
+
+<file path=ppt/slides/slide5.xml><?xml version="1.0" encoding="utf-8"?>
+<p:sld xmlns:a="http://schemas.openxmlformats.org/drawingml/2006/main" xmlns:r="http://schemas.openxmlformats.org/officeDocument/2006/relationships" xmlns:p="http://schemas.openxmlformats.org/presentationml/2006/main">
+  <p:cSld>
+    <p:bg>
+      <p:bgPr>
+        <a:gradFill rotWithShape="1">
+          <a:gsLst>
+            <a:gs pos="10000">
+              <a:schemeClr val="bg1">
+                <a:tint val="97000"/>
+                <a:hueMod val="92000"/>
+                <a:satMod val="169000"/>
+                <a:lumMod val="164000"/>
+              </a:schemeClr>
+            </a:gs>
+            <a:gs pos="100000">
+              <a:schemeClr val="bg1">
+                <a:shade val="96000"/>
+                <a:satMod val="120000"/>
+                <a:lumMod val="90000"/>
+              </a:schemeClr>
+            </a:gs>
+          </a:gsLst>
+          <a:lin ang="6120000" scaled="1"/>
+        </a:gradFill>
+        <a:effectLst/>
+      </p:bgPr>
+    </p:bg>
+    <p:spTree>
+      <p:nvGrpSpPr>
+        <p:cNvPr id="1" name=""/>
+        <p:cNvGrpSpPr/>
+        <p:nvPr/>
+      </p:nvGrpSpPr>
+      <p:grpSpPr>
+        <a:xfrm>
+          <a:off x="0" y="0"/>
+          <a:ext cx="0" cy="0"/>
+          <a:chOff x="0" y="0"/>
+          <a:chExt cx="0" cy="0"/>
+        </a:xfrm>
+      </p:grpSpPr>
+      <p:sp>
+        <p:nvSpPr>
+          <p:cNvPr id="2" name="Titel 1">
+            <a:extLst>
+              <a:ext uri="{FF2B5EF4-FFF2-40B4-BE49-F238E27FC236}">
+                <a16:creationId xmlns:a16="http://schemas.microsoft.com/office/drawing/2014/main" id="{301853B7-D914-4E5F-BFF2-9306DF25F055}"/>
+              </a:ext>
+            </a:extLst>
+          </p:cNvPr>
+          <p:cNvSpPr>
+            <a:spLocks noGrp="1"/>
+          </p:cNvSpPr>
+          <p:nvPr>
+            <p:ph type="title"/>
+          </p:nvPr>
+        </p:nvSpPr>
+        <p:spPr>
+          <a:xfrm>
+            <a:off x="684212" y="485244"/>
+            <a:ext cx="8534400" cy="1507067"/>
+          </a:xfrm>
+        </p:spPr>
+        <p:txBody>
+          <a:bodyPr>
+            <a:normAutofit/>
+          </a:bodyPr>
+          <a:lstStyle/>
+          <a:p>
+            <a:r>
+              <a:rPr lang="nl-NL" dirty="0"/>
+              <a:t>SQL Database</a:t>
+            </a:r>
+          </a:p>
+        </p:txBody>
+      </p:sp>
+      <p:sp>
+        <p:nvSpPr>
+          <p:cNvPr id="10" name="Tijdelijke aanduiding voor inhoud 9">
+            <a:extLst>
+              <a:ext uri="{FF2B5EF4-FFF2-40B4-BE49-F238E27FC236}">
+                <a16:creationId xmlns:a16="http://schemas.microsoft.com/office/drawing/2014/main" id="{FF6C1CD2-03A3-4CEB-B492-00E4D367E2BF}"/>
+              </a:ext>
+            </a:extLst>
+          </p:cNvPr>
+          <p:cNvSpPr>
+            <a:spLocks noGrp="1"/>
+          </p:cNvSpPr>
+          <p:nvPr>
+            <p:ph idx="1"/>
+          </p:nvPr>
+        </p:nvSpPr>
+        <p:spPr/>
+        <p:txBody>
+          <a:bodyPr/>
+          <a:lstStyle/>
+          <a:p>
+            <a:pPr>
+              <a:buFont typeface="Arial" panose="020B0604020202020204" pitchFamily="34" charset="0"/>
+              <a:buChar char="•"/>
+            </a:pPr>
+            <a:endParaRPr lang="nl-NL" dirty="0"/>
+          </a:p>
+        </p:txBody>
+      </p:sp>
+      <p:pic>
+        <p:nvPicPr>
+          <p:cNvPr id="2050" name="Picture 2" descr="Afbeeldingsresultaat voor SQL">
+            <a:extLst>
+              <a:ext uri="{FF2B5EF4-FFF2-40B4-BE49-F238E27FC236}">
+                <a16:creationId xmlns:a16="http://schemas.microsoft.com/office/drawing/2014/main" id="{D1C1844E-CC5E-43D7-8D77-A6365AECEE71}"/>
+              </a:ext>
+            </a:extLst>
+          </p:cNvPr>
+          <p:cNvPicPr>
+            <a:picLocks noChangeAspect="1" noChangeArrowheads="1"/>
+          </p:cNvPicPr>
+          <p:nvPr/>
+        </p:nvPicPr>
+        <p:blipFill>
+          <a:blip r:embed="rId2">
+            <a:extLst>
+              <a:ext uri="{28A0092B-C50C-407E-A947-70E740481C1C}">
+                <a14:useLocalDpi xmlns:a14="http://schemas.microsoft.com/office/drawing/2010/main" val="0"/>
+              </a:ext>
+            </a:extLst>
+          </a:blip>
+          <a:srcRect/>
+          <a:stretch>
+            <a:fillRect/>
+          </a:stretch>
+        </p:blipFill>
+        <p:spPr bwMode="auto">
+          <a:xfrm>
+            <a:off x="10024552" y="210195"/>
+            <a:ext cx="1960972" cy="2057164"/>
+          </a:xfrm>
+          <a:prstGeom prst="rect">
+            <a:avLst/>
+          </a:prstGeom>
+          <a:noFill/>
+          <a:extLst>
+            <a:ext uri="{909E8E84-426E-40DD-AFC4-6F175D3DCCD1}">
+              <a14:hiddenFill xmlns:a14="http://schemas.microsoft.com/office/drawing/2010/main">
+                <a:solidFill>
+                  <a:srgbClr val="FFFFFF"/>
+                </a:solidFill>
+              </a14:hiddenFill>
+            </a:ext>
+          </a:extLst>
+        </p:spPr>
+      </p:pic>
+    </p:spTree>
+    <p:extLst>
+      <p:ext uri="{BB962C8B-B14F-4D97-AF65-F5344CB8AC3E}">
+        <p14:creationId xmlns:p14="http://schemas.microsoft.com/office/powerpoint/2010/main" val="2669165253"/>
+      </p:ext>
+    </p:extLst>
+  </p:cSld>
+  <p:clrMapOvr>
+    <a:masterClrMapping/>
+  </p:clrMapOvr>
+</p:sld>
+</file>
+
 <file path=ppt/theme/theme1.xml><?xml version="1.0" encoding="utf-8"?>
 <a:theme xmlns:a="http://schemas.openxmlformats.org/drawingml/2006/main" name="Segment">
   <a:themeElements>

--- a/PowerPoint.pptx
+++ b/PowerPoint.pptx
@@ -8,10 +8,11 @@
     <p:sldId id="256" r:id="rId2"/>
     <p:sldId id="257" r:id="rId3"/>
     <p:sldId id="258" r:id="rId4"/>
-    <p:sldId id="259" r:id="rId5"/>
-    <p:sldId id="260" r:id="rId6"/>
-    <p:sldId id="261" r:id="rId7"/>
-    <p:sldId id="262" r:id="rId8"/>
+    <p:sldId id="263" r:id="rId5"/>
+    <p:sldId id="259" r:id="rId6"/>
+    <p:sldId id="260" r:id="rId7"/>
+    <p:sldId id="261" r:id="rId8"/>
+    <p:sldId id="262" r:id="rId9"/>
   </p:sldIdLst>
   <p:sldSz cx="12192000" cy="6858000"/>
   <p:notesSz cx="6858000" cy="9144000"/>
@@ -7447,6 +7448,366 @@
           <a:p>
             <a:r>
               <a:rPr lang="nl-NL" dirty="0"/>
+              <a:t>Sprints</a:t>
+            </a:r>
+          </a:p>
+        </p:txBody>
+      </p:sp>
+      <p:sp>
+        <p:nvSpPr>
+          <p:cNvPr id="3" name="Tijdelijke aanduiding voor inhoud 2">
+            <a:extLst>
+              <a:ext uri="{FF2B5EF4-FFF2-40B4-BE49-F238E27FC236}">
+                <a16:creationId xmlns:a16="http://schemas.microsoft.com/office/drawing/2014/main" id="{7DE5AE3C-2DC0-4B9F-9447-2831F8B1DDAA}"/>
+              </a:ext>
+            </a:extLst>
+          </p:cNvPr>
+          <p:cNvSpPr>
+            <a:spLocks noGrp="1"/>
+          </p:cNvSpPr>
+          <p:nvPr>
+            <p:ph idx="1"/>
+          </p:nvPr>
+        </p:nvSpPr>
+        <p:spPr>
+          <a:xfrm>
+            <a:off x="684212" y="2068511"/>
+            <a:ext cx="8534400" cy="3615267"/>
+          </a:xfrm>
+        </p:spPr>
+        <p:txBody>
+          <a:bodyPr anchor="t">
+            <a:normAutofit/>
+          </a:bodyPr>
+          <a:lstStyle/>
+          <a:p>
+            <a:pPr marL="0" indent="0">
+              <a:buNone/>
+            </a:pPr>
+            <a:r>
+              <a:rPr lang="nl-NL" dirty="0">
+                <a:solidFill>
+                  <a:schemeClr val="tx1"/>
+                </a:solidFill>
+              </a:rPr>
+              <a:t>Functionaliteiten</a:t>
+            </a:r>
+          </a:p>
+          <a:p>
+            <a:pPr marL="0" indent="0">
+              <a:buNone/>
+            </a:pPr>
+            <a:endParaRPr lang="nl-NL" dirty="0">
+              <a:solidFill>
+                <a:schemeClr val="tx1"/>
+              </a:solidFill>
+            </a:endParaRPr>
+          </a:p>
+          <a:p>
+            <a:pPr marL="0" indent="0">
+              <a:buNone/>
+            </a:pPr>
+            <a:endParaRPr lang="nl-NL" dirty="0">
+              <a:solidFill>
+                <a:schemeClr val="tx1"/>
+              </a:solidFill>
+            </a:endParaRPr>
+          </a:p>
+          <a:p>
+            <a:pPr marL="0" indent="0">
+              <a:buNone/>
+            </a:pPr>
+            <a:r>
+              <a:rPr lang="nl-NL" dirty="0">
+                <a:solidFill>
+                  <a:schemeClr val="tx1"/>
+                </a:solidFill>
+              </a:rPr>
+              <a:t>Op te leveren producten</a:t>
+            </a:r>
+          </a:p>
+          <a:p>
+            <a:pPr marL="0" indent="0">
+              <a:buNone/>
+            </a:pPr>
+            <a:endParaRPr lang="nl-NL" dirty="0">
+              <a:solidFill>
+                <a:schemeClr val="tx1"/>
+              </a:solidFill>
+            </a:endParaRPr>
+          </a:p>
+          <a:p>
+            <a:pPr marL="0" indent="0">
+              <a:buNone/>
+            </a:pPr>
+            <a:endParaRPr lang="nl-NL" dirty="0">
+              <a:solidFill>
+                <a:schemeClr val="tx1"/>
+              </a:solidFill>
+            </a:endParaRPr>
+          </a:p>
+          <a:p>
+            <a:pPr marL="0" indent="0">
+              <a:buNone/>
+            </a:pPr>
+            <a:r>
+              <a:rPr lang="nl-NL" dirty="0">
+                <a:solidFill>
+                  <a:schemeClr val="tx1"/>
+                </a:solidFill>
+              </a:rPr>
+              <a:t>Verdere functionaliteiten</a:t>
+            </a:r>
+          </a:p>
+        </p:txBody>
+      </p:sp>
+      <p:pic>
+        <p:nvPicPr>
+          <p:cNvPr id="1026" name="Picture 2" descr="Afbeeldingsresultaat voor functionaliteiten&quot;">
+            <a:extLst>
+              <a:ext uri="{FF2B5EF4-FFF2-40B4-BE49-F238E27FC236}">
+                <a16:creationId xmlns:a16="http://schemas.microsoft.com/office/drawing/2014/main" id="{A5A34EE2-CD11-4D8B-A177-B9EF6067097B}"/>
+              </a:ext>
+            </a:extLst>
+          </p:cNvPr>
+          <p:cNvPicPr>
+            <a:picLocks noChangeAspect="1" noChangeArrowheads="1"/>
+          </p:cNvPicPr>
+          <p:nvPr/>
+        </p:nvPicPr>
+        <p:blipFill>
+          <a:blip r:embed="rId2">
+            <a:extLst>
+              <a:ext uri="{BEBA8EAE-BF5A-486C-A8C5-ECC9F3942E4B}">
+                <a14:imgProps xmlns:a14="http://schemas.microsoft.com/office/drawing/2010/main">
+                  <a14:imgLayer r:embed="rId3">
+                    <a14:imgEffect>
+                      <a14:backgroundRemoval t="0" b="96593" l="926" r="99352">
+                        <a14:foregroundMark x1="11111" y1="32444" x2="278" y2="42963"/>
+                        <a14:foregroundMark x1="278" y1="42963" x2="3333" y2="96444"/>
+                        <a14:foregroundMark x1="3333" y1="96444" x2="17130" y2="98370"/>
+                        <a14:foregroundMark x1="17130" y1="98370" x2="43704" y2="95556"/>
+                        <a14:foregroundMark x1="43704" y1="95556" x2="12407" y2="31704"/>
+                        <a14:foregroundMark x1="8611" y1="42519" x2="3704" y2="62815"/>
+                        <a14:foregroundMark x1="3704" y1="62815" x2="11574" y2="80741"/>
+                        <a14:foregroundMark x1="11574" y1="80741" x2="25093" y2="81037"/>
+                        <a14:foregroundMark x1="25093" y1="81037" x2="25833" y2="61481"/>
+                        <a14:foregroundMark x1="25833" y1="61481" x2="13519" y2="47259"/>
+                        <a14:foregroundMark x1="13519" y1="47259" x2="926" y2="46815"/>
+                        <a14:foregroundMark x1="926" y1="46815" x2="926" y2="46815"/>
+                        <a14:foregroundMark x1="13333" y1="62370" x2="1111" y2="71704"/>
+                        <a14:foregroundMark x1="1111" y1="71704" x2="5463" y2="48148"/>
+                        <a14:foregroundMark x1="5463" y1="48148" x2="21667" y2="48889"/>
+                        <a14:foregroundMark x1="21667" y1="48889" x2="19444" y2="68296"/>
+                        <a14:foregroundMark x1="19444" y1="68296" x2="14444" y2="67704"/>
+                        <a14:foregroundMark x1="18241" y1="60148" x2="10833" y2="54370"/>
+                        <a14:foregroundMark x1="42130" y1="93333" x2="56204" y2="96889"/>
+                        <a14:foregroundMark x1="56204" y1="96889" x2="40648" y2="96148"/>
+                        <a14:foregroundMark x1="40648" y1="96148" x2="61204" y2="95852"/>
+                        <a14:foregroundMark x1="61204" y1="95852" x2="39630" y2="95407"/>
+                        <a14:foregroundMark x1="39630" y1="95407" x2="70833" y2="95407"/>
+                        <a14:foregroundMark x1="70833" y1="95407" x2="53796" y2="97926"/>
+                        <a14:foregroundMark x1="53796" y1="97926" x2="69907" y2="94074"/>
+                        <a14:foregroundMark x1="69907" y1="94074" x2="83426" y2="94074"/>
+                        <a14:foregroundMark x1="83426" y1="94074" x2="50926" y2="96148"/>
+                        <a14:foregroundMark x1="50926" y1="96148" x2="77685" y2="95407"/>
+                        <a14:foregroundMark x1="77685" y1="95407" x2="90278" y2="95704"/>
+                        <a14:foregroundMark x1="90278" y1="95704" x2="61481" y2="99111"/>
+                        <a14:foregroundMark x1="61481" y1="99111" x2="90370" y2="92889"/>
+                        <a14:foregroundMark x1="90370" y1="92889" x2="72315" y2="93630"/>
+                        <a14:foregroundMark x1="72315" y1="93630" x2="93333" y2="91852"/>
+                        <a14:foregroundMark x1="93333" y1="91852" x2="78333" y2="95111"/>
+                        <a14:foregroundMark x1="78333" y1="95111" x2="91481" y2="93630"/>
+                        <a14:foregroundMark x1="91481" y1="93630" x2="78796" y2="95407"/>
+                        <a14:foregroundMark x1="78796" y1="95407" x2="79259" y2="95852"/>
+                        <a14:foregroundMark x1="89630" y1="86815" x2="98981" y2="70519"/>
+                        <a14:foregroundMark x1="98981" y1="70519" x2="89352" y2="95704"/>
+                        <a14:foregroundMark x1="89352" y1="95704" x2="91389" y2="68296"/>
+                        <a14:foregroundMark x1="91389" y1="68296" x2="89444" y2="89185"/>
+                        <a14:foregroundMark x1="89444" y1="89185" x2="94537" y2="64741"/>
+                        <a14:foregroundMark x1="94537" y1="64741" x2="93056" y2="84296"/>
+                        <a14:foregroundMark x1="93056" y1="84296" x2="96759" y2="58963"/>
+                        <a14:foregroundMark x1="96759" y1="58963" x2="95648" y2="82074"/>
+                        <a14:foregroundMark x1="95648" y1="82074" x2="95278" y2="56296"/>
+                        <a14:foregroundMark x1="95278" y1="56296" x2="95463" y2="84296"/>
+                        <a14:foregroundMark x1="95463" y1="84296" x2="98333" y2="64296"/>
+                        <a14:foregroundMark x1="98333" y1="64296" x2="96944" y2="87111"/>
+                        <a14:foregroundMark x1="96944" y1="87111" x2="82222" y2="96296"/>
+                        <a14:foregroundMark x1="82222" y1="96296" x2="95370" y2="75704"/>
+                        <a14:foregroundMark x1="95370" y1="75704" x2="81019" y2="78815"/>
+                        <a14:foregroundMark x1="81019" y1="78815" x2="94537" y2="79407"/>
+                        <a14:foregroundMark x1="94537" y1="79407" x2="73889" y2="86667"/>
+                        <a14:foregroundMark x1="73889" y1="86667" x2="87407" y2="80444"/>
+                        <a14:foregroundMark x1="87407" y1="80444" x2="70741" y2="80741"/>
+                        <a14:foregroundMark x1="70741" y1="80741" x2="83519" y2="73037"/>
+                        <a14:foregroundMark x1="83519" y1="73037" x2="71852" y2="83556"/>
+                        <a14:foregroundMark x1="71852" y1="83556" x2="93333" y2="84296"/>
+                        <a14:foregroundMark x1="93333" y1="84296" x2="80648" y2="86222"/>
+                        <a14:foregroundMark x1="80648" y1="86222" x2="93704" y2="72741"/>
+                        <a14:foregroundMark x1="93704" y1="72741" x2="91574" y2="52444"/>
+                        <a14:foregroundMark x1="91574" y1="52444" x2="77500" y2="46074"/>
+                        <a14:foregroundMark x1="77500" y1="46074" x2="90556" y2="36296"/>
+                        <a14:foregroundMark x1="90556" y1="36296" x2="74815" y2="37926"/>
+                        <a14:foregroundMark x1="74815" y1="37926" x2="90185" y2="31407"/>
+                        <a14:foregroundMark x1="90185" y1="31407" x2="81574" y2="44593"/>
+                        <a14:foregroundMark x1="92130" y1="36000" x2="94537" y2="57333"/>
+                        <a14:foregroundMark x1="94537" y1="57333" x2="95185" y2="36593"/>
+                        <a14:foregroundMark x1="95185" y1="36593" x2="95370" y2="67852"/>
+                        <a14:foregroundMark x1="95370" y1="67852" x2="97222" y2="47259"/>
+                        <a14:foregroundMark x1="97222" y1="47259" x2="93889" y2="97630"/>
+                        <a14:foregroundMark x1="93889" y1="97630" x2="97870" y2="65630"/>
+                        <a14:foregroundMark x1="97870" y1="65630" x2="94815" y2="90222"/>
+                        <a14:foregroundMark x1="94815" y1="90222" x2="94815" y2="87852"/>
+                        <a14:foregroundMark x1="95741" y1="35704" x2="99352" y2="90370"/>
+                        <a14:foregroundMark x1="99352" y1="90370" x2="96389" y2="96593"/>
+                        <a14:foregroundMark x1="37222" y1="82815" x2="23611" y2="74074"/>
+                        <a14:foregroundMark x1="23611" y1="74074" x2="10926" y2="75556"/>
+                        <a14:foregroundMark x1="10926" y1="75556" x2="22222" y2="83556"/>
+                        <a14:foregroundMark x1="22222" y1="83556" x2="6759" y2="78667"/>
+                        <a14:foregroundMark x1="6759" y1="78667" x2="21852" y2="86074"/>
+                        <a14:foregroundMark x1="21852" y1="86074" x2="26389" y2="86074"/>
+                        <a14:foregroundMark x1="23426" y1="41778" x2="24815" y2="49037"/>
+                        <a14:foregroundMark x1="23889" y1="37037" x2="22593" y2="44296"/>
+                        <a14:foregroundMark x1="25278" y1="36741" x2="27037" y2="39556"/>
+                        <a14:foregroundMark x1="27500" y1="43556" x2="26204" y2="26667"/>
+                        <a14:foregroundMark x1="17593" y1="28444" x2="17593" y2="28444"/>
+                        <a14:foregroundMark x1="16019" y1="27704" x2="14259" y2="28444"/>
+                        <a14:foregroundMark x1="15556" y1="27407" x2="16944" y2="26963"/>
+                        <a14:foregroundMark x1="43241" y1="44593" x2="53796" y2="31259"/>
+                        <a14:foregroundMark x1="53796" y1="31259" x2="53889" y2="6815"/>
+                        <a14:foregroundMark x1="53889" y1="6815" x2="56389" y2="25778"/>
+                        <a14:foregroundMark x1="56389" y1="25778" x2="58333" y2="21926"/>
+                        <a14:foregroundMark x1="23241" y1="34963" x2="18056" y2="37481"/>
+                        <a14:foregroundMark x1="55000" y1="35704" x2="51389" y2="14074"/>
+                        <a14:foregroundMark x1="51389" y1="14074" x2="62407" y2="22815"/>
+                        <a14:foregroundMark x1="62407" y1="22815" x2="55000" y2="38370"/>
+                        <a14:foregroundMark x1="55000" y1="38370" x2="65370" y2="25185"/>
+                        <a14:foregroundMark x1="65370" y1="25185" x2="66667" y2="5778"/>
+                        <a14:foregroundMark x1="66667" y1="5778" x2="53241" y2="2815"/>
+                        <a14:foregroundMark x1="53241" y1="2815" x2="48889" y2="21778"/>
+                        <a14:foregroundMark x1="48889" y1="21778" x2="55926" y2="39259"/>
+                        <a14:foregroundMark x1="62870" y1="8593" x2="70741" y2="0"/>
+                        <a14:foregroundMark x1="73704" y1="0" x2="71389" y2="1481"/>
+                      </a14:backgroundRemoval>
+                    </a14:imgEffect>
+                  </a14:imgLayer>
+                </a14:imgProps>
+              </a:ext>
+              <a:ext uri="{28A0092B-C50C-407E-A947-70E740481C1C}">
+                <a14:useLocalDpi xmlns:a14="http://schemas.microsoft.com/office/drawing/2010/main" val="0"/>
+              </a:ext>
+            </a:extLst>
+          </a:blip>
+          <a:srcRect/>
+          <a:stretch>
+            <a:fillRect/>
+          </a:stretch>
+        </p:blipFill>
+        <p:spPr bwMode="auto">
+          <a:xfrm>
+            <a:off x="7246937" y="399496"/>
+            <a:ext cx="3943350" cy="2464594"/>
+          </a:xfrm>
+          <a:prstGeom prst="rect">
+            <a:avLst/>
+          </a:prstGeom>
+          <a:noFill/>
+          <a:extLst>
+            <a:ext uri="{909E8E84-426E-40DD-AFC4-6F175D3DCCD1}">
+              <a14:hiddenFill xmlns:a14="http://schemas.microsoft.com/office/drawing/2010/main">
+                <a:solidFill>
+                  <a:srgbClr val="FFFFFF"/>
+                </a:solidFill>
+              </a14:hiddenFill>
+            </a:ext>
+          </a:extLst>
+        </p:spPr>
+      </p:pic>
+    </p:spTree>
+    <p:extLst>
+      <p:ext uri="{BB962C8B-B14F-4D97-AF65-F5344CB8AC3E}">
+        <p14:creationId xmlns:p14="http://schemas.microsoft.com/office/powerpoint/2010/main" val="2142026094"/>
+      </p:ext>
+    </p:extLst>
+  </p:cSld>
+  <p:clrMapOvr>
+    <a:masterClrMapping/>
+  </p:clrMapOvr>
+</p:sld>
+</file>
+
+<file path=ppt/slides/slide5.xml><?xml version="1.0" encoding="utf-8"?>
+<p:sld xmlns:a="http://schemas.openxmlformats.org/drawingml/2006/main" xmlns:r="http://schemas.openxmlformats.org/officeDocument/2006/relationships" xmlns:p="http://schemas.openxmlformats.org/presentationml/2006/main">
+  <p:cSld>
+    <p:bg>
+      <p:bgPr>
+        <a:gradFill rotWithShape="1">
+          <a:gsLst>
+            <a:gs pos="10000">
+              <a:schemeClr val="bg1">
+                <a:tint val="97000"/>
+                <a:hueMod val="92000"/>
+                <a:satMod val="169000"/>
+                <a:lumMod val="164000"/>
+              </a:schemeClr>
+            </a:gs>
+            <a:gs pos="100000">
+              <a:schemeClr val="bg1">
+                <a:shade val="96000"/>
+                <a:satMod val="120000"/>
+                <a:lumMod val="90000"/>
+              </a:schemeClr>
+            </a:gs>
+          </a:gsLst>
+          <a:lin ang="6120000" scaled="1"/>
+        </a:gradFill>
+        <a:effectLst/>
+      </p:bgPr>
+    </p:bg>
+    <p:spTree>
+      <p:nvGrpSpPr>
+        <p:cNvPr id="1" name=""/>
+        <p:cNvGrpSpPr/>
+        <p:nvPr/>
+      </p:nvGrpSpPr>
+      <p:grpSpPr>
+        <a:xfrm>
+          <a:off x="0" y="0"/>
+          <a:ext cx="0" cy="0"/>
+          <a:chOff x="0" y="0"/>
+          <a:chExt cx="0" cy="0"/>
+        </a:xfrm>
+      </p:grpSpPr>
+      <p:sp>
+        <p:nvSpPr>
+          <p:cNvPr id="2" name="Titel 1">
+            <a:extLst>
+              <a:ext uri="{FF2B5EF4-FFF2-40B4-BE49-F238E27FC236}">
+                <a16:creationId xmlns:a16="http://schemas.microsoft.com/office/drawing/2014/main" id="{301853B7-D914-4E5F-BFF2-9306DF25F055}"/>
+              </a:ext>
+            </a:extLst>
+          </p:cNvPr>
+          <p:cNvSpPr>
+            <a:spLocks noGrp="1"/>
+          </p:cNvSpPr>
+          <p:nvPr>
+            <p:ph type="title"/>
+          </p:nvPr>
+        </p:nvSpPr>
+        <p:spPr>
+          <a:xfrm>
+            <a:off x="684212" y="485244"/>
+            <a:ext cx="8534400" cy="1507067"/>
+          </a:xfrm>
+        </p:spPr>
+        <p:txBody>
+          <a:bodyPr>
+            <a:normAutofit/>
+          </a:bodyPr>
+          <a:lstStyle/>
+          <a:p>
+            <a:r>
+              <a:rPr lang="nl-NL" dirty="0"/>
               <a:t>Rekenmachine code</a:t>
             </a:r>
           </a:p>
@@ -7673,7 +8034,7 @@
 </p:sld>
 </file>
 
-<file path=ppt/slides/slide5.xml><?xml version="1.0" encoding="utf-8"?>
+<file path=ppt/slides/slide6.xml><?xml version="1.0" encoding="utf-8"?>
 <p:sld xmlns:a="http://schemas.openxmlformats.org/drawingml/2006/main" xmlns:r="http://schemas.openxmlformats.org/officeDocument/2006/relationships" xmlns:p="http://schemas.openxmlformats.org/presentationml/2006/main">
   <p:cSld>
     <p:bg>
@@ -7981,7 +8342,7 @@
 </p:sld>
 </file>
 
-<file path=ppt/slides/slide6.xml><?xml version="1.0" encoding="utf-8"?>
+<file path=ppt/slides/slide7.xml><?xml version="1.0" encoding="utf-8"?>
 <p:sld xmlns:a="http://schemas.openxmlformats.org/drawingml/2006/main" xmlns:r="http://schemas.openxmlformats.org/officeDocument/2006/relationships" xmlns:p="http://schemas.openxmlformats.org/presentationml/2006/main">
   <p:cSld>
     <p:bg>
@@ -8272,7 +8633,7 @@
 </p:sld>
 </file>
 
-<file path=ppt/slides/slide7.xml><?xml version="1.0" encoding="utf-8"?>
+<file path=ppt/slides/slide8.xml><?xml version="1.0" encoding="utf-8"?>
 <p:sld xmlns:a="http://schemas.openxmlformats.org/drawingml/2006/main" xmlns:r="http://schemas.openxmlformats.org/officeDocument/2006/relationships" xmlns:p="http://schemas.openxmlformats.org/presentationml/2006/main">
   <p:cSld>
     <p:bg>

--- a/PowerPoint.pptx
+++ b/PowerPoint.pptx
@@ -2,17 +2,24 @@
 <file path=ppt/presentation.xml><?xml version="1.0" encoding="utf-8"?>
 <p:presentation xmlns:a="http://schemas.openxmlformats.org/drawingml/2006/main" xmlns:r="http://schemas.openxmlformats.org/officeDocument/2006/relationships" xmlns:p="http://schemas.openxmlformats.org/presentationml/2006/main" saveSubsetFonts="1">
   <p:sldMasterIdLst>
-    <p:sldMasterId id="2147483696" r:id="rId1"/>
+    <p:sldMasterId id="2147483714" r:id="rId1"/>
   </p:sldMasterIdLst>
   <p:sldIdLst>
     <p:sldId id="256" r:id="rId2"/>
     <p:sldId id="257" r:id="rId3"/>
     <p:sldId id="258" r:id="rId4"/>
-    <p:sldId id="263" r:id="rId5"/>
-    <p:sldId id="259" r:id="rId6"/>
-    <p:sldId id="260" r:id="rId7"/>
-    <p:sldId id="261" r:id="rId8"/>
-    <p:sldId id="262" r:id="rId9"/>
+    <p:sldId id="264" r:id="rId5"/>
+    <p:sldId id="271" r:id="rId6"/>
+    <p:sldId id="263" r:id="rId7"/>
+    <p:sldId id="259" r:id="rId8"/>
+    <p:sldId id="260" r:id="rId9"/>
+    <p:sldId id="261" r:id="rId10"/>
+    <p:sldId id="266" r:id="rId11"/>
+    <p:sldId id="265" r:id="rId12"/>
+    <p:sldId id="262" r:id="rId13"/>
+    <p:sldId id="268" r:id="rId14"/>
+    <p:sldId id="269" r:id="rId15"/>
+    <p:sldId id="270" r:id="rId16"/>
   </p:sldIdLst>
   <p:sldSz cx="12192000" cy="6858000"/>
   <p:notesSz cx="6858000" cy="9144000"/>
@@ -310,7 +317,7 @@
           <a:p>
             <a:fld id="{4EC87238-8AE5-4254-B341-F7F1A060BE88}" type="datetimeFigureOut">
               <a:rPr lang="nl-NL" smtClean="0"/>
-              <a:t>16-12-2019</a:t>
+              <a:t>17-12-2019</a:t>
             </a:fld>
             <a:endParaRPr lang="nl-NL"/>
           </a:p>
@@ -536,7 +543,7 @@
     </p:spTree>
     <p:extLst>
       <p:ext uri="{BB962C8B-B14F-4D97-AF65-F5344CB8AC3E}">
-        <p14:creationId xmlns:p14="http://schemas.microsoft.com/office/powerpoint/2010/main" val="3573616750"/>
+        <p14:creationId xmlns:p14="http://schemas.microsoft.com/office/powerpoint/2010/main" val="1753013535"/>
       </p:ext>
     </p:extLst>
   </p:cSld>
@@ -746,7 +753,7 @@
           <a:p>
             <a:fld id="{4EC87238-8AE5-4254-B341-F7F1A060BE88}" type="datetimeFigureOut">
               <a:rPr lang="nl-NL" smtClean="0"/>
-              <a:t>16-12-2019</a:t>
+              <a:t>17-12-2019</a:t>
             </a:fld>
             <a:endParaRPr lang="nl-NL"/>
           </a:p>
@@ -797,7 +804,7 @@
     </p:spTree>
     <p:extLst>
       <p:ext uri="{BB962C8B-B14F-4D97-AF65-F5344CB8AC3E}">
-        <p14:creationId xmlns:p14="http://schemas.microsoft.com/office/powerpoint/2010/main" val="886620772"/>
+        <p14:creationId xmlns:p14="http://schemas.microsoft.com/office/powerpoint/2010/main" val="3461858002"/>
       </p:ext>
     </p:extLst>
   </p:cSld>
@@ -996,7 +1003,7 @@
           <a:p>
             <a:fld id="{4EC87238-8AE5-4254-B341-F7F1A060BE88}" type="datetimeFigureOut">
               <a:rPr lang="nl-NL" smtClean="0"/>
-              <a:t>16-12-2019</a:t>
+              <a:t>17-12-2019</a:t>
             </a:fld>
             <a:endParaRPr lang="nl-NL"/>
           </a:p>
@@ -1047,7 +1054,7 @@
     </p:spTree>
     <p:extLst>
       <p:ext uri="{BB962C8B-B14F-4D97-AF65-F5344CB8AC3E}">
-        <p14:creationId xmlns:p14="http://schemas.microsoft.com/office/powerpoint/2010/main" val="804700525"/>
+        <p14:creationId xmlns:p14="http://schemas.microsoft.com/office/powerpoint/2010/main" val="4130834800"/>
       </p:ext>
     </p:extLst>
   </p:cSld>
@@ -1304,7 +1311,7 @@
           <a:p>
             <a:fld id="{4EC87238-8AE5-4254-B341-F7F1A060BE88}" type="datetimeFigureOut">
               <a:rPr lang="nl-NL" smtClean="0"/>
-              <a:t>16-12-2019</a:t>
+              <a:t>17-12-2019</a:t>
             </a:fld>
             <a:endParaRPr lang="nl-NL"/>
           </a:p>
@@ -1423,7 +1430,7 @@
     </p:spTree>
     <p:extLst>
       <p:ext uri="{BB962C8B-B14F-4D97-AF65-F5344CB8AC3E}">
-        <p14:creationId xmlns:p14="http://schemas.microsoft.com/office/powerpoint/2010/main" val="3754536637"/>
+        <p14:creationId xmlns:p14="http://schemas.microsoft.com/office/powerpoint/2010/main" val="2582169810"/>
       </p:ext>
     </p:extLst>
   </p:cSld>
@@ -1622,7 +1629,7 @@
           <a:p>
             <a:fld id="{4EC87238-8AE5-4254-B341-F7F1A060BE88}" type="datetimeFigureOut">
               <a:rPr lang="nl-NL" smtClean="0"/>
-              <a:t>16-12-2019</a:t>
+              <a:t>17-12-2019</a:t>
             </a:fld>
             <a:endParaRPr lang="nl-NL"/>
           </a:p>
@@ -1673,7 +1680,7 @@
     </p:spTree>
     <p:extLst>
       <p:ext uri="{BB962C8B-B14F-4D97-AF65-F5344CB8AC3E}">
-        <p14:creationId xmlns:p14="http://schemas.microsoft.com/office/powerpoint/2010/main" val="69282005"/>
+        <p14:creationId xmlns:p14="http://schemas.microsoft.com/office/powerpoint/2010/main" val="3540997798"/>
       </p:ext>
     </p:extLst>
   </p:cSld>
@@ -1924,7 +1931,7 @@
           <a:p>
             <a:fld id="{4EC87238-8AE5-4254-B341-F7F1A060BE88}" type="datetimeFigureOut">
               <a:rPr lang="nl-NL" smtClean="0"/>
-              <a:t>16-12-2019</a:t>
+              <a:t>17-12-2019</a:t>
             </a:fld>
             <a:endParaRPr lang="nl-NL"/>
           </a:p>
@@ -2043,7 +2050,7 @@
     </p:spTree>
     <p:extLst>
       <p:ext uri="{BB962C8B-B14F-4D97-AF65-F5344CB8AC3E}">
-        <p14:creationId xmlns:p14="http://schemas.microsoft.com/office/powerpoint/2010/main" val="2407509496"/>
+        <p14:creationId xmlns:p14="http://schemas.microsoft.com/office/powerpoint/2010/main" val="1510084066"/>
       </p:ext>
     </p:extLst>
   </p:cSld>
@@ -2291,7 +2298,7 @@
           <a:p>
             <a:fld id="{4EC87238-8AE5-4254-B341-F7F1A060BE88}" type="datetimeFigureOut">
               <a:rPr lang="nl-NL" smtClean="0"/>
-              <a:t>16-12-2019</a:t>
+              <a:t>17-12-2019</a:t>
             </a:fld>
             <a:endParaRPr lang="nl-NL"/>
           </a:p>
@@ -2342,7 +2349,7 @@
     </p:spTree>
     <p:extLst>
       <p:ext uri="{BB962C8B-B14F-4D97-AF65-F5344CB8AC3E}">
-        <p14:creationId xmlns:p14="http://schemas.microsoft.com/office/powerpoint/2010/main" val="1490358659"/>
+        <p14:creationId xmlns:p14="http://schemas.microsoft.com/office/powerpoint/2010/main" val="188307217"/>
       </p:ext>
     </p:extLst>
   </p:cSld>
@@ -2465,7 +2472,7 @@
           <a:p>
             <a:fld id="{4EC87238-8AE5-4254-B341-F7F1A060BE88}" type="datetimeFigureOut">
               <a:rPr lang="nl-NL" smtClean="0"/>
-              <a:t>16-12-2019</a:t>
+              <a:t>17-12-2019</a:t>
             </a:fld>
             <a:endParaRPr lang="nl-NL"/>
           </a:p>
@@ -2516,7 +2523,7 @@
     </p:spTree>
     <p:extLst>
       <p:ext uri="{BB962C8B-B14F-4D97-AF65-F5344CB8AC3E}">
-        <p14:creationId xmlns:p14="http://schemas.microsoft.com/office/powerpoint/2010/main" val="1029432510"/>
+        <p14:creationId xmlns:p14="http://schemas.microsoft.com/office/powerpoint/2010/main" val="1210767676"/>
       </p:ext>
     </p:extLst>
   </p:cSld>
@@ -2645,7 +2652,7 @@
           <a:p>
             <a:fld id="{4EC87238-8AE5-4254-B341-F7F1A060BE88}" type="datetimeFigureOut">
               <a:rPr lang="nl-NL" smtClean="0"/>
-              <a:t>16-12-2019</a:t>
+              <a:t>17-12-2019</a:t>
             </a:fld>
             <a:endParaRPr lang="nl-NL"/>
           </a:p>
@@ -2696,7 +2703,7 @@
     </p:spTree>
     <p:extLst>
       <p:ext uri="{BB962C8B-B14F-4D97-AF65-F5344CB8AC3E}">
-        <p14:creationId xmlns:p14="http://schemas.microsoft.com/office/powerpoint/2010/main" val="1853972703"/>
+        <p14:creationId xmlns:p14="http://schemas.microsoft.com/office/powerpoint/2010/main" val="3226350672"/>
       </p:ext>
     </p:extLst>
   </p:cSld>
@@ -2815,7 +2822,7 @@
           <a:p>
             <a:fld id="{4EC87238-8AE5-4254-B341-F7F1A060BE88}" type="datetimeFigureOut">
               <a:rPr lang="nl-NL" smtClean="0"/>
-              <a:t>16-12-2019</a:t>
+              <a:t>17-12-2019</a:t>
             </a:fld>
             <a:endParaRPr lang="nl-NL"/>
           </a:p>
@@ -2866,7 +2873,7 @@
     </p:spTree>
     <p:extLst>
       <p:ext uri="{BB962C8B-B14F-4D97-AF65-F5344CB8AC3E}">
-        <p14:creationId xmlns:p14="http://schemas.microsoft.com/office/powerpoint/2010/main" val="3034309423"/>
+        <p14:creationId xmlns:p14="http://schemas.microsoft.com/office/powerpoint/2010/main" val="3252965766"/>
       </p:ext>
     </p:extLst>
   </p:cSld>
@@ -3065,7 +3072,7 @@
           <a:p>
             <a:fld id="{4EC87238-8AE5-4254-B341-F7F1A060BE88}" type="datetimeFigureOut">
               <a:rPr lang="nl-NL" smtClean="0"/>
-              <a:t>16-12-2019</a:t>
+              <a:t>17-12-2019</a:t>
             </a:fld>
             <a:endParaRPr lang="nl-NL"/>
           </a:p>
@@ -3116,7 +3123,7 @@
     </p:spTree>
     <p:extLst>
       <p:ext uri="{BB962C8B-B14F-4D97-AF65-F5344CB8AC3E}">
-        <p14:creationId xmlns:p14="http://schemas.microsoft.com/office/powerpoint/2010/main" val="1049486269"/>
+        <p14:creationId xmlns:p14="http://schemas.microsoft.com/office/powerpoint/2010/main" val="1291268621"/>
       </p:ext>
     </p:extLst>
   </p:cSld>
@@ -3301,7 +3308,7 @@
           <a:p>
             <a:fld id="{4EC87238-8AE5-4254-B341-F7F1A060BE88}" type="datetimeFigureOut">
               <a:rPr lang="nl-NL" smtClean="0"/>
-              <a:t>16-12-2019</a:t>
+              <a:t>17-12-2019</a:t>
             </a:fld>
             <a:endParaRPr lang="nl-NL"/>
           </a:p>
@@ -3352,7 +3359,7 @@
     </p:spTree>
     <p:extLst>
       <p:ext uri="{BB962C8B-B14F-4D97-AF65-F5344CB8AC3E}">
-        <p14:creationId xmlns:p14="http://schemas.microsoft.com/office/powerpoint/2010/main" val="1480317577"/>
+        <p14:creationId xmlns:p14="http://schemas.microsoft.com/office/powerpoint/2010/main" val="2977094902"/>
       </p:ext>
     </p:extLst>
   </p:cSld>
@@ -3683,7 +3690,7 @@
           <a:p>
             <a:fld id="{4EC87238-8AE5-4254-B341-F7F1A060BE88}" type="datetimeFigureOut">
               <a:rPr lang="nl-NL" smtClean="0"/>
-              <a:t>16-12-2019</a:t>
+              <a:t>17-12-2019</a:t>
             </a:fld>
             <a:endParaRPr lang="nl-NL"/>
           </a:p>
@@ -3734,7 +3741,7 @@
     </p:spTree>
     <p:extLst>
       <p:ext uri="{BB962C8B-B14F-4D97-AF65-F5344CB8AC3E}">
-        <p14:creationId xmlns:p14="http://schemas.microsoft.com/office/powerpoint/2010/main" val="2091110636"/>
+        <p14:creationId xmlns:p14="http://schemas.microsoft.com/office/powerpoint/2010/main" val="2671809200"/>
       </p:ext>
     </p:extLst>
   </p:cSld>
@@ -3801,7 +3808,7 @@
           <a:p>
             <a:fld id="{4EC87238-8AE5-4254-B341-F7F1A060BE88}" type="datetimeFigureOut">
               <a:rPr lang="nl-NL" smtClean="0"/>
-              <a:t>16-12-2019</a:t>
+              <a:t>17-12-2019</a:t>
             </a:fld>
             <a:endParaRPr lang="nl-NL"/>
           </a:p>
@@ -3852,7 +3859,7 @@
     </p:spTree>
     <p:extLst>
       <p:ext uri="{BB962C8B-B14F-4D97-AF65-F5344CB8AC3E}">
-        <p14:creationId xmlns:p14="http://schemas.microsoft.com/office/powerpoint/2010/main" val="3408136818"/>
+        <p14:creationId xmlns:p14="http://schemas.microsoft.com/office/powerpoint/2010/main" val="145267198"/>
       </p:ext>
     </p:extLst>
   </p:cSld>
@@ -3896,7 +3903,7 @@
           <a:p>
             <a:fld id="{4EC87238-8AE5-4254-B341-F7F1A060BE88}" type="datetimeFigureOut">
               <a:rPr lang="nl-NL" smtClean="0"/>
-              <a:t>16-12-2019</a:t>
+              <a:t>17-12-2019</a:t>
             </a:fld>
             <a:endParaRPr lang="nl-NL"/>
           </a:p>
@@ -3947,7 +3954,7 @@
     </p:spTree>
     <p:extLst>
       <p:ext uri="{BB962C8B-B14F-4D97-AF65-F5344CB8AC3E}">
-        <p14:creationId xmlns:p14="http://schemas.microsoft.com/office/powerpoint/2010/main" val="3966992206"/>
+        <p14:creationId xmlns:p14="http://schemas.microsoft.com/office/powerpoint/2010/main" val="1337460203"/>
       </p:ext>
     </p:extLst>
   </p:cSld>
@@ -4151,7 +4158,7 @@
           <a:p>
             <a:fld id="{4EC87238-8AE5-4254-B341-F7F1A060BE88}" type="datetimeFigureOut">
               <a:rPr lang="nl-NL" smtClean="0"/>
-              <a:t>16-12-2019</a:t>
+              <a:t>17-12-2019</a:t>
             </a:fld>
             <a:endParaRPr lang="nl-NL"/>
           </a:p>
@@ -4202,7 +4209,7 @@
     </p:spTree>
     <p:extLst>
       <p:ext uri="{BB962C8B-B14F-4D97-AF65-F5344CB8AC3E}">
-        <p14:creationId xmlns:p14="http://schemas.microsoft.com/office/powerpoint/2010/main" val="3219602170"/>
+        <p14:creationId xmlns:p14="http://schemas.microsoft.com/office/powerpoint/2010/main" val="3374055303"/>
       </p:ext>
     </p:extLst>
   </p:cSld>
@@ -4434,7 +4441,7 @@
           <a:p>
             <a:fld id="{4EC87238-8AE5-4254-B341-F7F1A060BE88}" type="datetimeFigureOut">
               <a:rPr lang="nl-NL" smtClean="0"/>
-              <a:t>16-12-2019</a:t>
+              <a:t>17-12-2019</a:t>
             </a:fld>
             <a:endParaRPr lang="nl-NL"/>
           </a:p>
@@ -4485,7 +4492,7 @@
     </p:spTree>
     <p:extLst>
       <p:ext uri="{BB962C8B-B14F-4D97-AF65-F5344CB8AC3E}">
-        <p14:creationId xmlns:p14="http://schemas.microsoft.com/office/powerpoint/2010/main" val="1560204311"/>
+        <p14:creationId xmlns:p14="http://schemas.microsoft.com/office/powerpoint/2010/main" val="1816250236"/>
       </p:ext>
     </p:extLst>
   </p:cSld>
@@ -4840,7 +4847,7 @@
           <a:p>
             <a:fld id="{4EC87238-8AE5-4254-B341-F7F1A060BE88}" type="datetimeFigureOut">
               <a:rPr lang="nl-NL" smtClean="0"/>
-              <a:t>16-12-2019</a:t>
+              <a:t>17-12-2019</a:t>
             </a:fld>
             <a:endParaRPr lang="nl-NL"/>
           </a:p>
@@ -4931,29 +4938,29 @@
     </p:spTree>
     <p:extLst>
       <p:ext uri="{BB962C8B-B14F-4D97-AF65-F5344CB8AC3E}">
-        <p14:creationId xmlns:p14="http://schemas.microsoft.com/office/powerpoint/2010/main" val="2266239922"/>
+        <p14:creationId xmlns:p14="http://schemas.microsoft.com/office/powerpoint/2010/main" val="2592268764"/>
       </p:ext>
     </p:extLst>
   </p:cSld>
   <p:clrMap bg1="dk1" tx1="lt1" bg2="dk2" tx2="lt2" accent1="accent1" accent2="accent2" accent3="accent3" accent4="accent4" accent5="accent5" accent6="accent6" hlink="hlink" folHlink="folHlink"/>
   <p:sldLayoutIdLst>
-    <p:sldLayoutId id="2147483697" r:id="rId1"/>
-    <p:sldLayoutId id="2147483698" r:id="rId2"/>
-    <p:sldLayoutId id="2147483699" r:id="rId3"/>
-    <p:sldLayoutId id="2147483700" r:id="rId4"/>
-    <p:sldLayoutId id="2147483701" r:id="rId5"/>
-    <p:sldLayoutId id="2147483702" r:id="rId6"/>
-    <p:sldLayoutId id="2147483703" r:id="rId7"/>
-    <p:sldLayoutId id="2147483704" r:id="rId8"/>
-    <p:sldLayoutId id="2147483705" r:id="rId9"/>
-    <p:sldLayoutId id="2147483706" r:id="rId10"/>
-    <p:sldLayoutId id="2147483707" r:id="rId11"/>
-    <p:sldLayoutId id="2147483708" r:id="rId12"/>
-    <p:sldLayoutId id="2147483709" r:id="rId13"/>
-    <p:sldLayoutId id="2147483710" r:id="rId14"/>
-    <p:sldLayoutId id="2147483711" r:id="rId15"/>
-    <p:sldLayoutId id="2147483712" r:id="rId16"/>
-    <p:sldLayoutId id="2147483713" r:id="rId17"/>
+    <p:sldLayoutId id="2147483715" r:id="rId1"/>
+    <p:sldLayoutId id="2147483716" r:id="rId2"/>
+    <p:sldLayoutId id="2147483717" r:id="rId3"/>
+    <p:sldLayoutId id="2147483718" r:id="rId4"/>
+    <p:sldLayoutId id="2147483719" r:id="rId5"/>
+    <p:sldLayoutId id="2147483720" r:id="rId6"/>
+    <p:sldLayoutId id="2147483721" r:id="rId7"/>
+    <p:sldLayoutId id="2147483722" r:id="rId8"/>
+    <p:sldLayoutId id="2147483723" r:id="rId9"/>
+    <p:sldLayoutId id="2147483724" r:id="rId10"/>
+    <p:sldLayoutId id="2147483725" r:id="rId11"/>
+    <p:sldLayoutId id="2147483726" r:id="rId12"/>
+    <p:sldLayoutId id="2147483727" r:id="rId13"/>
+    <p:sldLayoutId id="2147483728" r:id="rId14"/>
+    <p:sldLayoutId id="2147483729" r:id="rId15"/>
+    <p:sldLayoutId id="2147483730" r:id="rId16"/>
+    <p:sldLayoutId id="2147483731" r:id="rId17"/>
   </p:sldLayoutIdLst>
   <p:txStyles>
     <p:titleStyle>
@@ -5509,14 +5516,24 @@
           </a:p>
           <a:p>
             <a:r>
-              <a:rPr lang="nl-NL" dirty="0">
+              <a:rPr lang="nl-NL">
                 <a:solidFill>
                   <a:schemeClr val="tx2">
                     <a:lumMod val="75000"/>
                   </a:schemeClr>
                 </a:solidFill>
               </a:rPr>
-              <a:t>Jullian Moreno </a:t>
+              <a:t>Julian </a:t>
+            </a:r>
+            <a:r>
+              <a:rPr lang="nl-NL" dirty="0">
+                <a:solidFill>
+                  <a:schemeClr val="tx2">
+                    <a:lumMod val="75000"/>
+                  </a:schemeClr>
+                </a:solidFill>
+              </a:rPr>
+              <a:t>Moreno </a:t>
             </a:r>
           </a:p>
         </p:txBody>
@@ -5525,6 +5542,1799 @@
     <p:extLst>
       <p:ext uri="{BB962C8B-B14F-4D97-AF65-F5344CB8AC3E}">
         <p14:creationId xmlns:p14="http://schemas.microsoft.com/office/powerpoint/2010/main" val="2365171798"/>
+      </p:ext>
+    </p:extLst>
+  </p:cSld>
+  <p:clrMapOvr>
+    <a:masterClrMapping/>
+  </p:clrMapOvr>
+</p:sld>
+</file>
+
+<file path=ppt/slides/slide10.xml><?xml version="1.0" encoding="utf-8"?>
+<p:sld xmlns:a="http://schemas.openxmlformats.org/drawingml/2006/main" xmlns:r="http://schemas.openxmlformats.org/officeDocument/2006/relationships" xmlns:p="http://schemas.openxmlformats.org/presentationml/2006/main">
+  <p:cSld>
+    <p:bg>
+      <p:bgPr>
+        <a:gradFill rotWithShape="1">
+          <a:gsLst>
+            <a:gs pos="10000">
+              <a:schemeClr val="bg1">
+                <a:tint val="97000"/>
+                <a:hueMod val="92000"/>
+                <a:satMod val="169000"/>
+                <a:lumMod val="164000"/>
+              </a:schemeClr>
+            </a:gs>
+            <a:gs pos="100000">
+              <a:schemeClr val="bg1">
+                <a:shade val="96000"/>
+                <a:satMod val="120000"/>
+                <a:lumMod val="90000"/>
+              </a:schemeClr>
+            </a:gs>
+          </a:gsLst>
+          <a:lin ang="6120000" scaled="1"/>
+        </a:gradFill>
+        <a:effectLst/>
+      </p:bgPr>
+    </p:bg>
+    <p:spTree>
+      <p:nvGrpSpPr>
+        <p:cNvPr id="1" name=""/>
+        <p:cNvGrpSpPr/>
+        <p:nvPr/>
+      </p:nvGrpSpPr>
+      <p:grpSpPr>
+        <a:xfrm>
+          <a:off x="0" y="0"/>
+          <a:ext cx="0" cy="0"/>
+          <a:chOff x="0" y="0"/>
+          <a:chExt cx="0" cy="0"/>
+        </a:xfrm>
+      </p:grpSpPr>
+      <p:sp>
+        <p:nvSpPr>
+          <p:cNvPr id="2" name="Titel 1">
+            <a:extLst>
+              <a:ext uri="{FF2B5EF4-FFF2-40B4-BE49-F238E27FC236}">
+                <a16:creationId xmlns:a16="http://schemas.microsoft.com/office/drawing/2014/main" id="{301853B7-D914-4E5F-BFF2-9306DF25F055}"/>
+              </a:ext>
+            </a:extLst>
+          </p:cNvPr>
+          <p:cNvSpPr>
+            <a:spLocks noGrp="1"/>
+          </p:cNvSpPr>
+          <p:nvPr>
+            <p:ph type="title"/>
+          </p:nvPr>
+        </p:nvSpPr>
+        <p:spPr>
+          <a:xfrm>
+            <a:off x="684212" y="485244"/>
+            <a:ext cx="8534400" cy="1507067"/>
+          </a:xfrm>
+        </p:spPr>
+        <p:txBody>
+          <a:bodyPr>
+            <a:normAutofit/>
+          </a:bodyPr>
+          <a:lstStyle/>
+          <a:p>
+            <a:r>
+              <a:rPr lang="nl-NL" dirty="0"/>
+              <a:t>taakverdeling</a:t>
+            </a:r>
+          </a:p>
+        </p:txBody>
+      </p:sp>
+      <p:sp>
+        <p:nvSpPr>
+          <p:cNvPr id="3" name="Tijdelijke aanduiding voor inhoud 2">
+            <a:extLst>
+              <a:ext uri="{FF2B5EF4-FFF2-40B4-BE49-F238E27FC236}">
+                <a16:creationId xmlns:a16="http://schemas.microsoft.com/office/drawing/2014/main" id="{7DE5AE3C-2DC0-4B9F-9447-2831F8B1DDAA}"/>
+              </a:ext>
+            </a:extLst>
+          </p:cNvPr>
+          <p:cNvSpPr>
+            <a:spLocks noGrp="1"/>
+          </p:cNvSpPr>
+          <p:nvPr>
+            <p:ph idx="1"/>
+          </p:nvPr>
+        </p:nvSpPr>
+        <p:spPr>
+          <a:xfrm>
+            <a:off x="684212" y="2068511"/>
+            <a:ext cx="8534400" cy="3615267"/>
+          </a:xfrm>
+        </p:spPr>
+        <p:txBody>
+          <a:bodyPr anchor="t">
+            <a:normAutofit/>
+          </a:bodyPr>
+          <a:lstStyle/>
+          <a:p>
+            <a:pPr marL="0" indent="0">
+              <a:buNone/>
+            </a:pPr>
+            <a:r>
+              <a:rPr lang="nl-NL" dirty="0" err="1">
+                <a:solidFill>
+                  <a:schemeClr val="tx1"/>
+                </a:solidFill>
+              </a:rPr>
+              <a:t>Azure</a:t>
+            </a:r>
+            <a:r>
+              <a:rPr lang="nl-NL" dirty="0">
+                <a:solidFill>
+                  <a:schemeClr val="tx1"/>
+                </a:solidFill>
+              </a:rPr>
+              <a:t> </a:t>
+            </a:r>
+            <a:r>
+              <a:rPr lang="nl-NL" dirty="0" err="1">
+                <a:solidFill>
+                  <a:schemeClr val="tx1"/>
+                </a:solidFill>
+              </a:rPr>
+              <a:t>DevOps</a:t>
+            </a:r>
+            <a:endParaRPr lang="nl-NL" dirty="0">
+              <a:solidFill>
+                <a:schemeClr val="tx1"/>
+              </a:solidFill>
+            </a:endParaRPr>
+          </a:p>
+          <a:p>
+            <a:pPr marL="0" indent="0">
+              <a:buNone/>
+            </a:pPr>
+            <a:endParaRPr lang="nl-NL" dirty="0">
+              <a:solidFill>
+                <a:schemeClr val="tx1"/>
+              </a:solidFill>
+            </a:endParaRPr>
+          </a:p>
+          <a:p>
+            <a:pPr marL="0" indent="0">
+              <a:buNone/>
+            </a:pPr>
+            <a:endParaRPr lang="nl-NL" dirty="0">
+              <a:solidFill>
+                <a:schemeClr val="tx1"/>
+              </a:solidFill>
+            </a:endParaRPr>
+          </a:p>
+          <a:p>
+            <a:pPr marL="0" indent="0">
+              <a:buNone/>
+            </a:pPr>
+            <a:r>
+              <a:rPr lang="nl-NL" dirty="0">
+                <a:solidFill>
+                  <a:schemeClr val="tx1"/>
+                </a:solidFill>
+              </a:rPr>
+              <a:t>Moeilijk</a:t>
+            </a:r>
+          </a:p>
+          <a:p>
+            <a:pPr marL="0" indent="0">
+              <a:buNone/>
+            </a:pPr>
+            <a:endParaRPr lang="nl-NL" dirty="0">
+              <a:solidFill>
+                <a:schemeClr val="tx1"/>
+              </a:solidFill>
+            </a:endParaRPr>
+          </a:p>
+          <a:p>
+            <a:pPr marL="0" indent="0">
+              <a:buNone/>
+            </a:pPr>
+            <a:endParaRPr lang="nl-NL" dirty="0">
+              <a:solidFill>
+                <a:schemeClr val="tx1"/>
+              </a:solidFill>
+            </a:endParaRPr>
+          </a:p>
+          <a:p>
+            <a:pPr marL="0" indent="0">
+              <a:buNone/>
+            </a:pPr>
+            <a:endParaRPr lang="nl-NL" dirty="0">
+              <a:solidFill>
+                <a:schemeClr val="tx1"/>
+              </a:solidFill>
+            </a:endParaRPr>
+          </a:p>
+        </p:txBody>
+      </p:sp>
+      <p:pic>
+        <p:nvPicPr>
+          <p:cNvPr id="7174" name="Picture 6" descr="http://data.lazer.moe/VOWdqTcA6L.png">
+            <a:extLst>
+              <a:ext uri="{FF2B5EF4-FFF2-40B4-BE49-F238E27FC236}">
+                <a16:creationId xmlns:a16="http://schemas.microsoft.com/office/drawing/2014/main" id="{61320997-BE52-4CEB-9520-4F86FF660FA6}"/>
+              </a:ext>
+            </a:extLst>
+          </p:cNvPr>
+          <p:cNvPicPr>
+            <a:picLocks noChangeAspect="1" noChangeArrowheads="1"/>
+          </p:cNvPicPr>
+          <p:nvPr/>
+        </p:nvPicPr>
+        <p:blipFill>
+          <a:blip r:embed="rId2">
+            <a:extLst>
+              <a:ext uri="{28A0092B-C50C-407E-A947-70E740481C1C}">
+                <a14:useLocalDpi xmlns:a14="http://schemas.microsoft.com/office/drawing/2010/main" val="0"/>
+              </a:ext>
+            </a:extLst>
+          </a:blip>
+          <a:srcRect/>
+          <a:stretch>
+            <a:fillRect/>
+          </a:stretch>
+        </p:blipFill>
+        <p:spPr bwMode="auto">
+          <a:xfrm>
+            <a:off x="5254412" y="419817"/>
+            <a:ext cx="5955501" cy="1508809"/>
+          </a:xfrm>
+          <a:prstGeom prst="rect">
+            <a:avLst/>
+          </a:prstGeom>
+          <a:noFill/>
+          <a:extLst>
+            <a:ext uri="{909E8E84-426E-40DD-AFC4-6F175D3DCCD1}">
+              <a14:hiddenFill xmlns:a14="http://schemas.microsoft.com/office/drawing/2010/main">
+                <a:solidFill>
+                  <a:srgbClr val="FFFFFF"/>
+                </a:solidFill>
+              </a14:hiddenFill>
+            </a:ext>
+          </a:extLst>
+        </p:spPr>
+      </p:pic>
+      <p:pic>
+        <p:nvPicPr>
+          <p:cNvPr id="7176" name="Picture 8" descr="http://data.lazer.moe/iuYpiAlDhd.png">
+            <a:extLst>
+              <a:ext uri="{FF2B5EF4-FFF2-40B4-BE49-F238E27FC236}">
+                <a16:creationId xmlns:a16="http://schemas.microsoft.com/office/drawing/2014/main" id="{1FF4E931-5B85-4DCB-903E-DBA29F1D9DB6}"/>
+              </a:ext>
+            </a:extLst>
+          </p:cNvPr>
+          <p:cNvPicPr>
+            <a:picLocks noChangeAspect="1" noChangeArrowheads="1"/>
+          </p:cNvPicPr>
+          <p:nvPr/>
+        </p:nvPicPr>
+        <p:blipFill>
+          <a:blip r:embed="rId3">
+            <a:extLst>
+              <a:ext uri="{28A0092B-C50C-407E-A947-70E740481C1C}">
+                <a14:useLocalDpi xmlns:a14="http://schemas.microsoft.com/office/drawing/2010/main" val="0"/>
+              </a:ext>
+            </a:extLst>
+          </a:blip>
+          <a:srcRect/>
+          <a:stretch>
+            <a:fillRect/>
+          </a:stretch>
+        </p:blipFill>
+        <p:spPr bwMode="auto">
+          <a:xfrm>
+            <a:off x="5254411" y="3214204"/>
+            <a:ext cx="5955501" cy="1502675"/>
+          </a:xfrm>
+          <a:prstGeom prst="rect">
+            <a:avLst/>
+          </a:prstGeom>
+          <a:noFill/>
+          <a:extLst>
+            <a:ext uri="{909E8E84-426E-40DD-AFC4-6F175D3DCCD1}">
+              <a14:hiddenFill xmlns:a14="http://schemas.microsoft.com/office/drawing/2010/main">
+                <a:solidFill>
+                  <a:srgbClr val="FFFFFF"/>
+                </a:solidFill>
+              </a14:hiddenFill>
+            </a:ext>
+          </a:extLst>
+        </p:spPr>
+      </p:pic>
+      <p:pic>
+        <p:nvPicPr>
+          <p:cNvPr id="7178" name="Picture 10" descr="XE45rAV8Wr.png (959×102)">
+            <a:extLst>
+              <a:ext uri="{FF2B5EF4-FFF2-40B4-BE49-F238E27FC236}">
+                <a16:creationId xmlns:a16="http://schemas.microsoft.com/office/drawing/2014/main" id="{822378DF-F85C-4D80-BD01-2E468C172D8A}"/>
+              </a:ext>
+            </a:extLst>
+          </p:cNvPr>
+          <p:cNvPicPr>
+            <a:picLocks noChangeAspect="1" noChangeArrowheads="1"/>
+          </p:cNvPicPr>
+          <p:nvPr/>
+        </p:nvPicPr>
+        <p:blipFill>
+          <a:blip r:embed="rId4">
+            <a:extLst>
+              <a:ext uri="{28A0092B-C50C-407E-A947-70E740481C1C}">
+                <a14:useLocalDpi xmlns:a14="http://schemas.microsoft.com/office/drawing/2010/main" val="0"/>
+              </a:ext>
+            </a:extLst>
+          </a:blip>
+          <a:srcRect/>
+          <a:stretch>
+            <a:fillRect/>
+          </a:stretch>
+        </p:blipFill>
+        <p:spPr bwMode="auto">
+          <a:xfrm>
+            <a:off x="5254412" y="2077380"/>
+            <a:ext cx="5955501" cy="625604"/>
+          </a:xfrm>
+          <a:prstGeom prst="rect">
+            <a:avLst/>
+          </a:prstGeom>
+          <a:noFill/>
+          <a:extLst>
+            <a:ext uri="{909E8E84-426E-40DD-AFC4-6F175D3DCCD1}">
+              <a14:hiddenFill xmlns:a14="http://schemas.microsoft.com/office/drawing/2010/main">
+                <a:solidFill>
+                  <a:srgbClr val="FFFFFF"/>
+                </a:solidFill>
+              </a14:hiddenFill>
+            </a:ext>
+          </a:extLst>
+        </p:spPr>
+      </p:pic>
+      <p:pic>
+        <p:nvPicPr>
+          <p:cNvPr id="7180" name="Picture 12" descr="j7Actyhbpd.png (957×244)">
+            <a:extLst>
+              <a:ext uri="{FF2B5EF4-FFF2-40B4-BE49-F238E27FC236}">
+                <a16:creationId xmlns:a16="http://schemas.microsoft.com/office/drawing/2014/main" id="{343CC3C4-F1B1-4802-881B-EBD35FF54075}"/>
+              </a:ext>
+            </a:extLst>
+          </p:cNvPr>
+          <p:cNvPicPr>
+            <a:picLocks noChangeAspect="1" noChangeArrowheads="1"/>
+          </p:cNvPicPr>
+          <p:nvPr/>
+        </p:nvPicPr>
+        <p:blipFill>
+          <a:blip r:embed="rId5">
+            <a:extLst>
+              <a:ext uri="{28A0092B-C50C-407E-A947-70E740481C1C}">
+                <a14:useLocalDpi xmlns:a14="http://schemas.microsoft.com/office/drawing/2010/main" val="0"/>
+              </a:ext>
+            </a:extLst>
+          </a:blip>
+          <a:srcRect/>
+          <a:stretch>
+            <a:fillRect/>
+          </a:stretch>
+        </p:blipFill>
+        <p:spPr bwMode="auto">
+          <a:xfrm>
+            <a:off x="5254411" y="4806805"/>
+            <a:ext cx="5955501" cy="1496542"/>
+          </a:xfrm>
+          <a:prstGeom prst="rect">
+            <a:avLst/>
+          </a:prstGeom>
+          <a:noFill/>
+          <a:extLst>
+            <a:ext uri="{909E8E84-426E-40DD-AFC4-6F175D3DCCD1}">
+              <a14:hiddenFill xmlns:a14="http://schemas.microsoft.com/office/drawing/2010/main">
+                <a:solidFill>
+                  <a:srgbClr val="FFFFFF"/>
+                </a:solidFill>
+              </a14:hiddenFill>
+            </a:ext>
+          </a:extLst>
+        </p:spPr>
+      </p:pic>
+      <p:pic>
+        <p:nvPicPr>
+          <p:cNvPr id="7182" name="Picture 14" descr="4jy4GFko90.png (949×48)">
+            <a:extLst>
+              <a:ext uri="{FF2B5EF4-FFF2-40B4-BE49-F238E27FC236}">
+                <a16:creationId xmlns:a16="http://schemas.microsoft.com/office/drawing/2014/main" id="{95EC1F0D-4DCD-4C32-9074-9BB8BEE50475}"/>
+              </a:ext>
+            </a:extLst>
+          </p:cNvPr>
+          <p:cNvPicPr>
+            <a:picLocks noChangeAspect="1" noChangeArrowheads="1"/>
+          </p:cNvPicPr>
+          <p:nvPr/>
+        </p:nvPicPr>
+        <p:blipFill>
+          <a:blip r:embed="rId6">
+            <a:extLst>
+              <a:ext uri="{28A0092B-C50C-407E-A947-70E740481C1C}">
+                <a14:useLocalDpi xmlns:a14="http://schemas.microsoft.com/office/drawing/2010/main" val="0"/>
+              </a:ext>
+            </a:extLst>
+          </a:blip>
+          <a:srcRect/>
+          <a:stretch>
+            <a:fillRect/>
+          </a:stretch>
+        </p:blipFill>
+        <p:spPr bwMode="auto">
+          <a:xfrm>
+            <a:off x="5254412" y="2823051"/>
+            <a:ext cx="5955501" cy="301227"/>
+          </a:xfrm>
+          <a:prstGeom prst="rect">
+            <a:avLst/>
+          </a:prstGeom>
+          <a:noFill/>
+          <a:extLst>
+            <a:ext uri="{909E8E84-426E-40DD-AFC4-6F175D3DCCD1}">
+              <a14:hiddenFill xmlns:a14="http://schemas.microsoft.com/office/drawing/2010/main">
+                <a:solidFill>
+                  <a:srgbClr val="FFFFFF"/>
+                </a:solidFill>
+              </a14:hiddenFill>
+            </a:ext>
+          </a:extLst>
+        </p:spPr>
+      </p:pic>
+    </p:spTree>
+    <p:extLst>
+      <p:ext uri="{BB962C8B-B14F-4D97-AF65-F5344CB8AC3E}">
+        <p14:creationId xmlns:p14="http://schemas.microsoft.com/office/powerpoint/2010/main" val="1263886365"/>
+      </p:ext>
+    </p:extLst>
+  </p:cSld>
+  <p:clrMapOvr>
+    <a:masterClrMapping/>
+  </p:clrMapOvr>
+</p:sld>
+</file>
+
+<file path=ppt/slides/slide11.xml><?xml version="1.0" encoding="utf-8"?>
+<p:sld xmlns:a="http://schemas.openxmlformats.org/drawingml/2006/main" xmlns:r="http://schemas.openxmlformats.org/officeDocument/2006/relationships" xmlns:p="http://schemas.openxmlformats.org/presentationml/2006/main">
+  <p:cSld>
+    <p:spTree>
+      <p:nvGrpSpPr>
+        <p:cNvPr id="1" name=""/>
+        <p:cNvGrpSpPr/>
+        <p:nvPr/>
+      </p:nvGrpSpPr>
+      <p:grpSpPr>
+        <a:xfrm>
+          <a:off x="0" y="0"/>
+          <a:ext cx="0" cy="0"/>
+          <a:chOff x="0" y="0"/>
+          <a:chExt cx="0" cy="0"/>
+        </a:xfrm>
+      </p:grpSpPr>
+      <p:sp>
+        <p:nvSpPr>
+          <p:cNvPr id="2" name="Titel 1">
+            <a:extLst>
+              <a:ext uri="{FF2B5EF4-FFF2-40B4-BE49-F238E27FC236}">
+                <a16:creationId xmlns:a16="http://schemas.microsoft.com/office/drawing/2014/main" id="{301853B7-D914-4E5F-BFF2-9306DF25F055}"/>
+              </a:ext>
+            </a:extLst>
+          </p:cNvPr>
+          <p:cNvSpPr>
+            <a:spLocks noGrp="1"/>
+          </p:cNvSpPr>
+          <p:nvPr>
+            <p:ph type="title"/>
+          </p:nvPr>
+        </p:nvSpPr>
+        <p:spPr>
+          <a:xfrm>
+            <a:off x="684212" y="485244"/>
+            <a:ext cx="8534400" cy="1507067"/>
+          </a:xfrm>
+        </p:spPr>
+        <p:txBody>
+          <a:bodyPr>
+            <a:normAutofit/>
+          </a:bodyPr>
+          <a:lstStyle/>
+          <a:p>
+            <a:r>
+              <a:rPr lang="nl-NL" dirty="0"/>
+              <a:t>SQL Database</a:t>
+            </a:r>
+          </a:p>
+        </p:txBody>
+      </p:sp>
+      <p:sp>
+        <p:nvSpPr>
+          <p:cNvPr id="3" name="Tijdelijke aanduiding voor inhoud 2">
+            <a:extLst>
+              <a:ext uri="{FF2B5EF4-FFF2-40B4-BE49-F238E27FC236}">
+                <a16:creationId xmlns:a16="http://schemas.microsoft.com/office/drawing/2014/main" id="{7DE5AE3C-2DC0-4B9F-9447-2831F8B1DDAA}"/>
+              </a:ext>
+            </a:extLst>
+          </p:cNvPr>
+          <p:cNvSpPr>
+            <a:spLocks noGrp="1"/>
+          </p:cNvSpPr>
+          <p:nvPr>
+            <p:ph idx="1"/>
+          </p:nvPr>
+        </p:nvSpPr>
+        <p:spPr>
+          <a:xfrm>
+            <a:off x="684212" y="2068511"/>
+            <a:ext cx="8534400" cy="3615267"/>
+          </a:xfrm>
+        </p:spPr>
+        <p:txBody>
+          <a:bodyPr anchor="t">
+            <a:normAutofit/>
+          </a:bodyPr>
+          <a:lstStyle/>
+          <a:p>
+            <a:pPr marL="0" indent="0">
+              <a:buNone/>
+            </a:pPr>
+            <a:r>
+              <a:rPr lang="nl-NL" dirty="0">
+                <a:solidFill>
+                  <a:schemeClr val="tx1"/>
+                </a:solidFill>
+              </a:rPr>
+              <a:t>Lokale Database</a:t>
+            </a:r>
+          </a:p>
+          <a:p>
+            <a:pPr marL="0" indent="0">
+              <a:buNone/>
+            </a:pPr>
+            <a:endParaRPr lang="nl-NL" dirty="0">
+              <a:solidFill>
+                <a:schemeClr val="tx1"/>
+              </a:solidFill>
+            </a:endParaRPr>
+          </a:p>
+          <a:p>
+            <a:pPr marL="0" indent="0">
+              <a:buNone/>
+            </a:pPr>
+            <a:r>
+              <a:rPr lang="nl-NL" dirty="0">
+                <a:solidFill>
+                  <a:schemeClr val="tx1"/>
+                </a:solidFill>
+              </a:rPr>
+              <a:t>Connection Strings</a:t>
+            </a:r>
+          </a:p>
+          <a:p>
+            <a:pPr marL="0" indent="0">
+              <a:buNone/>
+            </a:pPr>
+            <a:endParaRPr lang="nl-NL" dirty="0">
+              <a:solidFill>
+                <a:schemeClr val="tx1"/>
+              </a:solidFill>
+            </a:endParaRPr>
+          </a:p>
+          <a:p>
+            <a:pPr marL="0" indent="0">
+              <a:buNone/>
+            </a:pPr>
+            <a:r>
+              <a:rPr lang="nl-NL" dirty="0">
+                <a:solidFill>
+                  <a:schemeClr val="tx1"/>
+                </a:solidFill>
+                <a:latin typeface="Calibri" panose="020F0502020204030204" pitchFamily="34" charset="0"/>
+                <a:cs typeface="Calibri" panose="020F0502020204030204" pitchFamily="34" charset="0"/>
+              </a:rPr>
+              <a:t>Automatische ORDE BY ID</a:t>
+            </a:r>
+          </a:p>
+          <a:p>
+            <a:pPr marL="0" indent="0">
+              <a:buNone/>
+            </a:pPr>
+            <a:endParaRPr lang="nl-NL" dirty="0">
+              <a:solidFill>
+                <a:schemeClr val="tx1"/>
+              </a:solidFill>
+              <a:latin typeface="Calibri" panose="020F0502020204030204" pitchFamily="34" charset="0"/>
+              <a:cs typeface="Calibri" panose="020F0502020204030204" pitchFamily="34" charset="0"/>
+            </a:endParaRPr>
+          </a:p>
+          <a:p>
+            <a:pPr marL="0" indent="0">
+              <a:buNone/>
+            </a:pPr>
+            <a:endParaRPr lang="nl-NL" dirty="0">
+              <a:solidFill>
+                <a:schemeClr val="tx1"/>
+              </a:solidFill>
+            </a:endParaRPr>
+          </a:p>
+        </p:txBody>
+      </p:sp>
+      <p:pic>
+        <p:nvPicPr>
+          <p:cNvPr id="6" name="Afbeelding 5">
+            <a:extLst>
+              <a:ext uri="{FF2B5EF4-FFF2-40B4-BE49-F238E27FC236}">
+                <a16:creationId xmlns:a16="http://schemas.microsoft.com/office/drawing/2014/main" id="{AA13B281-10E2-448E-B1F3-B6A5DEE98FA7}"/>
+              </a:ext>
+            </a:extLst>
+          </p:cNvPr>
+          <p:cNvPicPr>
+            <a:picLocks noChangeAspect="1"/>
+          </p:cNvPicPr>
+          <p:nvPr/>
+        </p:nvPicPr>
+        <p:blipFill>
+          <a:blip r:embed="rId2">
+            <a:extLst>
+              <a:ext uri="{28A0092B-C50C-407E-A947-70E740481C1C}">
+                <a14:useLocalDpi xmlns:a14="http://schemas.microsoft.com/office/drawing/2010/main" val="0"/>
+              </a:ext>
+            </a:extLst>
+          </a:blip>
+          <a:stretch>
+            <a:fillRect/>
+          </a:stretch>
+        </p:blipFill>
+        <p:spPr>
+          <a:xfrm>
+            <a:off x="382834" y="5759978"/>
+            <a:ext cx="11619863" cy="392193"/>
+          </a:xfrm>
+          <a:prstGeom prst="rect">
+            <a:avLst/>
+          </a:prstGeom>
+        </p:spPr>
+      </p:pic>
+      <p:pic>
+        <p:nvPicPr>
+          <p:cNvPr id="7" name="Picture 2" descr="Afbeeldingsresultaat voor SQL">
+            <a:extLst>
+              <a:ext uri="{FF2B5EF4-FFF2-40B4-BE49-F238E27FC236}">
+                <a16:creationId xmlns:a16="http://schemas.microsoft.com/office/drawing/2014/main" id="{5D9E9E26-2779-47E4-ADF4-418F2FA704BA}"/>
+              </a:ext>
+            </a:extLst>
+          </p:cNvPr>
+          <p:cNvPicPr>
+            <a:picLocks noChangeAspect="1" noChangeArrowheads="1"/>
+          </p:cNvPicPr>
+          <p:nvPr/>
+        </p:nvPicPr>
+        <p:blipFill>
+          <a:blip r:embed="rId3">
+            <a:extLst>
+              <a:ext uri="{28A0092B-C50C-407E-A947-70E740481C1C}">
+                <a14:useLocalDpi xmlns:a14="http://schemas.microsoft.com/office/drawing/2010/main" val="0"/>
+              </a:ext>
+            </a:extLst>
+          </a:blip>
+          <a:srcRect/>
+          <a:stretch>
+            <a:fillRect/>
+          </a:stretch>
+        </p:blipFill>
+        <p:spPr bwMode="auto">
+          <a:xfrm>
+            <a:off x="9620062" y="126880"/>
+            <a:ext cx="2382635" cy="2499510"/>
+          </a:xfrm>
+          <a:prstGeom prst="rect">
+            <a:avLst/>
+          </a:prstGeom>
+          <a:noFill/>
+          <a:extLst>
+            <a:ext uri="{909E8E84-426E-40DD-AFC4-6F175D3DCCD1}">
+              <a14:hiddenFill xmlns:a14="http://schemas.microsoft.com/office/drawing/2010/main">
+                <a:solidFill>
+                  <a:srgbClr val="FFFFFF"/>
+                </a:solidFill>
+              </a14:hiddenFill>
+            </a:ext>
+          </a:extLst>
+        </p:spPr>
+      </p:pic>
+      <p:pic>
+        <p:nvPicPr>
+          <p:cNvPr id="9" name="Afbeelding 8">
+            <a:extLst>
+              <a:ext uri="{FF2B5EF4-FFF2-40B4-BE49-F238E27FC236}">
+                <a16:creationId xmlns:a16="http://schemas.microsoft.com/office/drawing/2014/main" id="{DE8BCEE9-2A12-4B23-A7B8-4B957693920F}"/>
+              </a:ext>
+            </a:extLst>
+          </p:cNvPr>
+          <p:cNvPicPr>
+            <a:picLocks noChangeAspect="1"/>
+          </p:cNvPicPr>
+          <p:nvPr/>
+        </p:nvPicPr>
+        <p:blipFill>
+          <a:blip r:embed="rId4">
+            <a:extLst>
+              <a:ext uri="{28A0092B-C50C-407E-A947-70E740481C1C}">
+                <a14:useLocalDpi xmlns:a14="http://schemas.microsoft.com/office/drawing/2010/main" val="0"/>
+              </a:ext>
+            </a:extLst>
+          </a:blip>
+          <a:stretch>
+            <a:fillRect/>
+          </a:stretch>
+        </p:blipFill>
+        <p:spPr>
+          <a:xfrm>
+            <a:off x="7681680" y="3861219"/>
+            <a:ext cx="3248478" cy="790685"/>
+          </a:xfrm>
+          <a:prstGeom prst="rect">
+            <a:avLst/>
+          </a:prstGeom>
+        </p:spPr>
+      </p:pic>
+      <p:pic>
+        <p:nvPicPr>
+          <p:cNvPr id="11" name="Afbeelding 10">
+            <a:extLst>
+              <a:ext uri="{FF2B5EF4-FFF2-40B4-BE49-F238E27FC236}">
+                <a16:creationId xmlns:a16="http://schemas.microsoft.com/office/drawing/2014/main" id="{21081FE6-CFB3-4FA9-BAAD-69E67C8B01BF}"/>
+              </a:ext>
+            </a:extLst>
+          </p:cNvPr>
+          <p:cNvPicPr>
+            <a:picLocks noChangeAspect="1"/>
+          </p:cNvPicPr>
+          <p:nvPr/>
+        </p:nvPicPr>
+        <p:blipFill>
+          <a:blip r:embed="rId5">
+            <a:extLst>
+              <a:ext uri="{28A0092B-C50C-407E-A947-70E740481C1C}">
+                <a14:useLocalDpi xmlns:a14="http://schemas.microsoft.com/office/drawing/2010/main" val="0"/>
+              </a:ext>
+            </a:extLst>
+          </a:blip>
+          <a:stretch>
+            <a:fillRect/>
+          </a:stretch>
+        </p:blipFill>
+        <p:spPr>
+          <a:xfrm>
+            <a:off x="5618136" y="611776"/>
+            <a:ext cx="1518094" cy="4029227"/>
+          </a:xfrm>
+          <a:prstGeom prst="rect">
+            <a:avLst/>
+          </a:prstGeom>
+        </p:spPr>
+      </p:pic>
+    </p:spTree>
+    <p:extLst>
+      <p:ext uri="{BB962C8B-B14F-4D97-AF65-F5344CB8AC3E}">
+        <p14:creationId xmlns:p14="http://schemas.microsoft.com/office/powerpoint/2010/main" val="1140433502"/>
+      </p:ext>
+    </p:extLst>
+  </p:cSld>
+  <p:clrMapOvr>
+    <a:masterClrMapping/>
+  </p:clrMapOvr>
+</p:sld>
+</file>
+
+<file path=ppt/slides/slide12.xml><?xml version="1.0" encoding="utf-8"?>
+<p:sld xmlns:a="http://schemas.openxmlformats.org/drawingml/2006/main" xmlns:r="http://schemas.openxmlformats.org/officeDocument/2006/relationships" xmlns:p="http://schemas.openxmlformats.org/presentationml/2006/main">
+  <p:cSld>
+    <p:bg>
+      <p:bgPr>
+        <a:gradFill rotWithShape="1">
+          <a:gsLst>
+            <a:gs pos="10000">
+              <a:schemeClr val="bg1">
+                <a:tint val="97000"/>
+                <a:hueMod val="92000"/>
+                <a:satMod val="169000"/>
+                <a:lumMod val="164000"/>
+              </a:schemeClr>
+            </a:gs>
+            <a:gs pos="100000">
+              <a:schemeClr val="bg1">
+                <a:shade val="96000"/>
+                <a:satMod val="120000"/>
+                <a:lumMod val="90000"/>
+              </a:schemeClr>
+            </a:gs>
+          </a:gsLst>
+          <a:lin ang="6120000" scaled="1"/>
+        </a:gradFill>
+        <a:effectLst/>
+      </p:bgPr>
+    </p:bg>
+    <p:spTree>
+      <p:nvGrpSpPr>
+        <p:cNvPr id="1" name=""/>
+        <p:cNvGrpSpPr/>
+        <p:nvPr/>
+      </p:nvGrpSpPr>
+      <p:grpSpPr>
+        <a:xfrm>
+          <a:off x="0" y="0"/>
+          <a:ext cx="0" cy="0"/>
+          <a:chOff x="0" y="0"/>
+          <a:chExt cx="0" cy="0"/>
+        </a:xfrm>
+      </p:grpSpPr>
+      <p:sp>
+        <p:nvSpPr>
+          <p:cNvPr id="2" name="Titel 1">
+            <a:extLst>
+              <a:ext uri="{FF2B5EF4-FFF2-40B4-BE49-F238E27FC236}">
+                <a16:creationId xmlns:a16="http://schemas.microsoft.com/office/drawing/2014/main" id="{301853B7-D914-4E5F-BFF2-9306DF25F055}"/>
+              </a:ext>
+            </a:extLst>
+          </p:cNvPr>
+          <p:cNvSpPr>
+            <a:spLocks noGrp="1"/>
+          </p:cNvSpPr>
+          <p:nvPr>
+            <p:ph type="title"/>
+          </p:nvPr>
+        </p:nvSpPr>
+        <p:spPr>
+          <a:xfrm>
+            <a:off x="684212" y="485244"/>
+            <a:ext cx="8534400" cy="1507067"/>
+          </a:xfrm>
+        </p:spPr>
+        <p:txBody>
+          <a:bodyPr>
+            <a:normAutofit/>
+          </a:bodyPr>
+          <a:lstStyle/>
+          <a:p>
+            <a:r>
+              <a:rPr lang="nl-NL" dirty="0"/>
+              <a:t>Gezichtsherkenning</a:t>
+            </a:r>
+          </a:p>
+        </p:txBody>
+      </p:sp>
+      <p:sp>
+        <p:nvSpPr>
+          <p:cNvPr id="3" name="Tijdelijke aanduiding voor inhoud 2">
+            <a:extLst>
+              <a:ext uri="{FF2B5EF4-FFF2-40B4-BE49-F238E27FC236}">
+                <a16:creationId xmlns:a16="http://schemas.microsoft.com/office/drawing/2014/main" id="{7DE5AE3C-2DC0-4B9F-9447-2831F8B1DDAA}"/>
+              </a:ext>
+            </a:extLst>
+          </p:cNvPr>
+          <p:cNvSpPr>
+            <a:spLocks noGrp="1"/>
+          </p:cNvSpPr>
+          <p:nvPr>
+            <p:ph idx="1"/>
+          </p:nvPr>
+        </p:nvSpPr>
+        <p:spPr>
+          <a:xfrm>
+            <a:off x="684212" y="2068511"/>
+            <a:ext cx="8534400" cy="3615267"/>
+          </a:xfrm>
+        </p:spPr>
+        <p:txBody>
+          <a:bodyPr anchor="t">
+            <a:normAutofit/>
+          </a:bodyPr>
+          <a:lstStyle/>
+          <a:p>
+            <a:pPr marL="0" indent="0">
+              <a:buNone/>
+            </a:pPr>
+            <a:r>
+              <a:rPr lang="nl-NL" dirty="0">
+                <a:solidFill>
+                  <a:schemeClr val="tx1"/>
+                </a:solidFill>
+              </a:rPr>
+              <a:t>Knoppen</a:t>
+            </a:r>
+          </a:p>
+          <a:p>
+            <a:pPr marL="0" indent="0">
+              <a:buNone/>
+            </a:pPr>
+            <a:endParaRPr lang="nl-NL" dirty="0">
+              <a:solidFill>
+                <a:schemeClr val="tx1"/>
+              </a:solidFill>
+            </a:endParaRPr>
+          </a:p>
+          <a:p>
+            <a:pPr marL="0" indent="0">
+              <a:buNone/>
+            </a:pPr>
+            <a:endParaRPr lang="nl-NL" dirty="0">
+              <a:solidFill>
+                <a:schemeClr val="tx1"/>
+              </a:solidFill>
+            </a:endParaRPr>
+          </a:p>
+          <a:p>
+            <a:pPr marL="0" indent="0">
+              <a:buNone/>
+            </a:pPr>
+            <a:r>
+              <a:rPr lang="nl-NL" dirty="0">
+                <a:solidFill>
+                  <a:schemeClr val="tx1"/>
+                </a:solidFill>
+              </a:rPr>
+              <a:t>Controleren</a:t>
+            </a:r>
+          </a:p>
+          <a:p>
+            <a:pPr marL="0" indent="0">
+              <a:buNone/>
+            </a:pPr>
+            <a:endParaRPr lang="nl-NL" dirty="0">
+              <a:solidFill>
+                <a:schemeClr val="tx1"/>
+              </a:solidFill>
+            </a:endParaRPr>
+          </a:p>
+          <a:p>
+            <a:pPr marL="0" indent="0">
+              <a:buNone/>
+            </a:pPr>
+            <a:r>
+              <a:rPr lang="nl-NL" dirty="0">
+                <a:solidFill>
+                  <a:schemeClr val="tx1"/>
+                </a:solidFill>
+              </a:rPr>
+              <a:t>De </a:t>
+            </a:r>
+            <a:r>
+              <a:rPr lang="nl-NL" dirty="0" err="1">
+                <a:solidFill>
+                  <a:schemeClr val="tx1"/>
+                </a:solidFill>
+              </a:rPr>
+              <a:t>request</a:t>
+            </a:r>
+            <a:endParaRPr lang="nl-NL" dirty="0">
+              <a:solidFill>
+                <a:schemeClr val="tx1"/>
+              </a:solidFill>
+            </a:endParaRPr>
+          </a:p>
+          <a:p>
+            <a:pPr marL="0" indent="0">
+              <a:buNone/>
+            </a:pPr>
+            <a:endParaRPr lang="nl-NL" dirty="0">
+              <a:solidFill>
+                <a:schemeClr val="tx1"/>
+              </a:solidFill>
+            </a:endParaRPr>
+          </a:p>
+          <a:p>
+            <a:pPr marL="0" indent="0">
+              <a:buNone/>
+            </a:pPr>
+            <a:r>
+              <a:rPr lang="nl-NL" dirty="0">
+                <a:solidFill>
+                  <a:schemeClr val="tx1"/>
+                </a:solidFill>
+              </a:rPr>
+              <a:t>Parsen</a:t>
+            </a:r>
+          </a:p>
+        </p:txBody>
+      </p:sp>
+      <p:pic>
+        <p:nvPicPr>
+          <p:cNvPr id="7" name="Afbeelding 6">
+            <a:extLst>
+              <a:ext uri="{FF2B5EF4-FFF2-40B4-BE49-F238E27FC236}">
+                <a16:creationId xmlns:a16="http://schemas.microsoft.com/office/drawing/2014/main" id="{04F4100C-E490-415F-8AA6-2D18BCBFDDBB}"/>
+              </a:ext>
+            </a:extLst>
+          </p:cNvPr>
+          <p:cNvPicPr>
+            <a:picLocks noChangeAspect="1"/>
+          </p:cNvPicPr>
+          <p:nvPr/>
+        </p:nvPicPr>
+        <p:blipFill>
+          <a:blip r:embed="rId2"/>
+          <a:stretch>
+            <a:fillRect/>
+          </a:stretch>
+        </p:blipFill>
+        <p:spPr>
+          <a:xfrm>
+            <a:off x="4951412" y="2068511"/>
+            <a:ext cx="3629025" cy="971550"/>
+          </a:xfrm>
+          <a:prstGeom prst="rect">
+            <a:avLst/>
+          </a:prstGeom>
+        </p:spPr>
+      </p:pic>
+      <p:pic>
+        <p:nvPicPr>
+          <p:cNvPr id="9" name="Afbeelding 8">
+            <a:extLst>
+              <a:ext uri="{FF2B5EF4-FFF2-40B4-BE49-F238E27FC236}">
+                <a16:creationId xmlns:a16="http://schemas.microsoft.com/office/drawing/2014/main" id="{80970760-C275-4021-A965-3B9488D949AF}"/>
+              </a:ext>
+            </a:extLst>
+          </p:cNvPr>
+          <p:cNvPicPr>
+            <a:picLocks noChangeAspect="1"/>
+          </p:cNvPicPr>
+          <p:nvPr/>
+        </p:nvPicPr>
+        <p:blipFill>
+          <a:blip r:embed="rId3"/>
+          <a:stretch>
+            <a:fillRect/>
+          </a:stretch>
+        </p:blipFill>
+        <p:spPr>
+          <a:xfrm>
+            <a:off x="4951412" y="3749541"/>
+            <a:ext cx="5572125" cy="466725"/>
+          </a:xfrm>
+          <a:prstGeom prst="rect">
+            <a:avLst/>
+          </a:prstGeom>
+        </p:spPr>
+      </p:pic>
+      <p:pic>
+        <p:nvPicPr>
+          <p:cNvPr id="1026" name="Picture 2" descr="Afbeeldingsresultaat voor gezichtsherkenning&quot;">
+            <a:extLst>
+              <a:ext uri="{FF2B5EF4-FFF2-40B4-BE49-F238E27FC236}">
+                <a16:creationId xmlns:a16="http://schemas.microsoft.com/office/drawing/2014/main" id="{DBAEA8CB-BB00-4D30-9B7A-21AB67A30F70}"/>
+              </a:ext>
+            </a:extLst>
+          </p:cNvPr>
+          <p:cNvPicPr>
+            <a:picLocks noChangeAspect="1" noChangeArrowheads="1"/>
+          </p:cNvPicPr>
+          <p:nvPr/>
+        </p:nvPicPr>
+        <p:blipFill>
+          <a:blip r:embed="rId4">
+            <a:extLst>
+              <a:ext uri="{BEBA8EAE-BF5A-486C-A8C5-ECC9F3942E4B}">
+                <a14:imgProps xmlns:a14="http://schemas.microsoft.com/office/drawing/2010/main">
+                  <a14:imgLayer r:embed="rId5">
+                    <a14:imgEffect>
+                      <a14:backgroundRemoval t="9884" b="95155" l="10000" r="90000">
+                        <a14:foregroundMark x1="44194" y1="24419" x2="52903" y2="21899"/>
+                        <a14:foregroundMark x1="52903" y1="21899" x2="48871" y2="31589"/>
+                        <a14:foregroundMark x1="48871" y1="31589" x2="58065" y2="32752"/>
+                        <a14:foregroundMark x1="58065" y1="32752" x2="55161" y2="43023"/>
+                        <a14:foregroundMark x1="55161" y1="43023" x2="45484" y2="45155"/>
+                        <a14:foregroundMark x1="45484" y1="45155" x2="50323" y2="33721"/>
+                        <a14:foregroundMark x1="50323" y1="33721" x2="56129" y2="44961"/>
+                        <a14:foregroundMark x1="56129" y1="44961" x2="48387" y2="51357"/>
+                        <a14:foregroundMark x1="48387" y1="51357" x2="47903" y2="80814"/>
+                        <a14:foregroundMark x1="47903" y1="80814" x2="56452" y2="85659"/>
+                        <a14:foregroundMark x1="56452" y1="85659" x2="61129" y2="94186"/>
+                        <a14:foregroundMark x1="61129" y1="94186" x2="45161" y2="98256"/>
+                        <a14:foregroundMark x1="45161" y1="98256" x2="27742" y2="95155"/>
+                        <a14:foregroundMark x1="27742" y1="95155" x2="27742" y2="81977"/>
+                        <a14:foregroundMark x1="27742" y1="81977" x2="31452" y2="78488"/>
+                      </a14:backgroundRemoval>
+                    </a14:imgEffect>
+                  </a14:imgLayer>
+                </a14:imgProps>
+              </a:ext>
+              <a:ext uri="{28A0092B-C50C-407E-A947-70E740481C1C}">
+                <a14:useLocalDpi xmlns:a14="http://schemas.microsoft.com/office/drawing/2010/main" val="0"/>
+              </a:ext>
+            </a:extLst>
+          </a:blip>
+          <a:srcRect/>
+          <a:stretch>
+            <a:fillRect/>
+          </a:stretch>
+        </p:blipFill>
+        <p:spPr bwMode="auto">
+          <a:xfrm>
+            <a:off x="8773434" y="-164320"/>
+            <a:ext cx="3500206" cy="2913075"/>
+          </a:xfrm>
+          <a:prstGeom prst="rect">
+            <a:avLst/>
+          </a:prstGeom>
+          <a:noFill/>
+          <a:extLst>
+            <a:ext uri="{909E8E84-426E-40DD-AFC4-6F175D3DCCD1}">
+              <a14:hiddenFill xmlns:a14="http://schemas.microsoft.com/office/drawing/2010/main">
+                <a:solidFill>
+                  <a:srgbClr val="FFFFFF"/>
+                </a:solidFill>
+              </a14:hiddenFill>
+            </a:ext>
+          </a:extLst>
+        </p:spPr>
+      </p:pic>
+      <p:pic>
+        <p:nvPicPr>
+          <p:cNvPr id="10" name="Afbeelding 9">
+            <a:extLst>
+              <a:ext uri="{FF2B5EF4-FFF2-40B4-BE49-F238E27FC236}">
+                <a16:creationId xmlns:a16="http://schemas.microsoft.com/office/drawing/2014/main" id="{ADD9518E-7F26-40A1-A937-C3F91542B367}"/>
+              </a:ext>
+            </a:extLst>
+          </p:cNvPr>
+          <p:cNvPicPr>
+            <a:picLocks noChangeAspect="1"/>
+          </p:cNvPicPr>
+          <p:nvPr/>
+        </p:nvPicPr>
+        <p:blipFill>
+          <a:blip r:embed="rId6"/>
+          <a:stretch>
+            <a:fillRect/>
+          </a:stretch>
+        </p:blipFill>
+        <p:spPr>
+          <a:xfrm>
+            <a:off x="4951412" y="4509070"/>
+            <a:ext cx="5610225" cy="2047875"/>
+          </a:xfrm>
+          <a:prstGeom prst="rect">
+            <a:avLst/>
+          </a:prstGeom>
+        </p:spPr>
+      </p:pic>
+    </p:spTree>
+    <p:extLst>
+      <p:ext uri="{BB962C8B-B14F-4D97-AF65-F5344CB8AC3E}">
+        <p14:creationId xmlns:p14="http://schemas.microsoft.com/office/powerpoint/2010/main" val="2381562085"/>
+      </p:ext>
+    </p:extLst>
+  </p:cSld>
+  <p:clrMapOvr>
+    <a:masterClrMapping/>
+  </p:clrMapOvr>
+</p:sld>
+</file>
+
+<file path=ppt/slides/slide13.xml><?xml version="1.0" encoding="utf-8"?>
+<p:sld xmlns:a="http://schemas.openxmlformats.org/drawingml/2006/main" xmlns:r="http://schemas.openxmlformats.org/officeDocument/2006/relationships" xmlns:p="http://schemas.openxmlformats.org/presentationml/2006/main">
+  <p:cSld>
+    <p:bg>
+      <p:bgPr>
+        <a:gradFill rotWithShape="1">
+          <a:gsLst>
+            <a:gs pos="10000">
+              <a:schemeClr val="bg1">
+                <a:tint val="97000"/>
+                <a:hueMod val="92000"/>
+                <a:satMod val="169000"/>
+                <a:lumMod val="164000"/>
+              </a:schemeClr>
+            </a:gs>
+            <a:gs pos="100000">
+              <a:schemeClr val="bg1">
+                <a:shade val="96000"/>
+                <a:satMod val="120000"/>
+                <a:lumMod val="90000"/>
+              </a:schemeClr>
+            </a:gs>
+          </a:gsLst>
+          <a:lin ang="6120000" scaled="1"/>
+        </a:gradFill>
+        <a:effectLst/>
+      </p:bgPr>
+    </p:bg>
+    <p:spTree>
+      <p:nvGrpSpPr>
+        <p:cNvPr id="1" name=""/>
+        <p:cNvGrpSpPr/>
+        <p:nvPr/>
+      </p:nvGrpSpPr>
+      <p:grpSpPr>
+        <a:xfrm>
+          <a:off x="0" y="0"/>
+          <a:ext cx="0" cy="0"/>
+          <a:chOff x="0" y="0"/>
+          <a:chExt cx="0" cy="0"/>
+        </a:xfrm>
+      </p:grpSpPr>
+      <p:sp>
+        <p:nvSpPr>
+          <p:cNvPr id="2" name="Titel 1">
+            <a:extLst>
+              <a:ext uri="{FF2B5EF4-FFF2-40B4-BE49-F238E27FC236}">
+                <a16:creationId xmlns:a16="http://schemas.microsoft.com/office/drawing/2014/main" id="{301853B7-D914-4E5F-BFF2-9306DF25F055}"/>
+              </a:ext>
+            </a:extLst>
+          </p:cNvPr>
+          <p:cNvSpPr>
+            <a:spLocks noGrp="1"/>
+          </p:cNvSpPr>
+          <p:nvPr>
+            <p:ph type="title"/>
+          </p:nvPr>
+        </p:nvSpPr>
+        <p:spPr>
+          <a:xfrm>
+            <a:off x="684212" y="485244"/>
+            <a:ext cx="8534400" cy="1507067"/>
+          </a:xfrm>
+        </p:spPr>
+        <p:txBody>
+          <a:bodyPr>
+            <a:normAutofit/>
+          </a:bodyPr>
+          <a:lstStyle/>
+          <a:p>
+            <a:r>
+              <a:rPr lang="nl-NL" dirty="0"/>
+              <a:t>verbeterpunten</a:t>
+            </a:r>
+          </a:p>
+        </p:txBody>
+      </p:sp>
+      <p:sp>
+        <p:nvSpPr>
+          <p:cNvPr id="3" name="Tijdelijke aanduiding voor inhoud 2">
+            <a:extLst>
+              <a:ext uri="{FF2B5EF4-FFF2-40B4-BE49-F238E27FC236}">
+                <a16:creationId xmlns:a16="http://schemas.microsoft.com/office/drawing/2014/main" id="{7DE5AE3C-2DC0-4B9F-9447-2831F8B1DDAA}"/>
+              </a:ext>
+            </a:extLst>
+          </p:cNvPr>
+          <p:cNvSpPr>
+            <a:spLocks noGrp="1"/>
+          </p:cNvSpPr>
+          <p:nvPr>
+            <p:ph idx="1"/>
+          </p:nvPr>
+        </p:nvSpPr>
+        <p:spPr>
+          <a:xfrm>
+            <a:off x="684212" y="2068511"/>
+            <a:ext cx="8534400" cy="3615267"/>
+          </a:xfrm>
+        </p:spPr>
+        <p:txBody>
+          <a:bodyPr anchor="t">
+            <a:normAutofit/>
+          </a:bodyPr>
+          <a:lstStyle/>
+          <a:p>
+            <a:pPr marL="0" indent="0">
+              <a:buNone/>
+            </a:pPr>
+            <a:r>
+              <a:rPr lang="nl-NL" dirty="0">
+                <a:solidFill>
+                  <a:schemeClr val="tx1"/>
+                </a:solidFill>
+              </a:rPr>
+              <a:t>Stand-Up</a:t>
+            </a:r>
+          </a:p>
+          <a:p>
+            <a:pPr marL="0" indent="0">
+              <a:buNone/>
+            </a:pPr>
+            <a:endParaRPr lang="nl-NL" dirty="0">
+              <a:solidFill>
+                <a:schemeClr val="tx1"/>
+              </a:solidFill>
+            </a:endParaRPr>
+          </a:p>
+          <a:p>
+            <a:pPr marL="0" indent="0">
+              <a:buNone/>
+            </a:pPr>
+            <a:endParaRPr lang="nl-NL" dirty="0">
+              <a:solidFill>
+                <a:schemeClr val="tx1"/>
+              </a:solidFill>
+            </a:endParaRPr>
+          </a:p>
+          <a:p>
+            <a:pPr marL="0" indent="0">
+              <a:buNone/>
+            </a:pPr>
+            <a:r>
+              <a:rPr lang="nl-NL" dirty="0">
+                <a:solidFill>
+                  <a:schemeClr val="tx1"/>
+                </a:solidFill>
+              </a:rPr>
+              <a:t>Luidruchtig</a:t>
+            </a:r>
+          </a:p>
+          <a:p>
+            <a:pPr marL="0" indent="0">
+              <a:buNone/>
+            </a:pPr>
+            <a:endParaRPr lang="nl-NL" dirty="0">
+              <a:solidFill>
+                <a:schemeClr val="tx1"/>
+              </a:solidFill>
+            </a:endParaRPr>
+          </a:p>
+          <a:p>
+            <a:pPr marL="0" indent="0">
+              <a:buNone/>
+            </a:pPr>
+            <a:endParaRPr lang="nl-NL" dirty="0">
+              <a:solidFill>
+                <a:schemeClr val="tx1"/>
+              </a:solidFill>
+            </a:endParaRPr>
+          </a:p>
+          <a:p>
+            <a:pPr marL="0" indent="0">
+              <a:buNone/>
+            </a:pPr>
+            <a:r>
+              <a:rPr lang="nl-NL" dirty="0">
+                <a:solidFill>
+                  <a:schemeClr val="tx1"/>
+                </a:solidFill>
+              </a:rPr>
+              <a:t>Rustiger</a:t>
+            </a:r>
+          </a:p>
+        </p:txBody>
+      </p:sp>
+      <p:pic>
+        <p:nvPicPr>
+          <p:cNvPr id="2050" name="Picture 2" descr="Afbeeldingsresultaat voor stand up&quot;">
+            <a:extLst>
+              <a:ext uri="{FF2B5EF4-FFF2-40B4-BE49-F238E27FC236}">
+                <a16:creationId xmlns:a16="http://schemas.microsoft.com/office/drawing/2014/main" id="{6C962671-78A4-444A-A318-30B5275E4C1F}"/>
+              </a:ext>
+            </a:extLst>
+          </p:cNvPr>
+          <p:cNvPicPr>
+            <a:picLocks noChangeAspect="1" noChangeArrowheads="1"/>
+          </p:cNvPicPr>
+          <p:nvPr/>
+        </p:nvPicPr>
+        <p:blipFill>
+          <a:blip r:embed="rId2">
+            <a:extLst>
+              <a:ext uri="{28A0092B-C50C-407E-A947-70E740481C1C}">
+                <a14:useLocalDpi xmlns:a14="http://schemas.microsoft.com/office/drawing/2010/main" val="0"/>
+              </a:ext>
+            </a:extLst>
+          </a:blip>
+          <a:srcRect/>
+          <a:stretch>
+            <a:fillRect/>
+          </a:stretch>
+        </p:blipFill>
+        <p:spPr bwMode="auto">
+          <a:xfrm>
+            <a:off x="8742100" y="563561"/>
+            <a:ext cx="2857500" cy="2857500"/>
+          </a:xfrm>
+          <a:prstGeom prst="rect">
+            <a:avLst/>
+          </a:prstGeom>
+          <a:noFill/>
+          <a:extLst>
+            <a:ext uri="{909E8E84-426E-40DD-AFC4-6F175D3DCCD1}">
+              <a14:hiddenFill xmlns:a14="http://schemas.microsoft.com/office/drawing/2010/main">
+                <a:solidFill>
+                  <a:srgbClr val="FFFFFF"/>
+                </a:solidFill>
+              </a14:hiddenFill>
+            </a:ext>
+          </a:extLst>
+        </p:spPr>
+      </p:pic>
+    </p:spTree>
+    <p:extLst>
+      <p:ext uri="{BB962C8B-B14F-4D97-AF65-F5344CB8AC3E}">
+        <p14:creationId xmlns:p14="http://schemas.microsoft.com/office/powerpoint/2010/main" val="892580034"/>
+      </p:ext>
+    </p:extLst>
+  </p:cSld>
+  <p:clrMapOvr>
+    <a:masterClrMapping/>
+  </p:clrMapOvr>
+</p:sld>
+</file>
+
+<file path=ppt/slides/slide14.xml><?xml version="1.0" encoding="utf-8"?>
+<p:sld xmlns:a="http://schemas.openxmlformats.org/drawingml/2006/main" xmlns:r="http://schemas.openxmlformats.org/officeDocument/2006/relationships" xmlns:p="http://schemas.openxmlformats.org/presentationml/2006/main">
+  <p:cSld>
+    <p:bg>
+      <p:bgPr>
+        <a:gradFill rotWithShape="1">
+          <a:gsLst>
+            <a:gs pos="10000">
+              <a:schemeClr val="bg1">
+                <a:tint val="97000"/>
+                <a:hueMod val="92000"/>
+                <a:satMod val="169000"/>
+                <a:lumMod val="164000"/>
+              </a:schemeClr>
+            </a:gs>
+            <a:gs pos="100000">
+              <a:schemeClr val="bg1">
+                <a:shade val="96000"/>
+                <a:satMod val="120000"/>
+                <a:lumMod val="90000"/>
+              </a:schemeClr>
+            </a:gs>
+          </a:gsLst>
+          <a:lin ang="6120000" scaled="1"/>
+        </a:gradFill>
+        <a:effectLst/>
+      </p:bgPr>
+    </p:bg>
+    <p:spTree>
+      <p:nvGrpSpPr>
+        <p:cNvPr id="1" name=""/>
+        <p:cNvGrpSpPr/>
+        <p:nvPr/>
+      </p:nvGrpSpPr>
+      <p:grpSpPr>
+        <a:xfrm>
+          <a:off x="0" y="0"/>
+          <a:ext cx="0" cy="0"/>
+          <a:chOff x="0" y="0"/>
+          <a:chExt cx="0" cy="0"/>
+        </a:xfrm>
+      </p:grpSpPr>
+      <p:sp>
+        <p:nvSpPr>
+          <p:cNvPr id="2" name="Titel 1">
+            <a:extLst>
+              <a:ext uri="{FF2B5EF4-FFF2-40B4-BE49-F238E27FC236}">
+                <a16:creationId xmlns:a16="http://schemas.microsoft.com/office/drawing/2014/main" id="{301853B7-D914-4E5F-BFF2-9306DF25F055}"/>
+              </a:ext>
+            </a:extLst>
+          </p:cNvPr>
+          <p:cNvSpPr>
+            <a:spLocks noGrp="1"/>
+          </p:cNvSpPr>
+          <p:nvPr>
+            <p:ph type="title"/>
+          </p:nvPr>
+        </p:nvSpPr>
+        <p:spPr>
+          <a:xfrm>
+            <a:off x="684212" y="485244"/>
+            <a:ext cx="8534400" cy="1507067"/>
+          </a:xfrm>
+        </p:spPr>
+        <p:txBody>
+          <a:bodyPr>
+            <a:normAutofit/>
+          </a:bodyPr>
+          <a:lstStyle/>
+          <a:p>
+            <a:r>
+              <a:rPr lang="nl-NL" dirty="0" err="1"/>
+              <a:t>retrospective</a:t>
+            </a:r>
+            <a:endParaRPr lang="nl-NL" dirty="0"/>
+          </a:p>
+        </p:txBody>
+      </p:sp>
+      <p:sp>
+        <p:nvSpPr>
+          <p:cNvPr id="3" name="Tijdelijke aanduiding voor inhoud 2">
+            <a:extLst>
+              <a:ext uri="{FF2B5EF4-FFF2-40B4-BE49-F238E27FC236}">
+                <a16:creationId xmlns:a16="http://schemas.microsoft.com/office/drawing/2014/main" id="{7DE5AE3C-2DC0-4B9F-9447-2831F8B1DDAA}"/>
+              </a:ext>
+            </a:extLst>
+          </p:cNvPr>
+          <p:cNvSpPr>
+            <a:spLocks noGrp="1"/>
+          </p:cNvSpPr>
+          <p:nvPr>
+            <p:ph idx="1"/>
+          </p:nvPr>
+        </p:nvSpPr>
+        <p:spPr>
+          <a:xfrm>
+            <a:off x="684212" y="2068511"/>
+            <a:ext cx="8534400" cy="3615267"/>
+          </a:xfrm>
+        </p:spPr>
+        <p:txBody>
+          <a:bodyPr anchor="t">
+            <a:normAutofit/>
+          </a:bodyPr>
+          <a:lstStyle/>
+          <a:p>
+            <a:pPr marL="0" indent="0">
+              <a:buNone/>
+            </a:pPr>
+            <a:r>
+              <a:rPr lang="nl-NL" dirty="0">
+                <a:solidFill>
+                  <a:schemeClr val="tx1"/>
+                </a:solidFill>
+              </a:rPr>
+              <a:t>Handelen in de groep</a:t>
+            </a:r>
+          </a:p>
+          <a:p>
+            <a:pPr marL="0" indent="0">
+              <a:buNone/>
+            </a:pPr>
+            <a:endParaRPr lang="nl-NL" dirty="0">
+              <a:solidFill>
+                <a:schemeClr val="tx1"/>
+              </a:solidFill>
+            </a:endParaRPr>
+          </a:p>
+          <a:p>
+            <a:pPr marL="0" indent="0">
+              <a:buNone/>
+            </a:pPr>
+            <a:endParaRPr lang="nl-NL" dirty="0">
+              <a:solidFill>
+                <a:schemeClr val="tx1"/>
+              </a:solidFill>
+            </a:endParaRPr>
+          </a:p>
+          <a:p>
+            <a:pPr marL="0" indent="0">
+              <a:buNone/>
+            </a:pPr>
+            <a:r>
+              <a:rPr lang="nl-NL" dirty="0">
+                <a:solidFill>
+                  <a:schemeClr val="tx1"/>
+                </a:solidFill>
+              </a:rPr>
+              <a:t>Wat ging niet goed</a:t>
+            </a:r>
+          </a:p>
+          <a:p>
+            <a:pPr marL="0" indent="0">
+              <a:buNone/>
+            </a:pPr>
+            <a:endParaRPr lang="nl-NL" dirty="0">
+              <a:solidFill>
+                <a:schemeClr val="tx1"/>
+              </a:solidFill>
+            </a:endParaRPr>
+          </a:p>
+          <a:p>
+            <a:pPr marL="0" indent="0">
+              <a:buNone/>
+            </a:pPr>
+            <a:endParaRPr lang="nl-NL" dirty="0">
+              <a:solidFill>
+                <a:schemeClr val="tx1"/>
+              </a:solidFill>
+            </a:endParaRPr>
+          </a:p>
+          <a:p>
+            <a:pPr marL="0" indent="0">
+              <a:buNone/>
+            </a:pPr>
+            <a:r>
+              <a:rPr lang="nl-NL" dirty="0">
+                <a:solidFill>
+                  <a:schemeClr val="tx1"/>
+                </a:solidFill>
+              </a:rPr>
+              <a:t>Wat gaan we anders doen</a:t>
+            </a:r>
+          </a:p>
+        </p:txBody>
+      </p:sp>
+      <p:pic>
+        <p:nvPicPr>
+          <p:cNvPr id="5122" name="Picture 2" descr="Afbeeldingsresultaat voor retrospective scrum&quot;">
+            <a:extLst>
+              <a:ext uri="{FF2B5EF4-FFF2-40B4-BE49-F238E27FC236}">
+                <a16:creationId xmlns:a16="http://schemas.microsoft.com/office/drawing/2014/main" id="{BE1DD448-BA1D-4C3D-90AA-95C962641352}"/>
+              </a:ext>
+            </a:extLst>
+          </p:cNvPr>
+          <p:cNvPicPr>
+            <a:picLocks noChangeAspect="1" noChangeArrowheads="1"/>
+          </p:cNvPicPr>
+          <p:nvPr/>
+        </p:nvPicPr>
+        <p:blipFill rotWithShape="1">
+          <a:blip r:embed="rId2">
+            <a:extLst>
+              <a:ext uri="{28A0092B-C50C-407E-A947-70E740481C1C}">
+                <a14:useLocalDpi xmlns:a14="http://schemas.microsoft.com/office/drawing/2010/main" val="0"/>
+              </a:ext>
+            </a:extLst>
+          </a:blip>
+          <a:srcRect t="12288"/>
+          <a:stretch/>
+        </p:blipFill>
+        <p:spPr bwMode="auto">
+          <a:xfrm>
+            <a:off x="5925137" y="2160849"/>
+            <a:ext cx="5582651" cy="2536302"/>
+          </a:xfrm>
+          <a:prstGeom prst="rect">
+            <a:avLst/>
+          </a:prstGeom>
+          <a:noFill/>
+          <a:extLst>
+            <a:ext uri="{909E8E84-426E-40DD-AFC4-6F175D3DCCD1}">
+              <a14:hiddenFill xmlns:a14="http://schemas.microsoft.com/office/drawing/2010/main">
+                <a:solidFill>
+                  <a:srgbClr val="FFFFFF"/>
+                </a:solidFill>
+              </a14:hiddenFill>
+            </a:ext>
+          </a:extLst>
+        </p:spPr>
+      </p:pic>
+    </p:spTree>
+    <p:extLst>
+      <p:ext uri="{BB962C8B-B14F-4D97-AF65-F5344CB8AC3E}">
+        <p14:creationId xmlns:p14="http://schemas.microsoft.com/office/powerpoint/2010/main" val="1568463848"/>
+      </p:ext>
+    </p:extLst>
+  </p:cSld>
+  <p:clrMapOvr>
+    <a:masterClrMapping/>
+  </p:clrMapOvr>
+</p:sld>
+</file>
+
+<file path=ppt/slides/slide15.xml><?xml version="1.0" encoding="utf-8"?>
+<p:sld xmlns:a="http://schemas.openxmlformats.org/drawingml/2006/main" xmlns:r="http://schemas.openxmlformats.org/officeDocument/2006/relationships" xmlns:p="http://schemas.openxmlformats.org/presentationml/2006/main">
+  <p:cSld>
+    <p:bg>
+      <p:bgPr>
+        <a:gradFill rotWithShape="1">
+          <a:gsLst>
+            <a:gs pos="10000">
+              <a:schemeClr val="bg1">
+                <a:tint val="97000"/>
+                <a:hueMod val="92000"/>
+                <a:satMod val="169000"/>
+                <a:lumMod val="164000"/>
+              </a:schemeClr>
+            </a:gs>
+            <a:gs pos="100000">
+              <a:schemeClr val="bg1">
+                <a:shade val="96000"/>
+                <a:satMod val="120000"/>
+                <a:lumMod val="90000"/>
+              </a:schemeClr>
+            </a:gs>
+          </a:gsLst>
+          <a:lin ang="6120000" scaled="1"/>
+        </a:gradFill>
+        <a:effectLst/>
+      </p:bgPr>
+    </p:bg>
+    <p:spTree>
+      <p:nvGrpSpPr>
+        <p:cNvPr id="1" name=""/>
+        <p:cNvGrpSpPr/>
+        <p:nvPr/>
+      </p:nvGrpSpPr>
+      <p:grpSpPr>
+        <a:xfrm>
+          <a:off x="0" y="0"/>
+          <a:ext cx="0" cy="0"/>
+          <a:chOff x="0" y="0"/>
+          <a:chExt cx="0" cy="0"/>
+        </a:xfrm>
+      </p:grpSpPr>
+      <p:sp>
+        <p:nvSpPr>
+          <p:cNvPr id="7" name="Titel 6">
+            <a:extLst>
+              <a:ext uri="{FF2B5EF4-FFF2-40B4-BE49-F238E27FC236}">
+                <a16:creationId xmlns:a16="http://schemas.microsoft.com/office/drawing/2014/main" id="{FA73EFC0-5BEF-4E03-AC04-E22C67D4C44B}"/>
+              </a:ext>
+            </a:extLst>
+          </p:cNvPr>
+          <p:cNvSpPr>
+            <a:spLocks noGrp="1"/>
+          </p:cNvSpPr>
+          <p:nvPr>
+            <p:ph type="title"/>
+          </p:nvPr>
+        </p:nvSpPr>
+        <p:spPr>
+          <a:xfrm>
+            <a:off x="596687" y="324761"/>
+            <a:ext cx="8534400" cy="1507067"/>
+          </a:xfrm>
+        </p:spPr>
+        <p:txBody>
+          <a:bodyPr/>
+          <a:lstStyle/>
+          <a:p>
+            <a:r>
+              <a:rPr lang="nl-NL" dirty="0"/>
+              <a:t>Einde</a:t>
+            </a:r>
+          </a:p>
+        </p:txBody>
+      </p:sp>
+      <p:pic>
+        <p:nvPicPr>
+          <p:cNvPr id="6146" name="Picture 2" descr="Afbeeldingsresultaat voor the end">
+            <a:extLst>
+              <a:ext uri="{FF2B5EF4-FFF2-40B4-BE49-F238E27FC236}">
+                <a16:creationId xmlns:a16="http://schemas.microsoft.com/office/drawing/2014/main" id="{A0C7C8C2-B539-4D93-BA1D-85D5DD012CBE}"/>
+              </a:ext>
+            </a:extLst>
+          </p:cNvPr>
+          <p:cNvPicPr>
+            <a:picLocks noChangeAspect="1" noChangeArrowheads="1"/>
+          </p:cNvPicPr>
+          <p:nvPr/>
+        </p:nvPicPr>
+        <p:blipFill>
+          <a:blip r:embed="rId2">
+            <a:extLst>
+              <a:ext uri="{28A0092B-C50C-407E-A947-70E740481C1C}">
+                <a14:useLocalDpi xmlns:a14="http://schemas.microsoft.com/office/drawing/2010/main" val="0"/>
+              </a:ext>
+            </a:extLst>
+          </a:blip>
+          <a:srcRect/>
+          <a:stretch>
+            <a:fillRect/>
+          </a:stretch>
+        </p:blipFill>
+        <p:spPr bwMode="auto">
+          <a:xfrm>
+            <a:off x="2362115" y="2026275"/>
+            <a:ext cx="7334107" cy="4107100"/>
+          </a:xfrm>
+          <a:prstGeom prst="rect">
+            <a:avLst/>
+          </a:prstGeom>
+          <a:noFill/>
+          <a:extLst>
+            <a:ext uri="{909E8E84-426E-40DD-AFC4-6F175D3DCCD1}">
+              <a14:hiddenFill xmlns:a14="http://schemas.microsoft.com/office/drawing/2010/main">
+                <a:solidFill>
+                  <a:srgbClr val="FFFFFF"/>
+                </a:solidFill>
+              </a14:hiddenFill>
+            </a:ext>
+          </a:extLst>
+        </p:spPr>
+      </p:pic>
+    </p:spTree>
+    <p:extLst>
+      <p:ext uri="{BB962C8B-B14F-4D97-AF65-F5344CB8AC3E}">
+        <p14:creationId xmlns:p14="http://schemas.microsoft.com/office/powerpoint/2010/main" val="3569247606"/>
       </p:ext>
     </p:extLst>
   </p:cSld>
@@ -5635,7 +7445,7 @@
         </p:spPr>
         <p:txBody>
           <a:bodyPr anchor="t">
-            <a:normAutofit fontScale="92500" lnSpcReduction="10000"/>
+            <a:normAutofit lnSpcReduction="10000"/>
           </a:bodyPr>
           <a:lstStyle/>
           <a:p>
@@ -5646,16 +7456,6 @@
                 </a:solidFill>
               </a:rPr>
               <a:t>Begin</a:t>
-            </a:r>
-          </a:p>
-          <a:p>
-            <a:r>
-              <a:rPr lang="nl-NL" dirty="0">
-                <a:solidFill>
-                  <a:schemeClr val="tx1"/>
-                </a:solidFill>
-              </a:rPr>
-              <a:t>Nulmeting</a:t>
             </a:r>
           </a:p>
           <a:p>
@@ -6027,1223 +7827,6 @@
   <p:clrMapOvr>
     <a:masterClrMapping/>
   </p:clrMapOvr>
-  <p:timing>
-    <p:tnLst>
-      <p:par>
-        <p:cTn id="1" dur="indefinite" restart="never" nodeType="tmRoot">
-          <p:childTnLst>
-            <p:seq concurrent="1" nextAc="seek">
-              <p:cTn id="2" dur="indefinite" nodeType="mainSeq">
-                <p:childTnLst>
-                  <p:par>
-                    <p:cTn id="3" fill="hold">
-                      <p:stCondLst>
-                        <p:cond delay="indefinite"/>
-                      </p:stCondLst>
-                      <p:childTnLst>
-                        <p:par>
-                          <p:cTn id="4" fill="hold">
-                            <p:stCondLst>
-                              <p:cond delay="0"/>
-                            </p:stCondLst>
-                            <p:childTnLst>
-                              <p:par>
-                                <p:cTn id="5" presetID="2" presetClass="entr" presetSubtype="8" fill="hold" grpId="2" nodeType="clickEffect">
-                                  <p:stCondLst>
-                                    <p:cond delay="0"/>
-                                  </p:stCondLst>
-                                  <p:childTnLst>
-                                    <p:set>
-                                      <p:cBhvr>
-                                        <p:cTn id="6" dur="1" fill="hold">
-                                          <p:stCondLst>
-                                            <p:cond delay="0"/>
-                                          </p:stCondLst>
-                                        </p:cTn>
-                                        <p:tgtEl>
-                                          <p:spTgt spid="2"/>
-                                        </p:tgtEl>
-                                        <p:attrNameLst>
-                                          <p:attrName>style.visibility</p:attrName>
-                                        </p:attrNameLst>
-                                      </p:cBhvr>
-                                      <p:to>
-                                        <p:strVal val="visible"/>
-                                      </p:to>
-                                    </p:set>
-                                    <p:anim calcmode="lin" valueType="num">
-                                      <p:cBhvr additive="base">
-                                        <p:cTn id="7" dur="500" fill="hold"/>
-                                        <p:tgtEl>
-                                          <p:spTgt spid="2"/>
-                                        </p:tgtEl>
-                                        <p:attrNameLst>
-                                          <p:attrName>ppt_x</p:attrName>
-                                        </p:attrNameLst>
-                                      </p:cBhvr>
-                                      <p:tavLst>
-                                        <p:tav tm="0">
-                                          <p:val>
-                                            <p:strVal val="0-#ppt_w/2"/>
-                                          </p:val>
-                                        </p:tav>
-                                        <p:tav tm="100000">
-                                          <p:val>
-                                            <p:strVal val="#ppt_x"/>
-                                          </p:val>
-                                        </p:tav>
-                                      </p:tavLst>
-                                    </p:anim>
-                                    <p:anim calcmode="lin" valueType="num">
-                                      <p:cBhvr additive="base">
-                                        <p:cTn id="8" dur="500" fill="hold"/>
-                                        <p:tgtEl>
-                                          <p:spTgt spid="2"/>
-                                        </p:tgtEl>
-                                        <p:attrNameLst>
-                                          <p:attrName>ppt_y</p:attrName>
-                                        </p:attrNameLst>
-                                      </p:cBhvr>
-                                      <p:tavLst>
-                                        <p:tav tm="0">
-                                          <p:val>
-                                            <p:strVal val="#ppt_y"/>
-                                          </p:val>
-                                        </p:tav>
-                                        <p:tav tm="100000">
-                                          <p:val>
-                                            <p:strVal val="#ppt_y"/>
-                                          </p:val>
-                                        </p:tav>
-                                      </p:tavLst>
-                                    </p:anim>
-                                  </p:childTnLst>
-                                </p:cTn>
-                              </p:par>
-                              <p:par>
-                                <p:cTn id="9" presetID="2" presetClass="entr" presetSubtype="2" fill="hold" nodeType="withEffect">
-                                  <p:stCondLst>
-                                    <p:cond delay="0"/>
-                                  </p:stCondLst>
-                                  <p:childTnLst>
-                                    <p:set>
-                                      <p:cBhvr>
-                                        <p:cTn id="10" dur="1" fill="hold">
-                                          <p:stCondLst>
-                                            <p:cond delay="0"/>
-                                          </p:stCondLst>
-                                        </p:cTn>
-                                        <p:tgtEl>
-                                          <p:spTgt spid="7"/>
-                                        </p:tgtEl>
-                                        <p:attrNameLst>
-                                          <p:attrName>style.visibility</p:attrName>
-                                        </p:attrNameLst>
-                                      </p:cBhvr>
-                                      <p:to>
-                                        <p:strVal val="visible"/>
-                                      </p:to>
-                                    </p:set>
-                                    <p:anim calcmode="lin" valueType="num">
-                                      <p:cBhvr additive="base">
-                                        <p:cTn id="11" dur="500" fill="hold"/>
-                                        <p:tgtEl>
-                                          <p:spTgt spid="7"/>
-                                        </p:tgtEl>
-                                        <p:attrNameLst>
-                                          <p:attrName>ppt_x</p:attrName>
-                                        </p:attrNameLst>
-                                      </p:cBhvr>
-                                      <p:tavLst>
-                                        <p:tav tm="0">
-                                          <p:val>
-                                            <p:strVal val="1+#ppt_w/2"/>
-                                          </p:val>
-                                        </p:tav>
-                                        <p:tav tm="100000">
-                                          <p:val>
-                                            <p:strVal val="#ppt_x"/>
-                                          </p:val>
-                                        </p:tav>
-                                      </p:tavLst>
-                                    </p:anim>
-                                    <p:anim calcmode="lin" valueType="num">
-                                      <p:cBhvr additive="base">
-                                        <p:cTn id="12" dur="500" fill="hold"/>
-                                        <p:tgtEl>
-                                          <p:spTgt spid="7"/>
-                                        </p:tgtEl>
-                                        <p:attrNameLst>
-                                          <p:attrName>ppt_y</p:attrName>
-                                        </p:attrNameLst>
-                                      </p:cBhvr>
-                                      <p:tavLst>
-                                        <p:tav tm="0">
-                                          <p:val>
-                                            <p:strVal val="#ppt_y"/>
-                                          </p:val>
-                                        </p:tav>
-                                        <p:tav tm="100000">
-                                          <p:val>
-                                            <p:strVal val="#ppt_y"/>
-                                          </p:val>
-                                        </p:tav>
-                                      </p:tavLst>
-                                    </p:anim>
-                                  </p:childTnLst>
-                                </p:cTn>
-                              </p:par>
-                              <p:par>
-                                <p:cTn id="13" presetID="2" presetClass="entr" presetSubtype="2" fill="hold" nodeType="withEffect">
-                                  <p:stCondLst>
-                                    <p:cond delay="0"/>
-                                  </p:stCondLst>
-                                  <p:childTnLst>
-                                    <p:set>
-                                      <p:cBhvr>
-                                        <p:cTn id="14" dur="1" fill="hold">
-                                          <p:stCondLst>
-                                            <p:cond delay="0"/>
-                                          </p:stCondLst>
-                                        </p:cTn>
-                                        <p:tgtEl>
-                                          <p:spTgt spid="16">
-                                            <p:txEl>
-                                              <p:pRg st="0" end="0"/>
-                                            </p:txEl>
-                                          </p:spTgt>
-                                        </p:tgtEl>
-                                        <p:attrNameLst>
-                                          <p:attrName>style.visibility</p:attrName>
-                                        </p:attrNameLst>
-                                      </p:cBhvr>
-                                      <p:to>
-                                        <p:strVal val="visible"/>
-                                      </p:to>
-                                    </p:set>
-                                    <p:anim calcmode="lin" valueType="num">
-                                      <p:cBhvr additive="base">
-                                        <p:cTn id="15" dur="500" fill="hold"/>
-                                        <p:tgtEl>
-                                          <p:spTgt spid="16">
-                                            <p:txEl>
-                                              <p:pRg st="0" end="0"/>
-                                            </p:txEl>
-                                          </p:spTgt>
-                                        </p:tgtEl>
-                                        <p:attrNameLst>
-                                          <p:attrName>ppt_x</p:attrName>
-                                        </p:attrNameLst>
-                                      </p:cBhvr>
-                                      <p:tavLst>
-                                        <p:tav tm="0">
-                                          <p:val>
-                                            <p:strVal val="1+#ppt_w/2"/>
-                                          </p:val>
-                                        </p:tav>
-                                        <p:tav tm="100000">
-                                          <p:val>
-                                            <p:strVal val="#ppt_x"/>
-                                          </p:val>
-                                        </p:tav>
-                                      </p:tavLst>
-                                    </p:anim>
-                                    <p:anim calcmode="lin" valueType="num">
-                                      <p:cBhvr additive="base">
-                                        <p:cTn id="16" dur="500" fill="hold"/>
-                                        <p:tgtEl>
-                                          <p:spTgt spid="16">
-                                            <p:txEl>
-                                              <p:pRg st="0" end="0"/>
-                                            </p:txEl>
-                                          </p:spTgt>
-                                        </p:tgtEl>
-                                        <p:attrNameLst>
-                                          <p:attrName>ppt_y</p:attrName>
-                                        </p:attrNameLst>
-                                      </p:cBhvr>
-                                      <p:tavLst>
-                                        <p:tav tm="0">
-                                          <p:val>
-                                            <p:strVal val="#ppt_y"/>
-                                          </p:val>
-                                        </p:tav>
-                                        <p:tav tm="100000">
-                                          <p:val>
-                                            <p:strVal val="#ppt_y"/>
-                                          </p:val>
-                                        </p:tav>
-                                      </p:tavLst>
-                                    </p:anim>
-                                  </p:childTnLst>
-                                </p:cTn>
-                              </p:par>
-                              <p:par>
-                                <p:cTn id="17" presetID="2" presetClass="entr" presetSubtype="8" fill="hold" nodeType="withEffect">
-                                  <p:stCondLst>
-                                    <p:cond delay="0"/>
-                                  </p:stCondLst>
-                                  <p:childTnLst>
-                                    <p:set>
-                                      <p:cBhvr>
-                                        <p:cTn id="18" dur="1" fill="hold">
-                                          <p:stCondLst>
-                                            <p:cond delay="0"/>
-                                          </p:stCondLst>
-                                        </p:cTn>
-                                        <p:tgtEl>
-                                          <p:spTgt spid="3">
-                                            <p:txEl>
-                                              <p:pRg st="0" end="0"/>
-                                            </p:txEl>
-                                          </p:spTgt>
-                                        </p:tgtEl>
-                                        <p:attrNameLst>
-                                          <p:attrName>style.visibility</p:attrName>
-                                        </p:attrNameLst>
-                                      </p:cBhvr>
-                                      <p:to>
-                                        <p:strVal val="visible"/>
-                                      </p:to>
-                                    </p:set>
-                                    <p:anim calcmode="lin" valueType="num">
-                                      <p:cBhvr additive="base">
-                                        <p:cTn id="19" dur="500" fill="hold"/>
-                                        <p:tgtEl>
-                                          <p:spTgt spid="3">
-                                            <p:txEl>
-                                              <p:pRg st="0" end="0"/>
-                                            </p:txEl>
-                                          </p:spTgt>
-                                        </p:tgtEl>
-                                        <p:attrNameLst>
-                                          <p:attrName>ppt_x</p:attrName>
-                                        </p:attrNameLst>
-                                      </p:cBhvr>
-                                      <p:tavLst>
-                                        <p:tav tm="0">
-                                          <p:val>
-                                            <p:strVal val="0-#ppt_w/2"/>
-                                          </p:val>
-                                        </p:tav>
-                                        <p:tav tm="100000">
-                                          <p:val>
-                                            <p:strVal val="#ppt_x"/>
-                                          </p:val>
-                                        </p:tav>
-                                      </p:tavLst>
-                                    </p:anim>
-                                    <p:anim calcmode="lin" valueType="num">
-                                      <p:cBhvr additive="base">
-                                        <p:cTn id="20" dur="500" fill="hold"/>
-                                        <p:tgtEl>
-                                          <p:spTgt spid="3">
-                                            <p:txEl>
-                                              <p:pRg st="0" end="0"/>
-                                            </p:txEl>
-                                          </p:spTgt>
-                                        </p:tgtEl>
-                                        <p:attrNameLst>
-                                          <p:attrName>ppt_y</p:attrName>
-                                        </p:attrNameLst>
-                                      </p:cBhvr>
-                                      <p:tavLst>
-                                        <p:tav tm="0">
-                                          <p:val>
-                                            <p:strVal val="#ppt_y"/>
-                                          </p:val>
-                                        </p:tav>
-                                        <p:tav tm="100000">
-                                          <p:val>
-                                            <p:strVal val="#ppt_y"/>
-                                          </p:val>
-                                        </p:tav>
-                                      </p:tavLst>
-                                    </p:anim>
-                                  </p:childTnLst>
-                                </p:cTn>
-                              </p:par>
-                              <p:par>
-                                <p:cTn id="21" presetID="2" presetClass="entr" presetSubtype="8" fill="hold" nodeType="withEffect">
-                                  <p:stCondLst>
-                                    <p:cond delay="0"/>
-                                  </p:stCondLst>
-                                  <p:childTnLst>
-                                    <p:set>
-                                      <p:cBhvr>
-                                        <p:cTn id="22" dur="1" fill="hold">
-                                          <p:stCondLst>
-                                            <p:cond delay="0"/>
-                                          </p:stCondLst>
-                                        </p:cTn>
-                                        <p:tgtEl>
-                                          <p:spTgt spid="3">
-                                            <p:txEl>
-                                              <p:pRg st="1" end="1"/>
-                                            </p:txEl>
-                                          </p:spTgt>
-                                        </p:tgtEl>
-                                        <p:attrNameLst>
-                                          <p:attrName>style.visibility</p:attrName>
-                                        </p:attrNameLst>
-                                      </p:cBhvr>
-                                      <p:to>
-                                        <p:strVal val="visible"/>
-                                      </p:to>
-                                    </p:set>
-                                    <p:anim calcmode="lin" valueType="num">
-                                      <p:cBhvr additive="base">
-                                        <p:cTn id="23" dur="500" fill="hold"/>
-                                        <p:tgtEl>
-                                          <p:spTgt spid="3">
-                                            <p:txEl>
-                                              <p:pRg st="1" end="1"/>
-                                            </p:txEl>
-                                          </p:spTgt>
-                                        </p:tgtEl>
-                                        <p:attrNameLst>
-                                          <p:attrName>ppt_x</p:attrName>
-                                        </p:attrNameLst>
-                                      </p:cBhvr>
-                                      <p:tavLst>
-                                        <p:tav tm="0">
-                                          <p:val>
-                                            <p:strVal val="0-#ppt_w/2"/>
-                                          </p:val>
-                                        </p:tav>
-                                        <p:tav tm="100000">
-                                          <p:val>
-                                            <p:strVal val="#ppt_x"/>
-                                          </p:val>
-                                        </p:tav>
-                                      </p:tavLst>
-                                    </p:anim>
-                                    <p:anim calcmode="lin" valueType="num">
-                                      <p:cBhvr additive="base">
-                                        <p:cTn id="24" dur="500" fill="hold"/>
-                                        <p:tgtEl>
-                                          <p:spTgt spid="3">
-                                            <p:txEl>
-                                              <p:pRg st="1" end="1"/>
-                                            </p:txEl>
-                                          </p:spTgt>
-                                        </p:tgtEl>
-                                        <p:attrNameLst>
-                                          <p:attrName>ppt_y</p:attrName>
-                                        </p:attrNameLst>
-                                      </p:cBhvr>
-                                      <p:tavLst>
-                                        <p:tav tm="0">
-                                          <p:val>
-                                            <p:strVal val="#ppt_y"/>
-                                          </p:val>
-                                        </p:tav>
-                                        <p:tav tm="100000">
-                                          <p:val>
-                                            <p:strVal val="#ppt_y"/>
-                                          </p:val>
-                                        </p:tav>
-                                      </p:tavLst>
-                                    </p:anim>
-                                  </p:childTnLst>
-                                </p:cTn>
-                              </p:par>
-                              <p:par>
-                                <p:cTn id="25" presetID="2" presetClass="entr" presetSubtype="8" fill="hold" nodeType="withEffect">
-                                  <p:stCondLst>
-                                    <p:cond delay="0"/>
-                                  </p:stCondLst>
-                                  <p:childTnLst>
-                                    <p:set>
-                                      <p:cBhvr>
-                                        <p:cTn id="26" dur="1" fill="hold">
-                                          <p:stCondLst>
-                                            <p:cond delay="0"/>
-                                          </p:stCondLst>
-                                        </p:cTn>
-                                        <p:tgtEl>
-                                          <p:spTgt spid="3">
-                                            <p:txEl>
-                                              <p:pRg st="2" end="2"/>
-                                            </p:txEl>
-                                          </p:spTgt>
-                                        </p:tgtEl>
-                                        <p:attrNameLst>
-                                          <p:attrName>style.visibility</p:attrName>
-                                        </p:attrNameLst>
-                                      </p:cBhvr>
-                                      <p:to>
-                                        <p:strVal val="visible"/>
-                                      </p:to>
-                                    </p:set>
-                                    <p:anim calcmode="lin" valueType="num">
-                                      <p:cBhvr additive="base">
-                                        <p:cTn id="27" dur="500" fill="hold"/>
-                                        <p:tgtEl>
-                                          <p:spTgt spid="3">
-                                            <p:txEl>
-                                              <p:pRg st="2" end="2"/>
-                                            </p:txEl>
-                                          </p:spTgt>
-                                        </p:tgtEl>
-                                        <p:attrNameLst>
-                                          <p:attrName>ppt_x</p:attrName>
-                                        </p:attrNameLst>
-                                      </p:cBhvr>
-                                      <p:tavLst>
-                                        <p:tav tm="0">
-                                          <p:val>
-                                            <p:strVal val="0-#ppt_w/2"/>
-                                          </p:val>
-                                        </p:tav>
-                                        <p:tav tm="100000">
-                                          <p:val>
-                                            <p:strVal val="#ppt_x"/>
-                                          </p:val>
-                                        </p:tav>
-                                      </p:tavLst>
-                                    </p:anim>
-                                    <p:anim calcmode="lin" valueType="num">
-                                      <p:cBhvr additive="base">
-                                        <p:cTn id="28" dur="500" fill="hold"/>
-                                        <p:tgtEl>
-                                          <p:spTgt spid="3">
-                                            <p:txEl>
-                                              <p:pRg st="2" end="2"/>
-                                            </p:txEl>
-                                          </p:spTgt>
-                                        </p:tgtEl>
-                                        <p:attrNameLst>
-                                          <p:attrName>ppt_y</p:attrName>
-                                        </p:attrNameLst>
-                                      </p:cBhvr>
-                                      <p:tavLst>
-                                        <p:tav tm="0">
-                                          <p:val>
-                                            <p:strVal val="#ppt_y"/>
-                                          </p:val>
-                                        </p:tav>
-                                        <p:tav tm="100000">
-                                          <p:val>
-                                            <p:strVal val="#ppt_y"/>
-                                          </p:val>
-                                        </p:tav>
-                                      </p:tavLst>
-                                    </p:anim>
-                                  </p:childTnLst>
-                                </p:cTn>
-                              </p:par>
-                              <p:par>
-                                <p:cTn id="29" presetID="2" presetClass="entr" presetSubtype="8" fill="hold" nodeType="withEffect">
-                                  <p:stCondLst>
-                                    <p:cond delay="0"/>
-                                  </p:stCondLst>
-                                  <p:childTnLst>
-                                    <p:set>
-                                      <p:cBhvr>
-                                        <p:cTn id="30" dur="1" fill="hold">
-                                          <p:stCondLst>
-                                            <p:cond delay="0"/>
-                                          </p:stCondLst>
-                                        </p:cTn>
-                                        <p:tgtEl>
-                                          <p:spTgt spid="3">
-                                            <p:txEl>
-                                              <p:pRg st="3" end="3"/>
-                                            </p:txEl>
-                                          </p:spTgt>
-                                        </p:tgtEl>
-                                        <p:attrNameLst>
-                                          <p:attrName>style.visibility</p:attrName>
-                                        </p:attrNameLst>
-                                      </p:cBhvr>
-                                      <p:to>
-                                        <p:strVal val="visible"/>
-                                      </p:to>
-                                    </p:set>
-                                    <p:anim calcmode="lin" valueType="num">
-                                      <p:cBhvr additive="base">
-                                        <p:cTn id="31" dur="500" fill="hold"/>
-                                        <p:tgtEl>
-                                          <p:spTgt spid="3">
-                                            <p:txEl>
-                                              <p:pRg st="3" end="3"/>
-                                            </p:txEl>
-                                          </p:spTgt>
-                                        </p:tgtEl>
-                                        <p:attrNameLst>
-                                          <p:attrName>ppt_x</p:attrName>
-                                        </p:attrNameLst>
-                                      </p:cBhvr>
-                                      <p:tavLst>
-                                        <p:tav tm="0">
-                                          <p:val>
-                                            <p:strVal val="0-#ppt_w/2"/>
-                                          </p:val>
-                                        </p:tav>
-                                        <p:tav tm="100000">
-                                          <p:val>
-                                            <p:strVal val="#ppt_x"/>
-                                          </p:val>
-                                        </p:tav>
-                                      </p:tavLst>
-                                    </p:anim>
-                                    <p:anim calcmode="lin" valueType="num">
-                                      <p:cBhvr additive="base">
-                                        <p:cTn id="32" dur="500" fill="hold"/>
-                                        <p:tgtEl>
-                                          <p:spTgt spid="3">
-                                            <p:txEl>
-                                              <p:pRg st="3" end="3"/>
-                                            </p:txEl>
-                                          </p:spTgt>
-                                        </p:tgtEl>
-                                        <p:attrNameLst>
-                                          <p:attrName>ppt_y</p:attrName>
-                                        </p:attrNameLst>
-                                      </p:cBhvr>
-                                      <p:tavLst>
-                                        <p:tav tm="0">
-                                          <p:val>
-                                            <p:strVal val="#ppt_y"/>
-                                          </p:val>
-                                        </p:tav>
-                                        <p:tav tm="100000">
-                                          <p:val>
-                                            <p:strVal val="#ppt_y"/>
-                                          </p:val>
-                                        </p:tav>
-                                      </p:tavLst>
-                                    </p:anim>
-                                  </p:childTnLst>
-                                </p:cTn>
-                              </p:par>
-                              <p:par>
-                                <p:cTn id="33" presetID="2" presetClass="entr" presetSubtype="8" fill="hold" nodeType="withEffect">
-                                  <p:stCondLst>
-                                    <p:cond delay="0"/>
-                                  </p:stCondLst>
-                                  <p:childTnLst>
-                                    <p:set>
-                                      <p:cBhvr>
-                                        <p:cTn id="34" dur="1" fill="hold">
-                                          <p:stCondLst>
-                                            <p:cond delay="0"/>
-                                          </p:stCondLst>
-                                        </p:cTn>
-                                        <p:tgtEl>
-                                          <p:spTgt spid="3">
-                                            <p:txEl>
-                                              <p:pRg st="4" end="4"/>
-                                            </p:txEl>
-                                          </p:spTgt>
-                                        </p:tgtEl>
-                                        <p:attrNameLst>
-                                          <p:attrName>style.visibility</p:attrName>
-                                        </p:attrNameLst>
-                                      </p:cBhvr>
-                                      <p:to>
-                                        <p:strVal val="visible"/>
-                                      </p:to>
-                                    </p:set>
-                                    <p:anim calcmode="lin" valueType="num">
-                                      <p:cBhvr additive="base">
-                                        <p:cTn id="35" dur="500" fill="hold"/>
-                                        <p:tgtEl>
-                                          <p:spTgt spid="3">
-                                            <p:txEl>
-                                              <p:pRg st="4" end="4"/>
-                                            </p:txEl>
-                                          </p:spTgt>
-                                        </p:tgtEl>
-                                        <p:attrNameLst>
-                                          <p:attrName>ppt_x</p:attrName>
-                                        </p:attrNameLst>
-                                      </p:cBhvr>
-                                      <p:tavLst>
-                                        <p:tav tm="0">
-                                          <p:val>
-                                            <p:strVal val="0-#ppt_w/2"/>
-                                          </p:val>
-                                        </p:tav>
-                                        <p:tav tm="100000">
-                                          <p:val>
-                                            <p:strVal val="#ppt_x"/>
-                                          </p:val>
-                                        </p:tav>
-                                      </p:tavLst>
-                                    </p:anim>
-                                    <p:anim calcmode="lin" valueType="num">
-                                      <p:cBhvr additive="base">
-                                        <p:cTn id="36" dur="500" fill="hold"/>
-                                        <p:tgtEl>
-                                          <p:spTgt spid="3">
-                                            <p:txEl>
-                                              <p:pRg st="4" end="4"/>
-                                            </p:txEl>
-                                          </p:spTgt>
-                                        </p:tgtEl>
-                                        <p:attrNameLst>
-                                          <p:attrName>ppt_y</p:attrName>
-                                        </p:attrNameLst>
-                                      </p:cBhvr>
-                                      <p:tavLst>
-                                        <p:tav tm="0">
-                                          <p:val>
-                                            <p:strVal val="#ppt_y"/>
-                                          </p:val>
-                                        </p:tav>
-                                        <p:tav tm="100000">
-                                          <p:val>
-                                            <p:strVal val="#ppt_y"/>
-                                          </p:val>
-                                        </p:tav>
-                                      </p:tavLst>
-                                    </p:anim>
-                                  </p:childTnLst>
-                                </p:cTn>
-                              </p:par>
-                              <p:par>
-                                <p:cTn id="37" presetID="2" presetClass="entr" presetSubtype="8" fill="hold" nodeType="withEffect">
-                                  <p:stCondLst>
-                                    <p:cond delay="0"/>
-                                  </p:stCondLst>
-                                  <p:childTnLst>
-                                    <p:set>
-                                      <p:cBhvr>
-                                        <p:cTn id="38" dur="1" fill="hold">
-                                          <p:stCondLst>
-                                            <p:cond delay="0"/>
-                                          </p:stCondLst>
-                                        </p:cTn>
-                                        <p:tgtEl>
-                                          <p:spTgt spid="3">
-                                            <p:txEl>
-                                              <p:pRg st="5" end="5"/>
-                                            </p:txEl>
-                                          </p:spTgt>
-                                        </p:tgtEl>
-                                        <p:attrNameLst>
-                                          <p:attrName>style.visibility</p:attrName>
-                                        </p:attrNameLst>
-                                      </p:cBhvr>
-                                      <p:to>
-                                        <p:strVal val="visible"/>
-                                      </p:to>
-                                    </p:set>
-                                    <p:anim calcmode="lin" valueType="num">
-                                      <p:cBhvr additive="base">
-                                        <p:cTn id="39" dur="500" fill="hold"/>
-                                        <p:tgtEl>
-                                          <p:spTgt spid="3">
-                                            <p:txEl>
-                                              <p:pRg st="5" end="5"/>
-                                            </p:txEl>
-                                          </p:spTgt>
-                                        </p:tgtEl>
-                                        <p:attrNameLst>
-                                          <p:attrName>ppt_x</p:attrName>
-                                        </p:attrNameLst>
-                                      </p:cBhvr>
-                                      <p:tavLst>
-                                        <p:tav tm="0">
-                                          <p:val>
-                                            <p:strVal val="0-#ppt_w/2"/>
-                                          </p:val>
-                                        </p:tav>
-                                        <p:tav tm="100000">
-                                          <p:val>
-                                            <p:strVal val="#ppt_x"/>
-                                          </p:val>
-                                        </p:tav>
-                                      </p:tavLst>
-                                    </p:anim>
-                                    <p:anim calcmode="lin" valueType="num">
-                                      <p:cBhvr additive="base">
-                                        <p:cTn id="40" dur="500" fill="hold"/>
-                                        <p:tgtEl>
-                                          <p:spTgt spid="3">
-                                            <p:txEl>
-                                              <p:pRg st="5" end="5"/>
-                                            </p:txEl>
-                                          </p:spTgt>
-                                        </p:tgtEl>
-                                        <p:attrNameLst>
-                                          <p:attrName>ppt_y</p:attrName>
-                                        </p:attrNameLst>
-                                      </p:cBhvr>
-                                      <p:tavLst>
-                                        <p:tav tm="0">
-                                          <p:val>
-                                            <p:strVal val="#ppt_y"/>
-                                          </p:val>
-                                        </p:tav>
-                                        <p:tav tm="100000">
-                                          <p:val>
-                                            <p:strVal val="#ppt_y"/>
-                                          </p:val>
-                                        </p:tav>
-                                      </p:tavLst>
-                                    </p:anim>
-                                  </p:childTnLst>
-                                </p:cTn>
-                              </p:par>
-                              <p:par>
-                                <p:cTn id="41" presetID="2" presetClass="entr" presetSubtype="8" fill="hold" nodeType="withEffect">
-                                  <p:stCondLst>
-                                    <p:cond delay="0"/>
-                                  </p:stCondLst>
-                                  <p:childTnLst>
-                                    <p:set>
-                                      <p:cBhvr>
-                                        <p:cTn id="42" dur="1" fill="hold">
-                                          <p:stCondLst>
-                                            <p:cond delay="0"/>
-                                          </p:stCondLst>
-                                        </p:cTn>
-                                        <p:tgtEl>
-                                          <p:spTgt spid="3">
-                                            <p:txEl>
-                                              <p:pRg st="6" end="6"/>
-                                            </p:txEl>
-                                          </p:spTgt>
-                                        </p:tgtEl>
-                                        <p:attrNameLst>
-                                          <p:attrName>style.visibility</p:attrName>
-                                        </p:attrNameLst>
-                                      </p:cBhvr>
-                                      <p:to>
-                                        <p:strVal val="visible"/>
-                                      </p:to>
-                                    </p:set>
-                                    <p:anim calcmode="lin" valueType="num">
-                                      <p:cBhvr additive="base">
-                                        <p:cTn id="43" dur="500" fill="hold"/>
-                                        <p:tgtEl>
-                                          <p:spTgt spid="3">
-                                            <p:txEl>
-                                              <p:pRg st="6" end="6"/>
-                                            </p:txEl>
-                                          </p:spTgt>
-                                        </p:tgtEl>
-                                        <p:attrNameLst>
-                                          <p:attrName>ppt_x</p:attrName>
-                                        </p:attrNameLst>
-                                      </p:cBhvr>
-                                      <p:tavLst>
-                                        <p:tav tm="0">
-                                          <p:val>
-                                            <p:strVal val="0-#ppt_w/2"/>
-                                          </p:val>
-                                        </p:tav>
-                                        <p:tav tm="100000">
-                                          <p:val>
-                                            <p:strVal val="#ppt_x"/>
-                                          </p:val>
-                                        </p:tav>
-                                      </p:tavLst>
-                                    </p:anim>
-                                    <p:anim calcmode="lin" valueType="num">
-                                      <p:cBhvr additive="base">
-                                        <p:cTn id="44" dur="500" fill="hold"/>
-                                        <p:tgtEl>
-                                          <p:spTgt spid="3">
-                                            <p:txEl>
-                                              <p:pRg st="6" end="6"/>
-                                            </p:txEl>
-                                          </p:spTgt>
-                                        </p:tgtEl>
-                                        <p:attrNameLst>
-                                          <p:attrName>ppt_y</p:attrName>
-                                        </p:attrNameLst>
-                                      </p:cBhvr>
-                                      <p:tavLst>
-                                        <p:tav tm="0">
-                                          <p:val>
-                                            <p:strVal val="#ppt_y"/>
-                                          </p:val>
-                                        </p:tav>
-                                        <p:tav tm="100000">
-                                          <p:val>
-                                            <p:strVal val="#ppt_y"/>
-                                          </p:val>
-                                        </p:tav>
-                                      </p:tavLst>
-                                    </p:anim>
-                                  </p:childTnLst>
-                                </p:cTn>
-                              </p:par>
-                              <p:par>
-                                <p:cTn id="45" presetID="2" presetClass="entr" presetSubtype="8" fill="hold" nodeType="withEffect">
-                                  <p:stCondLst>
-                                    <p:cond delay="0"/>
-                                  </p:stCondLst>
-                                  <p:childTnLst>
-                                    <p:set>
-                                      <p:cBhvr>
-                                        <p:cTn id="46" dur="1" fill="hold">
-                                          <p:stCondLst>
-                                            <p:cond delay="0"/>
-                                          </p:stCondLst>
-                                        </p:cTn>
-                                        <p:tgtEl>
-                                          <p:spTgt spid="3">
-                                            <p:txEl>
-                                              <p:pRg st="7" end="7"/>
-                                            </p:txEl>
-                                          </p:spTgt>
-                                        </p:tgtEl>
-                                        <p:attrNameLst>
-                                          <p:attrName>style.visibility</p:attrName>
-                                        </p:attrNameLst>
-                                      </p:cBhvr>
-                                      <p:to>
-                                        <p:strVal val="visible"/>
-                                      </p:to>
-                                    </p:set>
-                                    <p:anim calcmode="lin" valueType="num">
-                                      <p:cBhvr additive="base">
-                                        <p:cTn id="47" dur="500" fill="hold"/>
-                                        <p:tgtEl>
-                                          <p:spTgt spid="3">
-                                            <p:txEl>
-                                              <p:pRg st="7" end="7"/>
-                                            </p:txEl>
-                                          </p:spTgt>
-                                        </p:tgtEl>
-                                        <p:attrNameLst>
-                                          <p:attrName>ppt_x</p:attrName>
-                                        </p:attrNameLst>
-                                      </p:cBhvr>
-                                      <p:tavLst>
-                                        <p:tav tm="0">
-                                          <p:val>
-                                            <p:strVal val="0-#ppt_w/2"/>
-                                          </p:val>
-                                        </p:tav>
-                                        <p:tav tm="100000">
-                                          <p:val>
-                                            <p:strVal val="#ppt_x"/>
-                                          </p:val>
-                                        </p:tav>
-                                      </p:tavLst>
-                                    </p:anim>
-                                    <p:anim calcmode="lin" valueType="num">
-                                      <p:cBhvr additive="base">
-                                        <p:cTn id="48" dur="500" fill="hold"/>
-                                        <p:tgtEl>
-                                          <p:spTgt spid="3">
-                                            <p:txEl>
-                                              <p:pRg st="7" end="7"/>
-                                            </p:txEl>
-                                          </p:spTgt>
-                                        </p:tgtEl>
-                                        <p:attrNameLst>
-                                          <p:attrName>ppt_y</p:attrName>
-                                        </p:attrNameLst>
-                                      </p:cBhvr>
-                                      <p:tavLst>
-                                        <p:tav tm="0">
-                                          <p:val>
-                                            <p:strVal val="#ppt_y"/>
-                                          </p:val>
-                                        </p:tav>
-                                        <p:tav tm="100000">
-                                          <p:val>
-                                            <p:strVal val="#ppt_y"/>
-                                          </p:val>
-                                        </p:tav>
-                                      </p:tavLst>
-                                    </p:anim>
-                                  </p:childTnLst>
-                                </p:cTn>
-                              </p:par>
-                              <p:par>
-                                <p:cTn id="49" presetID="2" presetClass="entr" presetSubtype="8" fill="hold" nodeType="withEffect">
-                                  <p:stCondLst>
-                                    <p:cond delay="0"/>
-                                  </p:stCondLst>
-                                  <p:childTnLst>
-                                    <p:set>
-                                      <p:cBhvr>
-                                        <p:cTn id="50" dur="1" fill="hold">
-                                          <p:stCondLst>
-                                            <p:cond delay="0"/>
-                                          </p:stCondLst>
-                                        </p:cTn>
-                                        <p:tgtEl>
-                                          <p:spTgt spid="3">
-                                            <p:txEl>
-                                              <p:pRg st="8" end="8"/>
-                                            </p:txEl>
-                                          </p:spTgt>
-                                        </p:tgtEl>
-                                        <p:attrNameLst>
-                                          <p:attrName>style.visibility</p:attrName>
-                                        </p:attrNameLst>
-                                      </p:cBhvr>
-                                      <p:to>
-                                        <p:strVal val="visible"/>
-                                      </p:to>
-                                    </p:set>
-                                    <p:anim calcmode="lin" valueType="num">
-                                      <p:cBhvr additive="base">
-                                        <p:cTn id="51" dur="500" fill="hold"/>
-                                        <p:tgtEl>
-                                          <p:spTgt spid="3">
-                                            <p:txEl>
-                                              <p:pRg st="8" end="8"/>
-                                            </p:txEl>
-                                          </p:spTgt>
-                                        </p:tgtEl>
-                                        <p:attrNameLst>
-                                          <p:attrName>ppt_x</p:attrName>
-                                        </p:attrNameLst>
-                                      </p:cBhvr>
-                                      <p:tavLst>
-                                        <p:tav tm="0">
-                                          <p:val>
-                                            <p:strVal val="0-#ppt_w/2"/>
-                                          </p:val>
-                                        </p:tav>
-                                        <p:tav tm="100000">
-                                          <p:val>
-                                            <p:strVal val="#ppt_x"/>
-                                          </p:val>
-                                        </p:tav>
-                                      </p:tavLst>
-                                    </p:anim>
-                                    <p:anim calcmode="lin" valueType="num">
-                                      <p:cBhvr additive="base">
-                                        <p:cTn id="52" dur="500" fill="hold"/>
-                                        <p:tgtEl>
-                                          <p:spTgt spid="3">
-                                            <p:txEl>
-                                              <p:pRg st="8" end="8"/>
-                                            </p:txEl>
-                                          </p:spTgt>
-                                        </p:tgtEl>
-                                        <p:attrNameLst>
-                                          <p:attrName>ppt_y</p:attrName>
-                                        </p:attrNameLst>
-                                      </p:cBhvr>
-                                      <p:tavLst>
-                                        <p:tav tm="0">
-                                          <p:val>
-                                            <p:strVal val="#ppt_y"/>
-                                          </p:val>
-                                        </p:tav>
-                                        <p:tav tm="100000">
-                                          <p:val>
-                                            <p:strVal val="#ppt_y"/>
-                                          </p:val>
-                                        </p:tav>
-                                      </p:tavLst>
-                                    </p:anim>
-                                  </p:childTnLst>
-                                </p:cTn>
-                              </p:par>
-                              <p:par>
-                                <p:cTn id="53" presetID="2" presetClass="entr" presetSubtype="8" fill="hold" nodeType="withEffect">
-                                  <p:stCondLst>
-                                    <p:cond delay="0"/>
-                                  </p:stCondLst>
-                                  <p:childTnLst>
-                                    <p:set>
-                                      <p:cBhvr>
-                                        <p:cTn id="54" dur="1" fill="hold">
-                                          <p:stCondLst>
-                                            <p:cond delay="0"/>
-                                          </p:stCondLst>
-                                        </p:cTn>
-                                        <p:tgtEl>
-                                          <p:spTgt spid="3">
-                                            <p:txEl>
-                                              <p:pRg st="9" end="9"/>
-                                            </p:txEl>
-                                          </p:spTgt>
-                                        </p:tgtEl>
-                                        <p:attrNameLst>
-                                          <p:attrName>style.visibility</p:attrName>
-                                        </p:attrNameLst>
-                                      </p:cBhvr>
-                                      <p:to>
-                                        <p:strVal val="visible"/>
-                                      </p:to>
-                                    </p:set>
-                                    <p:anim calcmode="lin" valueType="num">
-                                      <p:cBhvr additive="base">
-                                        <p:cTn id="55" dur="500" fill="hold"/>
-                                        <p:tgtEl>
-                                          <p:spTgt spid="3">
-                                            <p:txEl>
-                                              <p:pRg st="9" end="9"/>
-                                            </p:txEl>
-                                          </p:spTgt>
-                                        </p:tgtEl>
-                                        <p:attrNameLst>
-                                          <p:attrName>ppt_x</p:attrName>
-                                        </p:attrNameLst>
-                                      </p:cBhvr>
-                                      <p:tavLst>
-                                        <p:tav tm="0">
-                                          <p:val>
-                                            <p:strVal val="0-#ppt_w/2"/>
-                                          </p:val>
-                                        </p:tav>
-                                        <p:tav tm="100000">
-                                          <p:val>
-                                            <p:strVal val="#ppt_x"/>
-                                          </p:val>
-                                        </p:tav>
-                                      </p:tavLst>
-                                    </p:anim>
-                                    <p:anim calcmode="lin" valueType="num">
-                                      <p:cBhvr additive="base">
-                                        <p:cTn id="56" dur="500" fill="hold"/>
-                                        <p:tgtEl>
-                                          <p:spTgt spid="3">
-                                            <p:txEl>
-                                              <p:pRg st="9" end="9"/>
-                                            </p:txEl>
-                                          </p:spTgt>
-                                        </p:tgtEl>
-                                        <p:attrNameLst>
-                                          <p:attrName>ppt_y</p:attrName>
-                                        </p:attrNameLst>
-                                      </p:cBhvr>
-                                      <p:tavLst>
-                                        <p:tav tm="0">
-                                          <p:val>
-                                            <p:strVal val="#ppt_y"/>
-                                          </p:val>
-                                        </p:tav>
-                                        <p:tav tm="100000">
-                                          <p:val>
-                                            <p:strVal val="#ppt_y"/>
-                                          </p:val>
-                                        </p:tav>
-                                      </p:tavLst>
-                                    </p:anim>
-                                  </p:childTnLst>
-                                </p:cTn>
-                              </p:par>
-                              <p:par>
-                                <p:cTn id="57" presetID="2" presetClass="entr" presetSubtype="8" fill="hold" nodeType="withEffect">
-                                  <p:stCondLst>
-                                    <p:cond delay="0"/>
-                                  </p:stCondLst>
-                                  <p:childTnLst>
-                                    <p:set>
-                                      <p:cBhvr>
-                                        <p:cTn id="58" dur="1" fill="hold">
-                                          <p:stCondLst>
-                                            <p:cond delay="0"/>
-                                          </p:stCondLst>
-                                        </p:cTn>
-                                        <p:tgtEl>
-                                          <p:spTgt spid="3">
-                                            <p:txEl>
-                                              <p:pRg st="10" end="10"/>
-                                            </p:txEl>
-                                          </p:spTgt>
-                                        </p:tgtEl>
-                                        <p:attrNameLst>
-                                          <p:attrName>style.visibility</p:attrName>
-                                        </p:attrNameLst>
-                                      </p:cBhvr>
-                                      <p:to>
-                                        <p:strVal val="visible"/>
-                                      </p:to>
-                                    </p:set>
-                                    <p:anim calcmode="lin" valueType="num">
-                                      <p:cBhvr additive="base">
-                                        <p:cTn id="59" dur="500" fill="hold"/>
-                                        <p:tgtEl>
-                                          <p:spTgt spid="3">
-                                            <p:txEl>
-                                              <p:pRg st="10" end="10"/>
-                                            </p:txEl>
-                                          </p:spTgt>
-                                        </p:tgtEl>
-                                        <p:attrNameLst>
-                                          <p:attrName>ppt_x</p:attrName>
-                                        </p:attrNameLst>
-                                      </p:cBhvr>
-                                      <p:tavLst>
-                                        <p:tav tm="0">
-                                          <p:val>
-                                            <p:strVal val="0-#ppt_w/2"/>
-                                          </p:val>
-                                        </p:tav>
-                                        <p:tav tm="100000">
-                                          <p:val>
-                                            <p:strVal val="#ppt_x"/>
-                                          </p:val>
-                                        </p:tav>
-                                      </p:tavLst>
-                                    </p:anim>
-                                    <p:anim calcmode="lin" valueType="num">
-                                      <p:cBhvr additive="base">
-                                        <p:cTn id="60" dur="500" fill="hold"/>
-                                        <p:tgtEl>
-                                          <p:spTgt spid="3">
-                                            <p:txEl>
-                                              <p:pRg st="10" end="10"/>
-                                            </p:txEl>
-                                          </p:spTgt>
-                                        </p:tgtEl>
-                                        <p:attrNameLst>
-                                          <p:attrName>ppt_y</p:attrName>
-                                        </p:attrNameLst>
-                                      </p:cBhvr>
-                                      <p:tavLst>
-                                        <p:tav tm="0">
-                                          <p:val>
-                                            <p:strVal val="#ppt_y"/>
-                                          </p:val>
-                                        </p:tav>
-                                        <p:tav tm="100000">
-                                          <p:val>
-                                            <p:strVal val="#ppt_y"/>
-                                          </p:val>
-                                        </p:tav>
-                                      </p:tavLst>
-                                    </p:anim>
-                                  </p:childTnLst>
-                                </p:cTn>
-                              </p:par>
-                            </p:childTnLst>
-                          </p:cTn>
-                        </p:par>
-                      </p:childTnLst>
-                    </p:cTn>
-                  </p:par>
-                </p:childTnLst>
-              </p:cTn>
-              <p:prevCondLst>
-                <p:cond evt="onPrev" delay="0">
-                  <p:tgtEl>
-                    <p:sldTgt/>
-                  </p:tgtEl>
-                </p:cond>
-              </p:prevCondLst>
-              <p:nextCondLst>
-                <p:cond evt="onNext" delay="0">
-                  <p:tgtEl>
-                    <p:sldTgt/>
-                  </p:tgtEl>
-                </p:cond>
-              </p:nextCondLst>
-            </p:seq>
-          </p:childTnLst>
-        </p:cTn>
-      </p:par>
-    </p:tnLst>
-    <p:bldLst>
-      <p:bldP spid="2" grpId="2"/>
-    </p:bldLst>
-  </p:timing>
 </p:sld>
 </file>
 
@@ -7324,45 +7907,51 @@
           </a:p>
         </p:txBody>
       </p:sp>
-      <p:sp>
-        <p:nvSpPr>
-          <p:cNvPr id="3" name="Tijdelijke aanduiding voor inhoud 2">
+      <p:pic>
+        <p:nvPicPr>
+          <p:cNvPr id="1028" name="Picture 4" descr="Afbeeldingsresultaat voor welkom presentatie&quot;">
             <a:extLst>
               <a:ext uri="{FF2B5EF4-FFF2-40B4-BE49-F238E27FC236}">
-                <a16:creationId xmlns:a16="http://schemas.microsoft.com/office/drawing/2014/main" id="{7DE5AE3C-2DC0-4B9F-9447-2831F8B1DDAA}"/>
+                <a16:creationId xmlns:a16="http://schemas.microsoft.com/office/drawing/2014/main" id="{98976D6E-5D6C-4B1A-AE3A-AD9A960B7493}"/>
               </a:ext>
             </a:extLst>
           </p:cNvPr>
-          <p:cNvSpPr>
-            <a:spLocks noGrp="1"/>
-          </p:cNvSpPr>
-          <p:nvPr>
-            <p:ph idx="1"/>
-          </p:nvPr>
-        </p:nvSpPr>
-        <p:spPr>
-          <a:xfrm>
-            <a:off x="684212" y="2068511"/>
-            <a:ext cx="8534400" cy="3615267"/>
-          </a:xfrm>
-        </p:spPr>
-        <p:txBody>
-          <a:bodyPr anchor="t">
-            <a:normAutofit/>
-          </a:bodyPr>
-          <a:lstStyle/>
-          <a:p>
-            <a:pPr marL="0" indent="0">
-              <a:buNone/>
-            </a:pPr>
-            <a:endParaRPr lang="nl-NL" dirty="0">
-              <a:solidFill>
-                <a:schemeClr val="tx1"/>
-              </a:solidFill>
-            </a:endParaRPr>
-          </a:p>
-        </p:txBody>
-      </p:sp>
+          <p:cNvPicPr>
+            <a:picLocks noChangeAspect="1" noChangeArrowheads="1"/>
+          </p:cNvPicPr>
+          <p:nvPr/>
+        </p:nvPicPr>
+        <p:blipFill rotWithShape="1">
+          <a:blip r:embed="rId2">
+            <a:extLst>
+              <a:ext uri="{28A0092B-C50C-407E-A947-70E740481C1C}">
+                <a14:useLocalDpi xmlns:a14="http://schemas.microsoft.com/office/drawing/2010/main" val="0"/>
+              </a:ext>
+            </a:extLst>
+          </a:blip>
+          <a:srcRect l="-2075" r="2075" b="9284"/>
+          <a:stretch/>
+        </p:blipFill>
+        <p:spPr bwMode="auto">
+          <a:xfrm>
+            <a:off x="3375302" y="1501897"/>
+            <a:ext cx="5843310" cy="4001425"/>
+          </a:xfrm>
+          <a:prstGeom prst="rect">
+            <a:avLst/>
+          </a:prstGeom>
+          <a:noFill/>
+          <a:extLst>
+            <a:ext uri="{909E8E84-426E-40DD-AFC4-6F175D3DCCD1}">
+              <a14:hiddenFill xmlns:a14="http://schemas.microsoft.com/office/drawing/2010/main">
+                <a:solidFill>
+                  <a:srgbClr val="FFFFFF"/>
+                </a:solidFill>
+              </a14:hiddenFill>
+            </a:ext>
+          </a:extLst>
+        </p:spPr>
+      </p:pic>
     </p:spTree>
     <p:extLst>
       <p:ext uri="{BB962C8B-B14F-4D97-AF65-F5344CB8AC3E}">
@@ -7377,6 +7966,531 @@
 </file>
 
 <file path=ppt/slides/slide4.xml><?xml version="1.0" encoding="utf-8"?>
+<p:sld xmlns:a="http://schemas.openxmlformats.org/drawingml/2006/main" xmlns:r="http://schemas.openxmlformats.org/officeDocument/2006/relationships" xmlns:p="http://schemas.openxmlformats.org/presentationml/2006/main">
+  <p:cSld>
+    <p:bg>
+      <p:bgPr>
+        <a:gradFill rotWithShape="1">
+          <a:gsLst>
+            <a:gs pos="10000">
+              <a:schemeClr val="bg1">
+                <a:tint val="97000"/>
+                <a:hueMod val="92000"/>
+                <a:satMod val="169000"/>
+                <a:lumMod val="164000"/>
+              </a:schemeClr>
+            </a:gs>
+            <a:gs pos="100000">
+              <a:schemeClr val="bg1">
+                <a:shade val="96000"/>
+                <a:satMod val="120000"/>
+                <a:lumMod val="90000"/>
+              </a:schemeClr>
+            </a:gs>
+          </a:gsLst>
+          <a:lin ang="6120000" scaled="1"/>
+        </a:gradFill>
+        <a:effectLst/>
+      </p:bgPr>
+    </p:bg>
+    <p:spTree>
+      <p:nvGrpSpPr>
+        <p:cNvPr id="1" name=""/>
+        <p:cNvGrpSpPr/>
+        <p:nvPr/>
+      </p:nvGrpSpPr>
+      <p:grpSpPr>
+        <a:xfrm>
+          <a:off x="0" y="0"/>
+          <a:ext cx="0" cy="0"/>
+          <a:chOff x="0" y="0"/>
+          <a:chExt cx="0" cy="0"/>
+        </a:xfrm>
+      </p:grpSpPr>
+      <p:sp>
+        <p:nvSpPr>
+          <p:cNvPr id="2" name="Titel 1">
+            <a:extLst>
+              <a:ext uri="{FF2B5EF4-FFF2-40B4-BE49-F238E27FC236}">
+                <a16:creationId xmlns:a16="http://schemas.microsoft.com/office/drawing/2014/main" id="{301853B7-D914-4E5F-BFF2-9306DF25F055}"/>
+              </a:ext>
+            </a:extLst>
+          </p:cNvPr>
+          <p:cNvSpPr>
+            <a:spLocks noGrp="1"/>
+          </p:cNvSpPr>
+          <p:nvPr>
+            <p:ph type="title"/>
+          </p:nvPr>
+        </p:nvSpPr>
+        <p:spPr>
+          <a:xfrm>
+            <a:off x="684212" y="485244"/>
+            <a:ext cx="8534400" cy="1507067"/>
+          </a:xfrm>
+        </p:spPr>
+        <p:txBody>
+          <a:bodyPr>
+            <a:normAutofit/>
+          </a:bodyPr>
+          <a:lstStyle/>
+          <a:p>
+            <a:r>
+              <a:rPr lang="nl-NL" dirty="0"/>
+              <a:t>ontwerp</a:t>
+            </a:r>
+          </a:p>
+        </p:txBody>
+      </p:sp>
+      <p:pic>
+        <p:nvPicPr>
+          <p:cNvPr id="4098" name="Picture 2" descr="https://raw.githubusercontent.com/LucasHuls/Calc4You-Project-Groep-5/master/readme-bestanden/design.png">
+            <a:extLst>
+              <a:ext uri="{FF2B5EF4-FFF2-40B4-BE49-F238E27FC236}">
+                <a16:creationId xmlns:a16="http://schemas.microsoft.com/office/drawing/2014/main" id="{A4FEBC97-EE9B-43E7-AE3E-01B5771732C4}"/>
+              </a:ext>
+            </a:extLst>
+          </p:cNvPr>
+          <p:cNvPicPr>
+            <a:picLocks noChangeAspect="1" noChangeArrowheads="1"/>
+          </p:cNvPicPr>
+          <p:nvPr/>
+        </p:nvPicPr>
+        <p:blipFill>
+          <a:blip r:embed="rId2">
+            <a:extLst>
+              <a:ext uri="{28A0092B-C50C-407E-A947-70E740481C1C}">
+                <a14:useLocalDpi xmlns:a14="http://schemas.microsoft.com/office/drawing/2010/main" val="0"/>
+              </a:ext>
+            </a:extLst>
+          </a:blip>
+          <a:srcRect/>
+          <a:stretch>
+            <a:fillRect/>
+          </a:stretch>
+        </p:blipFill>
+        <p:spPr bwMode="auto">
+          <a:xfrm>
+            <a:off x="5544384" y="1211756"/>
+            <a:ext cx="5765860" cy="4434488"/>
+          </a:xfrm>
+          <a:prstGeom prst="rect">
+            <a:avLst/>
+          </a:prstGeom>
+          <a:noFill/>
+          <a:extLst>
+            <a:ext uri="{909E8E84-426E-40DD-AFC4-6F175D3DCCD1}">
+              <a14:hiddenFill xmlns:a14="http://schemas.microsoft.com/office/drawing/2010/main">
+                <a:solidFill>
+                  <a:srgbClr val="FFFFFF"/>
+                </a:solidFill>
+              </a14:hiddenFill>
+            </a:ext>
+          </a:extLst>
+        </p:spPr>
+      </p:pic>
+      <p:sp>
+        <p:nvSpPr>
+          <p:cNvPr id="3" name="Tekstvak 2">
+            <a:extLst>
+              <a:ext uri="{FF2B5EF4-FFF2-40B4-BE49-F238E27FC236}">
+                <a16:creationId xmlns:a16="http://schemas.microsoft.com/office/drawing/2014/main" id="{17A80729-AC32-4E6B-B35B-89927EC6A782}"/>
+              </a:ext>
+            </a:extLst>
+          </p:cNvPr>
+          <p:cNvSpPr txBox="1"/>
+          <p:nvPr/>
+        </p:nvSpPr>
+        <p:spPr>
+          <a:xfrm>
+            <a:off x="684212" y="1873187"/>
+            <a:ext cx="4208015" cy="3477875"/>
+          </a:xfrm>
+          <a:prstGeom prst="rect">
+            <a:avLst/>
+          </a:prstGeom>
+          <a:noFill/>
+        </p:spPr>
+        <p:txBody>
+          <a:bodyPr wrap="square" rtlCol="0">
+            <a:spAutoFit/>
+          </a:bodyPr>
+          <a:lstStyle/>
+          <a:p>
+            <a:r>
+              <a:rPr lang="nl-NL" sz="2000" dirty="0" err="1"/>
+              <a:t>Layout</a:t>
+            </a:r>
+            <a:endParaRPr lang="nl-NL" sz="2000" dirty="0"/>
+          </a:p>
+          <a:p>
+            <a:endParaRPr lang="nl-NL" sz="2000" dirty="0"/>
+          </a:p>
+          <a:p>
+            <a:endParaRPr lang="nl-NL" sz="2000" dirty="0"/>
+          </a:p>
+          <a:p>
+            <a:endParaRPr lang="nl-NL" sz="2000" dirty="0"/>
+          </a:p>
+          <a:p>
+            <a:endParaRPr lang="nl-NL" sz="2000" dirty="0"/>
+          </a:p>
+          <a:p>
+            <a:r>
+              <a:rPr lang="nl-NL" sz="2000" dirty="0" err="1"/>
+              <a:t>Grid</a:t>
+            </a:r>
+            <a:endParaRPr lang="nl-NL" sz="2000" dirty="0"/>
+          </a:p>
+          <a:p>
+            <a:endParaRPr lang="nl-NL" sz="2000" dirty="0"/>
+          </a:p>
+          <a:p>
+            <a:endParaRPr lang="nl-NL" sz="2000" dirty="0"/>
+          </a:p>
+          <a:p>
+            <a:endParaRPr lang="nl-NL" sz="2000" dirty="0"/>
+          </a:p>
+          <a:p>
+            <a:endParaRPr lang="nl-NL" sz="2000" dirty="0"/>
+          </a:p>
+          <a:p>
+            <a:r>
+              <a:rPr lang="nl-NL" sz="2000" dirty="0"/>
+              <a:t>Logo</a:t>
+            </a:r>
+            <a:endParaRPr lang="nl-NL" dirty="0"/>
+          </a:p>
+        </p:txBody>
+      </p:sp>
+    </p:spTree>
+    <p:extLst>
+      <p:ext uri="{BB962C8B-B14F-4D97-AF65-F5344CB8AC3E}">
+        <p14:creationId xmlns:p14="http://schemas.microsoft.com/office/powerpoint/2010/main" val="3300295708"/>
+      </p:ext>
+    </p:extLst>
+  </p:cSld>
+  <p:clrMapOvr>
+    <a:masterClrMapping/>
+  </p:clrMapOvr>
+</p:sld>
+</file>
+
+<file path=ppt/slides/slide5.xml><?xml version="1.0" encoding="utf-8"?>
+<p:sld xmlns:a="http://schemas.openxmlformats.org/drawingml/2006/main" xmlns:r="http://schemas.openxmlformats.org/officeDocument/2006/relationships" xmlns:p="http://schemas.openxmlformats.org/presentationml/2006/main">
+  <p:cSld>
+    <p:spTree>
+      <p:nvGrpSpPr>
+        <p:cNvPr id="1" name=""/>
+        <p:cNvGrpSpPr/>
+        <p:nvPr/>
+      </p:nvGrpSpPr>
+      <p:grpSpPr>
+        <a:xfrm>
+          <a:off x="0" y="0"/>
+          <a:ext cx="0" cy="0"/>
+          <a:chOff x="0" y="0"/>
+          <a:chExt cx="0" cy="0"/>
+        </a:xfrm>
+      </p:grpSpPr>
+      <p:sp>
+        <p:nvSpPr>
+          <p:cNvPr id="2" name="Titel 1">
+            <a:extLst>
+              <a:ext uri="{FF2B5EF4-FFF2-40B4-BE49-F238E27FC236}">
+                <a16:creationId xmlns:a16="http://schemas.microsoft.com/office/drawing/2014/main" id="{301853B7-D914-4E5F-BFF2-9306DF25F055}"/>
+              </a:ext>
+            </a:extLst>
+          </p:cNvPr>
+          <p:cNvSpPr>
+            <a:spLocks noGrp="1"/>
+          </p:cNvSpPr>
+          <p:nvPr>
+            <p:ph type="title"/>
+          </p:nvPr>
+        </p:nvSpPr>
+        <p:spPr>
+          <a:xfrm>
+            <a:off x="684212" y="485244"/>
+            <a:ext cx="8534400" cy="1507067"/>
+          </a:xfrm>
+        </p:spPr>
+        <p:txBody>
+          <a:bodyPr>
+            <a:normAutofit/>
+          </a:bodyPr>
+          <a:lstStyle/>
+          <a:p>
+            <a:r>
+              <a:rPr lang="nl-NL" dirty="0" err="1"/>
+              <a:t>Github</a:t>
+            </a:r>
+            <a:endParaRPr lang="nl-NL" dirty="0"/>
+          </a:p>
+        </p:txBody>
+      </p:sp>
+      <p:sp>
+        <p:nvSpPr>
+          <p:cNvPr id="3" name="Tijdelijke aanduiding voor inhoud 2">
+            <a:extLst>
+              <a:ext uri="{FF2B5EF4-FFF2-40B4-BE49-F238E27FC236}">
+                <a16:creationId xmlns:a16="http://schemas.microsoft.com/office/drawing/2014/main" id="{7DE5AE3C-2DC0-4B9F-9447-2831F8B1DDAA}"/>
+              </a:ext>
+            </a:extLst>
+          </p:cNvPr>
+          <p:cNvSpPr>
+            <a:spLocks noGrp="1"/>
+          </p:cNvSpPr>
+          <p:nvPr>
+            <p:ph idx="1"/>
+          </p:nvPr>
+        </p:nvSpPr>
+        <p:spPr>
+          <a:xfrm>
+            <a:off x="684212" y="2068511"/>
+            <a:ext cx="8534400" cy="3615267"/>
+          </a:xfrm>
+        </p:spPr>
+        <p:txBody>
+          <a:bodyPr anchor="t">
+            <a:normAutofit/>
+          </a:bodyPr>
+          <a:lstStyle/>
+          <a:p>
+            <a:pPr marL="0" indent="0">
+              <a:buNone/>
+            </a:pPr>
+            <a:r>
+              <a:rPr lang="nl-NL" dirty="0">
+                <a:solidFill>
+                  <a:schemeClr val="tx1"/>
+                </a:solidFill>
+              </a:rPr>
+              <a:t>GIT Basis commands </a:t>
+            </a:r>
+            <a:r>
+              <a:rPr lang="nl-NL" dirty="0">
+                <a:solidFill>
+                  <a:schemeClr val="tx1"/>
+                </a:solidFill>
+                <a:hlinkClick r:id="rId2"/>
+              </a:rPr>
+              <a:t>Readme</a:t>
+            </a:r>
+            <a:endParaRPr lang="nl-NL" dirty="0">
+              <a:solidFill>
+                <a:schemeClr val="tx1"/>
+              </a:solidFill>
+            </a:endParaRPr>
+          </a:p>
+          <a:p>
+            <a:pPr marL="0" indent="0">
+              <a:buNone/>
+            </a:pPr>
+            <a:endParaRPr lang="nl-NL" dirty="0">
+              <a:solidFill>
+                <a:schemeClr val="tx1"/>
+              </a:solidFill>
+            </a:endParaRPr>
+          </a:p>
+          <a:p>
+            <a:pPr marL="0" indent="0">
+              <a:buNone/>
+            </a:pPr>
+            <a:r>
+              <a:rPr lang="nl-NL" dirty="0">
+                <a:solidFill>
+                  <a:schemeClr val="tx1"/>
+                </a:solidFill>
+              </a:rPr>
+              <a:t>GIT Startpagina </a:t>
+            </a:r>
+            <a:r>
+              <a:rPr lang="nl-NL" dirty="0">
+                <a:solidFill>
+                  <a:schemeClr val="tx1"/>
+                </a:solidFill>
+                <a:hlinkClick r:id="rId3"/>
+              </a:rPr>
+              <a:t>Readme</a:t>
+            </a:r>
+            <a:endParaRPr lang="nl-NL" dirty="0">
+              <a:solidFill>
+                <a:schemeClr val="tx1"/>
+              </a:solidFill>
+            </a:endParaRPr>
+          </a:p>
+          <a:p>
+            <a:pPr marL="0" indent="0">
+              <a:buNone/>
+            </a:pPr>
+            <a:endParaRPr lang="nl-NL" dirty="0">
+              <a:solidFill>
+                <a:schemeClr val="tx1"/>
+              </a:solidFill>
+            </a:endParaRPr>
+          </a:p>
+          <a:p>
+            <a:pPr marL="0" indent="0">
+              <a:buNone/>
+            </a:pPr>
+            <a:r>
+              <a:rPr lang="nl-NL" dirty="0">
+                <a:solidFill>
+                  <a:schemeClr val="tx1"/>
+                </a:solidFill>
+              </a:rPr>
+              <a:t>GIT Merge problemen </a:t>
+            </a:r>
+            <a:r>
+              <a:rPr lang="nl-NL" dirty="0">
+                <a:solidFill>
+                  <a:schemeClr val="tx1"/>
+                </a:solidFill>
+                <a:latin typeface="Calibri" panose="020F0502020204030204" pitchFamily="34" charset="0"/>
+                <a:cs typeface="Calibri" panose="020F0502020204030204" pitchFamily="34" charset="0"/>
+              </a:rPr>
+              <a:t>→ .</a:t>
+            </a:r>
+            <a:r>
+              <a:rPr lang="nl-NL" dirty="0" err="1">
+                <a:solidFill>
+                  <a:schemeClr val="tx1"/>
+                </a:solidFill>
+                <a:latin typeface="Calibri" panose="020F0502020204030204" pitchFamily="34" charset="0"/>
+                <a:cs typeface="Calibri" panose="020F0502020204030204" pitchFamily="34" charset="0"/>
+              </a:rPr>
+              <a:t>gitignore</a:t>
+            </a:r>
+            <a:endParaRPr lang="nl-NL" dirty="0">
+              <a:solidFill>
+                <a:schemeClr val="tx1"/>
+              </a:solidFill>
+              <a:latin typeface="Calibri" panose="020F0502020204030204" pitchFamily="34" charset="0"/>
+              <a:cs typeface="Calibri" panose="020F0502020204030204" pitchFamily="34" charset="0"/>
+            </a:endParaRPr>
+          </a:p>
+          <a:p>
+            <a:pPr marL="0" indent="0">
+              <a:buNone/>
+            </a:pPr>
+            <a:endParaRPr lang="nl-NL" dirty="0">
+              <a:solidFill>
+                <a:schemeClr val="tx1"/>
+              </a:solidFill>
+              <a:latin typeface="Calibri" panose="020F0502020204030204" pitchFamily="34" charset="0"/>
+              <a:cs typeface="Calibri" panose="020F0502020204030204" pitchFamily="34" charset="0"/>
+            </a:endParaRPr>
+          </a:p>
+          <a:p>
+            <a:pPr marL="0" indent="0">
+              <a:buNone/>
+            </a:pPr>
+            <a:endParaRPr lang="nl-NL" dirty="0">
+              <a:solidFill>
+                <a:schemeClr val="tx1"/>
+              </a:solidFill>
+            </a:endParaRPr>
+          </a:p>
+        </p:txBody>
+      </p:sp>
+      <p:pic>
+        <p:nvPicPr>
+          <p:cNvPr id="1026" name="Picture 2" descr="Afbeeldingsresultaat voor github">
+            <a:extLst>
+              <a:ext uri="{FF2B5EF4-FFF2-40B4-BE49-F238E27FC236}">
+                <a16:creationId xmlns:a16="http://schemas.microsoft.com/office/drawing/2014/main" id="{BD78CB54-3E0B-4B27-B573-0457CFD47378}"/>
+              </a:ext>
+            </a:extLst>
+          </p:cNvPr>
+          <p:cNvPicPr>
+            <a:picLocks noChangeAspect="1" noChangeArrowheads="1"/>
+          </p:cNvPicPr>
+          <p:nvPr/>
+        </p:nvPicPr>
+        <p:blipFill>
+          <a:blip r:embed="rId4">
+            <a:extLst>
+              <a:ext uri="{28A0092B-C50C-407E-A947-70E740481C1C}">
+                <a14:useLocalDpi xmlns:a14="http://schemas.microsoft.com/office/drawing/2010/main" val="0"/>
+              </a:ext>
+            </a:extLst>
+          </a:blip>
+          <a:srcRect/>
+          <a:stretch>
+            <a:fillRect/>
+          </a:stretch>
+        </p:blipFill>
+        <p:spPr bwMode="auto">
+          <a:xfrm>
+            <a:off x="9767009" y="243414"/>
+            <a:ext cx="1990725" cy="1990725"/>
+          </a:xfrm>
+          <a:prstGeom prst="rect">
+            <a:avLst/>
+          </a:prstGeom>
+          <a:noFill/>
+          <a:extLst>
+            <a:ext uri="{909E8E84-426E-40DD-AFC4-6F175D3DCCD1}">
+              <a14:hiddenFill xmlns:a14="http://schemas.microsoft.com/office/drawing/2010/main">
+                <a:solidFill>
+                  <a:srgbClr val="FFFFFF"/>
+                </a:solidFill>
+              </a14:hiddenFill>
+            </a:ext>
+          </a:extLst>
+        </p:spPr>
+      </p:pic>
+      <p:pic>
+        <p:nvPicPr>
+          <p:cNvPr id="5" name="Afbeelding 4">
+            <a:extLst>
+              <a:ext uri="{FF2B5EF4-FFF2-40B4-BE49-F238E27FC236}">
+                <a16:creationId xmlns:a16="http://schemas.microsoft.com/office/drawing/2014/main" id="{C983573A-54DA-4A21-B66D-C69094797A01}"/>
+              </a:ext>
+            </a:extLst>
+          </p:cNvPr>
+          <p:cNvPicPr>
+            <a:picLocks noChangeAspect="1"/>
+          </p:cNvPicPr>
+          <p:nvPr/>
+        </p:nvPicPr>
+        <p:blipFill>
+          <a:blip r:embed="rId5">
+            <a:extLst>
+              <a:ext uri="{28A0092B-C50C-407E-A947-70E740481C1C}">
+                <a14:useLocalDpi xmlns:a14="http://schemas.microsoft.com/office/drawing/2010/main" val="0"/>
+              </a:ext>
+            </a:extLst>
+          </a:blip>
+          <a:stretch>
+            <a:fillRect/>
+          </a:stretch>
+        </p:blipFill>
+        <p:spPr>
+          <a:xfrm>
+            <a:off x="6850080" y="2669119"/>
+            <a:ext cx="5037064" cy="3909486"/>
+          </a:xfrm>
+          <a:prstGeom prst="rect">
+            <a:avLst/>
+          </a:prstGeom>
+        </p:spPr>
+      </p:pic>
+    </p:spTree>
+    <p:extLst>
+      <p:ext uri="{BB962C8B-B14F-4D97-AF65-F5344CB8AC3E}">
+        <p14:creationId xmlns:p14="http://schemas.microsoft.com/office/powerpoint/2010/main" val="3753711417"/>
+      </p:ext>
+    </p:extLst>
+  </p:cSld>
+  <p:clrMapOvr>
+    <a:masterClrMapping/>
+  </p:clrMapOvr>
+</p:sld>
+</file>
+
+<file path=ppt/slides/slide6.xml><?xml version="1.0" encoding="utf-8"?>
 <p:sld xmlns:a="http://schemas.openxmlformats.org/drawingml/2006/main" xmlns:r="http://schemas.openxmlformats.org/officeDocument/2006/relationships" xmlns:p="http://schemas.openxmlformats.org/presentationml/2006/main">
   <p:cSld>
     <p:bg>
@@ -7736,612 +8850,6 @@
 </p:sld>
 </file>
 
-<file path=ppt/slides/slide5.xml><?xml version="1.0" encoding="utf-8"?>
-<p:sld xmlns:a="http://schemas.openxmlformats.org/drawingml/2006/main" xmlns:r="http://schemas.openxmlformats.org/officeDocument/2006/relationships" xmlns:p="http://schemas.openxmlformats.org/presentationml/2006/main">
-  <p:cSld>
-    <p:bg>
-      <p:bgPr>
-        <a:gradFill rotWithShape="1">
-          <a:gsLst>
-            <a:gs pos="10000">
-              <a:schemeClr val="bg1">
-                <a:tint val="97000"/>
-                <a:hueMod val="92000"/>
-                <a:satMod val="169000"/>
-                <a:lumMod val="164000"/>
-              </a:schemeClr>
-            </a:gs>
-            <a:gs pos="100000">
-              <a:schemeClr val="bg1">
-                <a:shade val="96000"/>
-                <a:satMod val="120000"/>
-                <a:lumMod val="90000"/>
-              </a:schemeClr>
-            </a:gs>
-          </a:gsLst>
-          <a:lin ang="6120000" scaled="1"/>
-        </a:gradFill>
-        <a:effectLst/>
-      </p:bgPr>
-    </p:bg>
-    <p:spTree>
-      <p:nvGrpSpPr>
-        <p:cNvPr id="1" name=""/>
-        <p:cNvGrpSpPr/>
-        <p:nvPr/>
-      </p:nvGrpSpPr>
-      <p:grpSpPr>
-        <a:xfrm>
-          <a:off x="0" y="0"/>
-          <a:ext cx="0" cy="0"/>
-          <a:chOff x="0" y="0"/>
-          <a:chExt cx="0" cy="0"/>
-        </a:xfrm>
-      </p:grpSpPr>
-      <p:sp>
-        <p:nvSpPr>
-          <p:cNvPr id="2" name="Titel 1">
-            <a:extLst>
-              <a:ext uri="{FF2B5EF4-FFF2-40B4-BE49-F238E27FC236}">
-                <a16:creationId xmlns:a16="http://schemas.microsoft.com/office/drawing/2014/main" id="{301853B7-D914-4E5F-BFF2-9306DF25F055}"/>
-              </a:ext>
-            </a:extLst>
-          </p:cNvPr>
-          <p:cNvSpPr>
-            <a:spLocks noGrp="1"/>
-          </p:cNvSpPr>
-          <p:nvPr>
-            <p:ph type="title"/>
-          </p:nvPr>
-        </p:nvSpPr>
-        <p:spPr>
-          <a:xfrm>
-            <a:off x="684212" y="485244"/>
-            <a:ext cx="8534400" cy="1507067"/>
-          </a:xfrm>
-        </p:spPr>
-        <p:txBody>
-          <a:bodyPr>
-            <a:normAutofit/>
-          </a:bodyPr>
-          <a:lstStyle/>
-          <a:p>
-            <a:r>
-              <a:rPr lang="nl-NL" dirty="0"/>
-              <a:t>Rekenmachine code</a:t>
-            </a:r>
-          </a:p>
-        </p:txBody>
-      </p:sp>
-      <p:sp>
-        <p:nvSpPr>
-          <p:cNvPr id="3" name="Tijdelijke aanduiding voor inhoud 2">
-            <a:extLst>
-              <a:ext uri="{FF2B5EF4-FFF2-40B4-BE49-F238E27FC236}">
-                <a16:creationId xmlns:a16="http://schemas.microsoft.com/office/drawing/2014/main" id="{7DE5AE3C-2DC0-4B9F-9447-2831F8B1DDAA}"/>
-              </a:ext>
-            </a:extLst>
-          </p:cNvPr>
-          <p:cNvSpPr>
-            <a:spLocks noGrp="1"/>
-          </p:cNvSpPr>
-          <p:nvPr>
-            <p:ph idx="1"/>
-          </p:nvPr>
-        </p:nvSpPr>
-        <p:spPr>
-          <a:xfrm>
-            <a:off x="684212" y="2068511"/>
-            <a:ext cx="8534400" cy="3615267"/>
-          </a:xfrm>
-        </p:spPr>
-        <p:txBody>
-          <a:bodyPr anchor="t">
-            <a:normAutofit/>
-          </a:bodyPr>
-          <a:lstStyle/>
-          <a:p>
-            <a:pPr marL="0" indent="0">
-              <a:buNone/>
-            </a:pPr>
-            <a:r>
-              <a:rPr lang="nl-NL" dirty="0">
-                <a:solidFill>
-                  <a:schemeClr val="tx1"/>
-                </a:solidFill>
-              </a:rPr>
-              <a:t>Invoer</a:t>
-            </a:r>
-          </a:p>
-          <a:p>
-            <a:pPr marL="0" indent="0">
-              <a:buNone/>
-            </a:pPr>
-            <a:endParaRPr lang="nl-NL" dirty="0">
-              <a:solidFill>
-                <a:schemeClr val="tx1"/>
-              </a:solidFill>
-            </a:endParaRPr>
-          </a:p>
-          <a:p>
-            <a:pPr marL="0" indent="0">
-              <a:buNone/>
-            </a:pPr>
-            <a:endParaRPr lang="nl-NL" dirty="0">
-              <a:solidFill>
-                <a:schemeClr val="tx1"/>
-              </a:solidFill>
-            </a:endParaRPr>
-          </a:p>
-          <a:p>
-            <a:pPr marL="0" indent="0">
-              <a:buNone/>
-            </a:pPr>
-            <a:r>
-              <a:rPr lang="nl-NL" dirty="0">
-                <a:solidFill>
-                  <a:schemeClr val="tx1"/>
-                </a:solidFill>
-              </a:rPr>
-              <a:t>Getal 1, Getal 2</a:t>
-            </a:r>
-          </a:p>
-          <a:p>
-            <a:pPr marL="0" indent="0">
-              <a:buNone/>
-            </a:pPr>
-            <a:endParaRPr lang="nl-NL" dirty="0">
-              <a:solidFill>
-                <a:schemeClr val="tx1"/>
-              </a:solidFill>
-            </a:endParaRPr>
-          </a:p>
-          <a:p>
-            <a:pPr marL="0" indent="0">
-              <a:buNone/>
-            </a:pPr>
-            <a:endParaRPr lang="nl-NL" dirty="0">
-              <a:solidFill>
-                <a:schemeClr val="tx1"/>
-              </a:solidFill>
-            </a:endParaRPr>
-          </a:p>
-          <a:p>
-            <a:pPr marL="0" indent="0">
-              <a:buNone/>
-            </a:pPr>
-            <a:r>
-              <a:rPr lang="nl-NL" dirty="0">
-                <a:solidFill>
-                  <a:schemeClr val="tx1"/>
-                </a:solidFill>
-              </a:rPr>
-              <a:t>Operatie</a:t>
-            </a:r>
-          </a:p>
-          <a:p>
-            <a:pPr marL="0" indent="0">
-              <a:buNone/>
-            </a:pPr>
-            <a:endParaRPr lang="nl-NL" dirty="0">
-              <a:solidFill>
-                <a:schemeClr val="tx1"/>
-              </a:solidFill>
-            </a:endParaRPr>
-          </a:p>
-        </p:txBody>
-      </p:sp>
-      <p:pic>
-        <p:nvPicPr>
-          <p:cNvPr id="4" name="Afbeelding 3">
-            <a:extLst>
-              <a:ext uri="{FF2B5EF4-FFF2-40B4-BE49-F238E27FC236}">
-                <a16:creationId xmlns:a16="http://schemas.microsoft.com/office/drawing/2014/main" id="{45E7EFE5-E2D5-4EBB-BF05-B83AB4BF3E15}"/>
-              </a:ext>
-            </a:extLst>
-          </p:cNvPr>
-          <p:cNvPicPr>
-            <a:picLocks noChangeAspect="1"/>
-          </p:cNvPicPr>
-          <p:nvPr/>
-        </p:nvPicPr>
-        <p:blipFill>
-          <a:blip r:embed="rId2"/>
-          <a:stretch>
-            <a:fillRect/>
-          </a:stretch>
-        </p:blipFill>
-        <p:spPr>
-          <a:xfrm>
-            <a:off x="5049838" y="1992311"/>
-            <a:ext cx="6457950" cy="1047750"/>
-          </a:xfrm>
-          <a:prstGeom prst="rect">
-            <a:avLst/>
-          </a:prstGeom>
-        </p:spPr>
-      </p:pic>
-      <p:pic>
-        <p:nvPicPr>
-          <p:cNvPr id="5" name="Afbeelding 4">
-            <a:extLst>
-              <a:ext uri="{FF2B5EF4-FFF2-40B4-BE49-F238E27FC236}">
-                <a16:creationId xmlns:a16="http://schemas.microsoft.com/office/drawing/2014/main" id="{BAA2BA97-6EA6-45D3-82E4-18CF0974DB3C}"/>
-              </a:ext>
-            </a:extLst>
-          </p:cNvPr>
-          <p:cNvPicPr>
-            <a:picLocks noChangeAspect="1"/>
-          </p:cNvPicPr>
-          <p:nvPr/>
-        </p:nvPicPr>
-        <p:blipFill>
-          <a:blip r:embed="rId3"/>
-          <a:stretch>
-            <a:fillRect/>
-          </a:stretch>
-        </p:blipFill>
-        <p:spPr>
-          <a:xfrm>
-            <a:off x="5049838" y="3113090"/>
-            <a:ext cx="6057900" cy="1409700"/>
-          </a:xfrm>
-          <a:prstGeom prst="rect">
-            <a:avLst/>
-          </a:prstGeom>
-        </p:spPr>
-      </p:pic>
-      <p:pic>
-        <p:nvPicPr>
-          <p:cNvPr id="6" name="Afbeelding 5">
-            <a:extLst>
-              <a:ext uri="{FF2B5EF4-FFF2-40B4-BE49-F238E27FC236}">
-                <a16:creationId xmlns:a16="http://schemas.microsoft.com/office/drawing/2014/main" id="{26FAA126-E08F-4E01-855A-60B5DDE1BB12}"/>
-              </a:ext>
-            </a:extLst>
-          </p:cNvPr>
-          <p:cNvPicPr>
-            <a:picLocks noChangeAspect="1"/>
-          </p:cNvPicPr>
-          <p:nvPr/>
-        </p:nvPicPr>
-        <p:blipFill>
-          <a:blip r:embed="rId4"/>
-          <a:stretch>
-            <a:fillRect/>
-          </a:stretch>
-        </p:blipFill>
-        <p:spPr>
-          <a:xfrm>
-            <a:off x="5049838" y="4595819"/>
-            <a:ext cx="6153150" cy="1438275"/>
-          </a:xfrm>
-          <a:prstGeom prst="rect">
-            <a:avLst/>
-          </a:prstGeom>
-        </p:spPr>
-      </p:pic>
-    </p:spTree>
-    <p:extLst>
-      <p:ext uri="{BB962C8B-B14F-4D97-AF65-F5344CB8AC3E}">
-        <p14:creationId xmlns:p14="http://schemas.microsoft.com/office/powerpoint/2010/main" val="514134697"/>
-      </p:ext>
-    </p:extLst>
-  </p:cSld>
-  <p:clrMapOvr>
-    <a:masterClrMapping/>
-  </p:clrMapOvr>
-</p:sld>
-</file>
-
-<file path=ppt/slides/slide6.xml><?xml version="1.0" encoding="utf-8"?>
-<p:sld xmlns:a="http://schemas.openxmlformats.org/drawingml/2006/main" xmlns:r="http://schemas.openxmlformats.org/officeDocument/2006/relationships" xmlns:p="http://schemas.openxmlformats.org/presentationml/2006/main">
-  <p:cSld>
-    <p:bg>
-      <p:bgPr>
-        <a:gradFill rotWithShape="1">
-          <a:gsLst>
-            <a:gs pos="10000">
-              <a:schemeClr val="bg1">
-                <a:tint val="97000"/>
-                <a:hueMod val="92000"/>
-                <a:satMod val="169000"/>
-                <a:lumMod val="164000"/>
-              </a:schemeClr>
-            </a:gs>
-            <a:gs pos="100000">
-              <a:schemeClr val="bg1">
-                <a:shade val="96000"/>
-                <a:satMod val="120000"/>
-                <a:lumMod val="90000"/>
-              </a:schemeClr>
-            </a:gs>
-          </a:gsLst>
-          <a:lin ang="6120000" scaled="1"/>
-        </a:gradFill>
-        <a:effectLst/>
-      </p:bgPr>
-    </p:bg>
-    <p:spTree>
-      <p:nvGrpSpPr>
-        <p:cNvPr id="1" name=""/>
-        <p:cNvGrpSpPr/>
-        <p:nvPr/>
-      </p:nvGrpSpPr>
-      <p:grpSpPr>
-        <a:xfrm>
-          <a:off x="0" y="0"/>
-          <a:ext cx="0" cy="0"/>
-          <a:chOff x="0" y="0"/>
-          <a:chExt cx="0" cy="0"/>
-        </a:xfrm>
-      </p:grpSpPr>
-      <p:sp>
-        <p:nvSpPr>
-          <p:cNvPr id="2" name="Titel 1">
-            <a:extLst>
-              <a:ext uri="{FF2B5EF4-FFF2-40B4-BE49-F238E27FC236}">
-                <a16:creationId xmlns:a16="http://schemas.microsoft.com/office/drawing/2014/main" id="{301853B7-D914-4E5F-BFF2-9306DF25F055}"/>
-              </a:ext>
-            </a:extLst>
-          </p:cNvPr>
-          <p:cNvSpPr>
-            <a:spLocks noGrp="1"/>
-          </p:cNvSpPr>
-          <p:nvPr>
-            <p:ph type="title"/>
-          </p:nvPr>
-        </p:nvSpPr>
-        <p:spPr>
-          <a:xfrm>
-            <a:off x="684212" y="485244"/>
-            <a:ext cx="8534400" cy="1507067"/>
-          </a:xfrm>
-        </p:spPr>
-        <p:txBody>
-          <a:bodyPr>
-            <a:normAutofit/>
-          </a:bodyPr>
-          <a:lstStyle/>
-          <a:p>
-            <a:r>
-              <a:rPr lang="nl-NL" dirty="0"/>
-              <a:t>Rekenmachine code</a:t>
-            </a:r>
-          </a:p>
-        </p:txBody>
-      </p:sp>
-      <p:sp>
-        <p:nvSpPr>
-          <p:cNvPr id="3" name="Tijdelijke aanduiding voor inhoud 2">
-            <a:extLst>
-              <a:ext uri="{FF2B5EF4-FFF2-40B4-BE49-F238E27FC236}">
-                <a16:creationId xmlns:a16="http://schemas.microsoft.com/office/drawing/2014/main" id="{7DE5AE3C-2DC0-4B9F-9447-2831F8B1DDAA}"/>
-              </a:ext>
-            </a:extLst>
-          </p:cNvPr>
-          <p:cNvSpPr>
-            <a:spLocks noGrp="1"/>
-          </p:cNvSpPr>
-          <p:nvPr>
-            <p:ph idx="1"/>
-          </p:nvPr>
-        </p:nvSpPr>
-        <p:spPr>
-          <a:xfrm>
-            <a:off x="684212" y="2068511"/>
-            <a:ext cx="8534400" cy="3615267"/>
-          </a:xfrm>
-        </p:spPr>
-        <p:txBody>
-          <a:bodyPr anchor="t">
-            <a:normAutofit fontScale="92500" lnSpcReduction="10000"/>
-          </a:bodyPr>
-          <a:lstStyle/>
-          <a:p>
-            <a:pPr marL="0" indent="0">
-              <a:buNone/>
-            </a:pPr>
-            <a:r>
-              <a:rPr lang="nl-NL" dirty="0">
-                <a:solidFill>
-                  <a:schemeClr val="tx1"/>
-                </a:solidFill>
-              </a:rPr>
-              <a:t>Komma-knop</a:t>
-            </a:r>
-          </a:p>
-          <a:p>
-            <a:pPr marL="0" indent="0">
-              <a:buNone/>
-            </a:pPr>
-            <a:endParaRPr lang="nl-NL" dirty="0">
-              <a:solidFill>
-                <a:schemeClr val="tx1"/>
-              </a:solidFill>
-            </a:endParaRPr>
-          </a:p>
-          <a:p>
-            <a:pPr marL="0" indent="0">
-              <a:buNone/>
-            </a:pPr>
-            <a:endParaRPr lang="nl-NL" dirty="0">
-              <a:solidFill>
-                <a:schemeClr val="tx1"/>
-              </a:solidFill>
-            </a:endParaRPr>
-          </a:p>
-          <a:p>
-            <a:pPr marL="0" indent="0">
-              <a:buNone/>
-            </a:pPr>
-            <a:endParaRPr lang="nl-NL" dirty="0">
-              <a:solidFill>
-                <a:schemeClr val="tx1"/>
-              </a:solidFill>
-            </a:endParaRPr>
-          </a:p>
-          <a:p>
-            <a:pPr marL="0" indent="0">
-              <a:buNone/>
-            </a:pPr>
-            <a:r>
-              <a:rPr lang="nl-NL" dirty="0">
-                <a:solidFill>
-                  <a:schemeClr val="tx1"/>
-                </a:solidFill>
-              </a:rPr>
-              <a:t>Is-knop</a:t>
-            </a:r>
-          </a:p>
-          <a:p>
-            <a:pPr marL="0" indent="0">
-              <a:buNone/>
-            </a:pPr>
-            <a:endParaRPr lang="nl-NL" dirty="0">
-              <a:solidFill>
-                <a:schemeClr val="tx1"/>
-              </a:solidFill>
-            </a:endParaRPr>
-          </a:p>
-          <a:p>
-            <a:pPr marL="0" indent="0">
-              <a:buNone/>
-            </a:pPr>
-            <a:endParaRPr lang="nl-NL" dirty="0">
-              <a:solidFill>
-                <a:schemeClr val="tx1"/>
-              </a:solidFill>
-            </a:endParaRPr>
-          </a:p>
-          <a:p>
-            <a:pPr marL="0" indent="0">
-              <a:buNone/>
-            </a:pPr>
-            <a:endParaRPr lang="nl-NL" dirty="0">
-              <a:solidFill>
-                <a:schemeClr val="tx1"/>
-              </a:solidFill>
-            </a:endParaRPr>
-          </a:p>
-          <a:p>
-            <a:pPr marL="0" indent="0">
-              <a:buNone/>
-            </a:pPr>
-            <a:r>
-              <a:rPr lang="nl-NL" dirty="0">
-                <a:solidFill>
-                  <a:schemeClr val="tx1"/>
-                </a:solidFill>
-              </a:rPr>
-              <a:t>Operatie</a:t>
-            </a:r>
-          </a:p>
-        </p:txBody>
-      </p:sp>
-      <p:pic>
-        <p:nvPicPr>
-          <p:cNvPr id="7" name="Afbeelding 6">
-            <a:extLst>
-              <a:ext uri="{FF2B5EF4-FFF2-40B4-BE49-F238E27FC236}">
-                <a16:creationId xmlns:a16="http://schemas.microsoft.com/office/drawing/2014/main" id="{D3039194-2D54-43E0-99E9-4D46D37FE1B2}"/>
-              </a:ext>
-            </a:extLst>
-          </p:cNvPr>
-          <p:cNvPicPr>
-            <a:picLocks noChangeAspect="1"/>
-          </p:cNvPicPr>
-          <p:nvPr/>
-        </p:nvPicPr>
-        <p:blipFill>
-          <a:blip r:embed="rId2"/>
-          <a:stretch>
-            <a:fillRect/>
-          </a:stretch>
-        </p:blipFill>
-        <p:spPr>
-          <a:xfrm>
-            <a:off x="6096000" y="3429000"/>
-            <a:ext cx="3409950" cy="1076325"/>
-          </a:xfrm>
-          <a:prstGeom prst="rect">
-            <a:avLst/>
-          </a:prstGeom>
-        </p:spPr>
-      </p:pic>
-      <p:pic>
-        <p:nvPicPr>
-          <p:cNvPr id="8" name="Afbeelding 7">
-            <a:extLst>
-              <a:ext uri="{FF2B5EF4-FFF2-40B4-BE49-F238E27FC236}">
-                <a16:creationId xmlns:a16="http://schemas.microsoft.com/office/drawing/2014/main" id="{8F1F560F-C264-4BB1-B99B-14BE73AB9BB2}"/>
-              </a:ext>
-            </a:extLst>
-          </p:cNvPr>
-          <p:cNvPicPr>
-            <a:picLocks noChangeAspect="1"/>
-          </p:cNvPicPr>
-          <p:nvPr/>
-        </p:nvPicPr>
-        <p:blipFill>
-          <a:blip r:embed="rId3"/>
-          <a:stretch>
-            <a:fillRect/>
-          </a:stretch>
-        </p:blipFill>
-        <p:spPr>
-          <a:xfrm>
-            <a:off x="6096000" y="2068511"/>
-            <a:ext cx="2333625" cy="857250"/>
-          </a:xfrm>
-          <a:prstGeom prst="rect">
-            <a:avLst/>
-          </a:prstGeom>
-        </p:spPr>
-      </p:pic>
-      <p:pic>
-        <p:nvPicPr>
-          <p:cNvPr id="9" name="Afbeelding 8">
-            <a:extLst>
-              <a:ext uri="{FF2B5EF4-FFF2-40B4-BE49-F238E27FC236}">
-                <a16:creationId xmlns:a16="http://schemas.microsoft.com/office/drawing/2014/main" id="{6CC45AFF-C76F-48C2-86AE-2DE91A9DD140}"/>
-              </a:ext>
-            </a:extLst>
-          </p:cNvPr>
-          <p:cNvPicPr>
-            <a:picLocks noChangeAspect="1"/>
-          </p:cNvPicPr>
-          <p:nvPr/>
-        </p:nvPicPr>
-        <p:blipFill>
-          <a:blip r:embed="rId4"/>
-          <a:stretch>
-            <a:fillRect/>
-          </a:stretch>
-        </p:blipFill>
-        <p:spPr>
-          <a:xfrm>
-            <a:off x="6096000" y="5008564"/>
-            <a:ext cx="3657600" cy="1057275"/>
-          </a:xfrm>
-          <a:prstGeom prst="rect">
-            <a:avLst/>
-          </a:prstGeom>
-        </p:spPr>
-      </p:pic>
-    </p:spTree>
-    <p:extLst>
-      <p:ext uri="{BB962C8B-B14F-4D97-AF65-F5344CB8AC3E}">
-        <p14:creationId xmlns:p14="http://schemas.microsoft.com/office/powerpoint/2010/main" val="852697815"/>
-      </p:ext>
-    </p:extLst>
-  </p:cSld>
-  <p:clrMapOvr>
-    <a:masterClrMapping/>
-  </p:clrMapOvr>
-</p:sld>
-</file>
-
 <file path=ppt/slides/slide7.xml><?xml version="1.0" encoding="utf-8"?>
 <p:sld xmlns:a="http://schemas.openxmlformats.org/drawingml/2006/main" xmlns:r="http://schemas.openxmlformats.org/officeDocument/2006/relationships" xmlns:p="http://schemas.openxmlformats.org/presentationml/2006/main">
   <p:cSld>
@@ -8456,7 +8964,7 @@
                   <a:schemeClr val="tx1"/>
                 </a:solidFill>
               </a:rPr>
-              <a:t>Speciale knoppen</a:t>
+              <a:t>Invoer</a:t>
             </a:r>
           </a:p>
           <a:p>
@@ -8473,13 +8981,23 @@
             <a:pPr marL="0" indent="0">
               <a:buNone/>
             </a:pPr>
+            <a:endParaRPr lang="nl-NL" dirty="0">
+              <a:solidFill>
+                <a:schemeClr val="tx1"/>
+              </a:solidFill>
+            </a:endParaRPr>
+          </a:p>
+          <a:p>
+            <a:pPr marL="0" indent="0">
+              <a:buNone/>
+            </a:pPr>
             <a:r>
               <a:rPr lang="nl-NL" dirty="0">
                 <a:solidFill>
                   <a:schemeClr val="tx1"/>
                 </a:solidFill>
               </a:rPr>
-              <a:t>Binair</a:t>
+              <a:t>Getal 1, Getal 2</a:t>
             </a:r>
           </a:p>
           <a:p>
@@ -8496,13 +9014,23 @@
             <a:pPr marL="0" indent="0">
               <a:buNone/>
             </a:pPr>
+            <a:endParaRPr lang="nl-NL" dirty="0">
+              <a:solidFill>
+                <a:schemeClr val="tx1"/>
+              </a:solidFill>
+            </a:endParaRPr>
+          </a:p>
+          <a:p>
+            <a:pPr marL="0" indent="0">
+              <a:buNone/>
+            </a:pPr>
             <a:r>
               <a:rPr lang="nl-NL" dirty="0">
                 <a:solidFill>
                   <a:schemeClr val="tx1"/>
                 </a:solidFill>
               </a:rPr>
-              <a:t>Hexadecimaal</a:t>
+              <a:t>Operatie</a:t>
             </a:r>
           </a:p>
           <a:p>
@@ -8515,19 +9043,6 @@
               </a:solidFill>
             </a:endParaRPr>
           </a:p>
-          <a:p>
-            <a:pPr marL="0" indent="0">
-              <a:buNone/>
-            </a:pPr>
-            <a:r>
-              <a:rPr lang="nl-NL" dirty="0">
-                <a:solidFill>
-                  <a:schemeClr val="tx1"/>
-                </a:solidFill>
-              </a:rPr>
-              <a:t>EUR/DOL</a:t>
-            </a:r>
-          </a:p>
         </p:txBody>
       </p:sp>
       <p:pic>
@@ -8535,7 +9050,7 @@
           <p:cNvPr id="4" name="Afbeelding 3">
             <a:extLst>
               <a:ext uri="{FF2B5EF4-FFF2-40B4-BE49-F238E27FC236}">
-                <a16:creationId xmlns:a16="http://schemas.microsoft.com/office/drawing/2014/main" id="{CC799693-4A0F-4988-AFEA-983B6A4012B0}"/>
+                <a16:creationId xmlns:a16="http://schemas.microsoft.com/office/drawing/2014/main" id="{45E7EFE5-E2D5-4EBB-BF05-B83AB4BF3E15}"/>
               </a:ext>
             </a:extLst>
           </p:cNvPr>
@@ -8552,8 +9067,8 @@
         </p:blipFill>
         <p:spPr>
           <a:xfrm>
-            <a:off x="4467225" y="2752725"/>
-            <a:ext cx="7724775" cy="676275"/>
+            <a:off x="5049838" y="1992311"/>
+            <a:ext cx="6457950" cy="1047750"/>
           </a:xfrm>
           <a:prstGeom prst="rect">
             <a:avLst/>
@@ -8565,7 +9080,7 @@
           <p:cNvPr id="5" name="Afbeelding 4">
             <a:extLst>
               <a:ext uri="{FF2B5EF4-FFF2-40B4-BE49-F238E27FC236}">
-                <a16:creationId xmlns:a16="http://schemas.microsoft.com/office/drawing/2014/main" id="{6CC5CF93-8D48-4D3A-9C10-036516D5E261}"/>
+                <a16:creationId xmlns:a16="http://schemas.microsoft.com/office/drawing/2014/main" id="{BAA2BA97-6EA6-45D3-82E4-18CF0974DB3C}"/>
               </a:ext>
             </a:extLst>
           </p:cNvPr>
@@ -8582,8 +9097,8 @@
         </p:blipFill>
         <p:spPr>
           <a:xfrm>
-            <a:off x="4467225" y="3876144"/>
-            <a:ext cx="5133975" cy="428625"/>
+            <a:off x="5049838" y="3113090"/>
+            <a:ext cx="6057900" cy="1409700"/>
           </a:xfrm>
           <a:prstGeom prst="rect">
             <a:avLst/>
@@ -8595,7 +9110,7 @@
           <p:cNvPr id="6" name="Afbeelding 5">
             <a:extLst>
               <a:ext uri="{FF2B5EF4-FFF2-40B4-BE49-F238E27FC236}">
-                <a16:creationId xmlns:a16="http://schemas.microsoft.com/office/drawing/2014/main" id="{A0997212-2063-46BB-B514-B921D9DC9774}"/>
+                <a16:creationId xmlns:a16="http://schemas.microsoft.com/office/drawing/2014/main" id="{26FAA126-E08F-4E01-855A-60B5DDE1BB12}"/>
               </a:ext>
             </a:extLst>
           </p:cNvPr>
@@ -8612,8 +9127,8 @@
         </p:blipFill>
         <p:spPr>
           <a:xfrm>
-            <a:off x="4467225" y="4751913"/>
-            <a:ext cx="3514725" cy="704850"/>
+            <a:off x="5049838" y="4595819"/>
+            <a:ext cx="6153150" cy="1438275"/>
           </a:xfrm>
           <a:prstGeom prst="rect">
             <a:avLst/>
@@ -8623,7 +9138,7 @@
     </p:spTree>
     <p:extLst>
       <p:ext uri="{BB962C8B-B14F-4D97-AF65-F5344CB8AC3E}">
-        <p14:creationId xmlns:p14="http://schemas.microsoft.com/office/powerpoint/2010/main" val="124031581"/>
+        <p14:creationId xmlns:p14="http://schemas.microsoft.com/office/powerpoint/2010/main" val="514134697"/>
       </p:ext>
     </p:extLst>
   </p:cSld>
@@ -8705,7 +9220,7 @@
           <a:p>
             <a:r>
               <a:rPr lang="nl-NL" dirty="0"/>
-              <a:t>Gezichtsherkenning</a:t>
+              <a:t>Rekenmachine code</a:t>
             </a:r>
           </a:p>
         </p:txBody>
@@ -8734,7 +9249,7 @@
         </p:spPr>
         <p:txBody>
           <a:bodyPr anchor="t">
-            <a:normAutofit/>
+            <a:normAutofit fontScale="92500" lnSpcReduction="10000"/>
           </a:bodyPr>
           <a:lstStyle/>
           <a:p>
@@ -8747,7 +9262,7 @@
                   <a:schemeClr val="tx1"/>
                 </a:solidFill>
               </a:rPr>
-              <a:t>Knoppen</a:t>
+              <a:t>Komma-knop</a:t>
             </a:r>
           </a:p>
           <a:p>
@@ -8774,13 +9289,23 @@
             <a:pPr marL="0" indent="0">
               <a:buNone/>
             </a:pPr>
+            <a:endParaRPr lang="nl-NL" dirty="0">
+              <a:solidFill>
+                <a:schemeClr val="tx1"/>
+              </a:solidFill>
+            </a:endParaRPr>
+          </a:p>
+          <a:p>
+            <a:pPr marL="0" indent="0">
+              <a:buNone/>
+            </a:pPr>
             <a:r>
               <a:rPr lang="nl-NL" dirty="0">
                 <a:solidFill>
                   <a:schemeClr val="tx1"/>
                 </a:solidFill>
               </a:rPr>
-              <a:t>Controleren</a:t>
+              <a:t>Is-knop</a:t>
             </a:r>
           </a:p>
           <a:p>
@@ -8797,22 +9322,6 @@
             <a:pPr marL="0" indent="0">
               <a:buNone/>
             </a:pPr>
-            <a:r>
-              <a:rPr lang="nl-NL" dirty="0">
-                <a:solidFill>
-                  <a:schemeClr val="tx1"/>
-                </a:solidFill>
-              </a:rPr>
-              <a:t>De </a:t>
-            </a:r>
-            <a:r>
-              <a:rPr lang="nl-NL" dirty="0" err="1">
-                <a:solidFill>
-                  <a:schemeClr val="tx1"/>
-                </a:solidFill>
-              </a:rPr>
-              <a:t>request</a:t>
-            </a:r>
             <a:endParaRPr lang="nl-NL" dirty="0">
               <a:solidFill>
                 <a:schemeClr val="tx1"/>
@@ -8839,7 +9348,7 @@
                   <a:schemeClr val="tx1"/>
                 </a:solidFill>
               </a:rPr>
-              <a:t>Parsen</a:t>
+              <a:t>Operatie</a:t>
             </a:r>
           </a:p>
         </p:txBody>
@@ -8849,7 +9358,7 @@
           <p:cNvPr id="7" name="Afbeelding 6">
             <a:extLst>
               <a:ext uri="{FF2B5EF4-FFF2-40B4-BE49-F238E27FC236}">
-                <a16:creationId xmlns:a16="http://schemas.microsoft.com/office/drawing/2014/main" id="{04F4100C-E490-415F-8AA6-2D18BCBFDDBB}"/>
+                <a16:creationId xmlns:a16="http://schemas.microsoft.com/office/drawing/2014/main" id="{D3039194-2D54-43E0-99E9-4D46D37FE1B2}"/>
               </a:ext>
             </a:extLst>
           </p:cNvPr>
@@ -8866,8 +9375,8 @@
         </p:blipFill>
         <p:spPr>
           <a:xfrm>
-            <a:off x="4951412" y="2068511"/>
-            <a:ext cx="3629025" cy="971550"/>
+            <a:off x="6096000" y="3429000"/>
+            <a:ext cx="3409950" cy="1076325"/>
           </a:xfrm>
           <a:prstGeom prst="rect">
             <a:avLst/>
@@ -8876,10 +9385,10 @@
       </p:pic>
       <p:pic>
         <p:nvPicPr>
-          <p:cNvPr id="9" name="Afbeelding 8">
+          <p:cNvPr id="8" name="Afbeelding 7">
             <a:extLst>
               <a:ext uri="{FF2B5EF4-FFF2-40B4-BE49-F238E27FC236}">
-                <a16:creationId xmlns:a16="http://schemas.microsoft.com/office/drawing/2014/main" id="{80970760-C275-4021-A965-3B9488D949AF}"/>
+                <a16:creationId xmlns:a16="http://schemas.microsoft.com/office/drawing/2014/main" id="{8F1F560F-C264-4BB1-B99B-14BE73AB9BB2}"/>
               </a:ext>
             </a:extLst>
           </p:cNvPr>
@@ -8896,8 +9405,8 @@
         </p:blipFill>
         <p:spPr>
           <a:xfrm>
-            <a:off x="4951412" y="3749541"/>
-            <a:ext cx="5572125" cy="466725"/>
+            <a:off x="6096000" y="2068511"/>
+            <a:ext cx="2333625" cy="857250"/>
           </a:xfrm>
           <a:prstGeom prst="rect">
             <a:avLst/>
@@ -8906,82 +9415,10 @@
       </p:pic>
       <p:pic>
         <p:nvPicPr>
-          <p:cNvPr id="1026" name="Picture 2" descr="Afbeeldingsresultaat voor gezichtsherkenning&quot;">
+          <p:cNvPr id="9" name="Afbeelding 8">
             <a:extLst>
               <a:ext uri="{FF2B5EF4-FFF2-40B4-BE49-F238E27FC236}">
-                <a16:creationId xmlns:a16="http://schemas.microsoft.com/office/drawing/2014/main" id="{DBAEA8CB-BB00-4D30-9B7A-21AB67A30F70}"/>
-              </a:ext>
-            </a:extLst>
-          </p:cNvPr>
-          <p:cNvPicPr>
-            <a:picLocks noChangeAspect="1" noChangeArrowheads="1"/>
-          </p:cNvPicPr>
-          <p:nvPr/>
-        </p:nvPicPr>
-        <p:blipFill>
-          <a:blip r:embed="rId4">
-            <a:extLst>
-              <a:ext uri="{BEBA8EAE-BF5A-486C-A8C5-ECC9F3942E4B}">
-                <a14:imgProps xmlns:a14="http://schemas.microsoft.com/office/drawing/2010/main">
-                  <a14:imgLayer r:embed="rId5">
-                    <a14:imgEffect>
-                      <a14:backgroundRemoval t="9884" b="95155" l="10000" r="90000">
-                        <a14:foregroundMark x1="44194" y1="24419" x2="52903" y2="21899"/>
-                        <a14:foregroundMark x1="52903" y1="21899" x2="48871" y2="31589"/>
-                        <a14:foregroundMark x1="48871" y1="31589" x2="58065" y2="32752"/>
-                        <a14:foregroundMark x1="58065" y1="32752" x2="55161" y2="43023"/>
-                        <a14:foregroundMark x1="55161" y1="43023" x2="45484" y2="45155"/>
-                        <a14:foregroundMark x1="45484" y1="45155" x2="50323" y2="33721"/>
-                        <a14:foregroundMark x1="50323" y1="33721" x2="56129" y2="44961"/>
-                        <a14:foregroundMark x1="56129" y1="44961" x2="48387" y2="51357"/>
-                        <a14:foregroundMark x1="48387" y1="51357" x2="47903" y2="80814"/>
-                        <a14:foregroundMark x1="47903" y1="80814" x2="56452" y2="85659"/>
-                        <a14:foregroundMark x1="56452" y1="85659" x2="61129" y2="94186"/>
-                        <a14:foregroundMark x1="61129" y1="94186" x2="45161" y2="98256"/>
-                        <a14:foregroundMark x1="45161" y1="98256" x2="27742" y2="95155"/>
-                        <a14:foregroundMark x1="27742" y1="95155" x2="27742" y2="81977"/>
-                        <a14:foregroundMark x1="27742" y1="81977" x2="31452" y2="78488"/>
-                      </a14:backgroundRemoval>
-                    </a14:imgEffect>
-                  </a14:imgLayer>
-                </a14:imgProps>
-              </a:ext>
-              <a:ext uri="{28A0092B-C50C-407E-A947-70E740481C1C}">
-                <a14:useLocalDpi xmlns:a14="http://schemas.microsoft.com/office/drawing/2010/main" val="0"/>
-              </a:ext>
-            </a:extLst>
-          </a:blip>
-          <a:srcRect/>
-          <a:stretch>
-            <a:fillRect/>
-          </a:stretch>
-        </p:blipFill>
-        <p:spPr bwMode="auto">
-          <a:xfrm>
-            <a:off x="8773434" y="-164320"/>
-            <a:ext cx="3500206" cy="2913075"/>
-          </a:xfrm>
-          <a:prstGeom prst="rect">
-            <a:avLst/>
-          </a:prstGeom>
-          <a:noFill/>
-          <a:extLst>
-            <a:ext uri="{909E8E84-426E-40DD-AFC4-6F175D3DCCD1}">
-              <a14:hiddenFill xmlns:a14="http://schemas.microsoft.com/office/drawing/2010/main">
-                <a:solidFill>
-                  <a:srgbClr val="FFFFFF"/>
-                </a:solidFill>
-              </a14:hiddenFill>
-            </a:ext>
-          </a:extLst>
-        </p:spPr>
-      </p:pic>
-      <p:pic>
-        <p:nvPicPr>
-          <p:cNvPr id="10" name="Afbeelding 9">
-            <a:extLst>
-              <a:ext uri="{FF2B5EF4-FFF2-40B4-BE49-F238E27FC236}">
-                <a16:creationId xmlns:a16="http://schemas.microsoft.com/office/drawing/2014/main" id="{ADD9518E-7F26-40A1-A937-C3F91542B367}"/>
+                <a16:creationId xmlns:a16="http://schemas.microsoft.com/office/drawing/2014/main" id="{6CC45AFF-C76F-48C2-86AE-2DE91A9DD140}"/>
               </a:ext>
             </a:extLst>
           </p:cNvPr>
@@ -8991,15 +9428,15 @@
           <p:nvPr/>
         </p:nvPicPr>
         <p:blipFill>
-          <a:blip r:embed="rId6"/>
+          <a:blip r:embed="rId4"/>
           <a:stretch>
             <a:fillRect/>
           </a:stretch>
         </p:blipFill>
         <p:spPr>
           <a:xfrm>
-            <a:off x="4951412" y="4509070"/>
-            <a:ext cx="5610225" cy="2047875"/>
+            <a:off x="6096000" y="5008564"/>
+            <a:ext cx="3657600" cy="1057275"/>
           </a:xfrm>
           <a:prstGeom prst="rect">
             <a:avLst/>
@@ -9009,7 +9446,298 @@
     </p:spTree>
     <p:extLst>
       <p:ext uri="{BB962C8B-B14F-4D97-AF65-F5344CB8AC3E}">
-        <p14:creationId xmlns:p14="http://schemas.microsoft.com/office/powerpoint/2010/main" val="2381562085"/>
+        <p14:creationId xmlns:p14="http://schemas.microsoft.com/office/powerpoint/2010/main" val="852697815"/>
+      </p:ext>
+    </p:extLst>
+  </p:cSld>
+  <p:clrMapOvr>
+    <a:masterClrMapping/>
+  </p:clrMapOvr>
+</p:sld>
+</file>
+
+<file path=ppt/slides/slide9.xml><?xml version="1.0" encoding="utf-8"?>
+<p:sld xmlns:a="http://schemas.openxmlformats.org/drawingml/2006/main" xmlns:r="http://schemas.openxmlformats.org/officeDocument/2006/relationships" xmlns:p="http://schemas.openxmlformats.org/presentationml/2006/main">
+  <p:cSld>
+    <p:bg>
+      <p:bgPr>
+        <a:gradFill rotWithShape="1">
+          <a:gsLst>
+            <a:gs pos="10000">
+              <a:schemeClr val="bg1">
+                <a:tint val="97000"/>
+                <a:hueMod val="92000"/>
+                <a:satMod val="169000"/>
+                <a:lumMod val="164000"/>
+              </a:schemeClr>
+            </a:gs>
+            <a:gs pos="100000">
+              <a:schemeClr val="bg1">
+                <a:shade val="96000"/>
+                <a:satMod val="120000"/>
+                <a:lumMod val="90000"/>
+              </a:schemeClr>
+            </a:gs>
+          </a:gsLst>
+          <a:lin ang="6120000" scaled="1"/>
+        </a:gradFill>
+        <a:effectLst/>
+      </p:bgPr>
+    </p:bg>
+    <p:spTree>
+      <p:nvGrpSpPr>
+        <p:cNvPr id="1" name=""/>
+        <p:cNvGrpSpPr/>
+        <p:nvPr/>
+      </p:nvGrpSpPr>
+      <p:grpSpPr>
+        <a:xfrm>
+          <a:off x="0" y="0"/>
+          <a:ext cx="0" cy="0"/>
+          <a:chOff x="0" y="0"/>
+          <a:chExt cx="0" cy="0"/>
+        </a:xfrm>
+      </p:grpSpPr>
+      <p:sp>
+        <p:nvSpPr>
+          <p:cNvPr id="2" name="Titel 1">
+            <a:extLst>
+              <a:ext uri="{FF2B5EF4-FFF2-40B4-BE49-F238E27FC236}">
+                <a16:creationId xmlns:a16="http://schemas.microsoft.com/office/drawing/2014/main" id="{301853B7-D914-4E5F-BFF2-9306DF25F055}"/>
+              </a:ext>
+            </a:extLst>
+          </p:cNvPr>
+          <p:cNvSpPr>
+            <a:spLocks noGrp="1"/>
+          </p:cNvSpPr>
+          <p:nvPr>
+            <p:ph type="title"/>
+          </p:nvPr>
+        </p:nvSpPr>
+        <p:spPr>
+          <a:xfrm>
+            <a:off x="684212" y="485244"/>
+            <a:ext cx="8534400" cy="1507067"/>
+          </a:xfrm>
+        </p:spPr>
+        <p:txBody>
+          <a:bodyPr>
+            <a:normAutofit/>
+          </a:bodyPr>
+          <a:lstStyle/>
+          <a:p>
+            <a:r>
+              <a:rPr lang="nl-NL" dirty="0"/>
+              <a:t>Rekenmachine code</a:t>
+            </a:r>
+          </a:p>
+        </p:txBody>
+      </p:sp>
+      <p:sp>
+        <p:nvSpPr>
+          <p:cNvPr id="3" name="Tijdelijke aanduiding voor inhoud 2">
+            <a:extLst>
+              <a:ext uri="{FF2B5EF4-FFF2-40B4-BE49-F238E27FC236}">
+                <a16:creationId xmlns:a16="http://schemas.microsoft.com/office/drawing/2014/main" id="{7DE5AE3C-2DC0-4B9F-9447-2831F8B1DDAA}"/>
+              </a:ext>
+            </a:extLst>
+          </p:cNvPr>
+          <p:cNvSpPr>
+            <a:spLocks noGrp="1"/>
+          </p:cNvSpPr>
+          <p:nvPr>
+            <p:ph idx="1"/>
+          </p:nvPr>
+        </p:nvSpPr>
+        <p:spPr>
+          <a:xfrm>
+            <a:off x="684212" y="2068511"/>
+            <a:ext cx="8534400" cy="3615267"/>
+          </a:xfrm>
+        </p:spPr>
+        <p:txBody>
+          <a:bodyPr anchor="t">
+            <a:normAutofit/>
+          </a:bodyPr>
+          <a:lstStyle/>
+          <a:p>
+            <a:pPr marL="0" indent="0">
+              <a:buNone/>
+            </a:pPr>
+            <a:r>
+              <a:rPr lang="nl-NL" dirty="0">
+                <a:solidFill>
+                  <a:schemeClr val="tx1"/>
+                </a:solidFill>
+              </a:rPr>
+              <a:t>Speciale knoppen</a:t>
+            </a:r>
+          </a:p>
+          <a:p>
+            <a:pPr marL="0" indent="0">
+              <a:buNone/>
+            </a:pPr>
+            <a:endParaRPr lang="nl-NL" dirty="0">
+              <a:solidFill>
+                <a:schemeClr val="tx1"/>
+              </a:solidFill>
+            </a:endParaRPr>
+          </a:p>
+          <a:p>
+            <a:pPr marL="0" indent="0">
+              <a:buNone/>
+            </a:pPr>
+            <a:r>
+              <a:rPr lang="nl-NL" dirty="0">
+                <a:solidFill>
+                  <a:schemeClr val="tx1"/>
+                </a:solidFill>
+              </a:rPr>
+              <a:t>Binair</a:t>
+            </a:r>
+          </a:p>
+          <a:p>
+            <a:pPr marL="0" indent="0">
+              <a:buNone/>
+            </a:pPr>
+            <a:endParaRPr lang="nl-NL" dirty="0">
+              <a:solidFill>
+                <a:schemeClr val="tx1"/>
+              </a:solidFill>
+            </a:endParaRPr>
+          </a:p>
+          <a:p>
+            <a:pPr marL="0" indent="0">
+              <a:buNone/>
+            </a:pPr>
+            <a:r>
+              <a:rPr lang="nl-NL" dirty="0">
+                <a:solidFill>
+                  <a:schemeClr val="tx1"/>
+                </a:solidFill>
+              </a:rPr>
+              <a:t>Hexadecimaal</a:t>
+            </a:r>
+          </a:p>
+          <a:p>
+            <a:pPr marL="0" indent="0">
+              <a:buNone/>
+            </a:pPr>
+            <a:endParaRPr lang="nl-NL" dirty="0">
+              <a:solidFill>
+                <a:schemeClr val="tx1"/>
+              </a:solidFill>
+            </a:endParaRPr>
+          </a:p>
+          <a:p>
+            <a:pPr marL="0" indent="0">
+              <a:buNone/>
+            </a:pPr>
+            <a:r>
+              <a:rPr lang="nl-NL" dirty="0">
+                <a:solidFill>
+                  <a:schemeClr val="tx1"/>
+                </a:solidFill>
+              </a:rPr>
+              <a:t>EUR/DOL</a:t>
+            </a:r>
+          </a:p>
+        </p:txBody>
+      </p:sp>
+      <p:pic>
+        <p:nvPicPr>
+          <p:cNvPr id="4" name="Afbeelding 3">
+            <a:extLst>
+              <a:ext uri="{FF2B5EF4-FFF2-40B4-BE49-F238E27FC236}">
+                <a16:creationId xmlns:a16="http://schemas.microsoft.com/office/drawing/2014/main" id="{CC799693-4A0F-4988-AFEA-983B6A4012B0}"/>
+              </a:ext>
+            </a:extLst>
+          </p:cNvPr>
+          <p:cNvPicPr>
+            <a:picLocks noChangeAspect="1"/>
+          </p:cNvPicPr>
+          <p:nvPr/>
+        </p:nvPicPr>
+        <p:blipFill>
+          <a:blip r:embed="rId2"/>
+          <a:stretch>
+            <a:fillRect/>
+          </a:stretch>
+        </p:blipFill>
+        <p:spPr>
+          <a:xfrm>
+            <a:off x="4467225" y="2752725"/>
+            <a:ext cx="7724775" cy="676275"/>
+          </a:xfrm>
+          <a:prstGeom prst="rect">
+            <a:avLst/>
+          </a:prstGeom>
+        </p:spPr>
+      </p:pic>
+      <p:pic>
+        <p:nvPicPr>
+          <p:cNvPr id="5" name="Afbeelding 4">
+            <a:extLst>
+              <a:ext uri="{FF2B5EF4-FFF2-40B4-BE49-F238E27FC236}">
+                <a16:creationId xmlns:a16="http://schemas.microsoft.com/office/drawing/2014/main" id="{6CC5CF93-8D48-4D3A-9C10-036516D5E261}"/>
+              </a:ext>
+            </a:extLst>
+          </p:cNvPr>
+          <p:cNvPicPr>
+            <a:picLocks noChangeAspect="1"/>
+          </p:cNvPicPr>
+          <p:nvPr/>
+        </p:nvPicPr>
+        <p:blipFill>
+          <a:blip r:embed="rId3"/>
+          <a:stretch>
+            <a:fillRect/>
+          </a:stretch>
+        </p:blipFill>
+        <p:spPr>
+          <a:xfrm>
+            <a:off x="4467225" y="3876144"/>
+            <a:ext cx="5133975" cy="428625"/>
+          </a:xfrm>
+          <a:prstGeom prst="rect">
+            <a:avLst/>
+          </a:prstGeom>
+        </p:spPr>
+      </p:pic>
+      <p:pic>
+        <p:nvPicPr>
+          <p:cNvPr id="6" name="Afbeelding 5">
+            <a:extLst>
+              <a:ext uri="{FF2B5EF4-FFF2-40B4-BE49-F238E27FC236}">
+                <a16:creationId xmlns:a16="http://schemas.microsoft.com/office/drawing/2014/main" id="{A0997212-2063-46BB-B514-B921D9DC9774}"/>
+              </a:ext>
+            </a:extLst>
+          </p:cNvPr>
+          <p:cNvPicPr>
+            <a:picLocks noChangeAspect="1"/>
+          </p:cNvPicPr>
+          <p:nvPr/>
+        </p:nvPicPr>
+        <p:blipFill>
+          <a:blip r:embed="rId4"/>
+          <a:stretch>
+            <a:fillRect/>
+          </a:stretch>
+        </p:blipFill>
+        <p:spPr>
+          <a:xfrm>
+            <a:off x="4467225" y="4751913"/>
+            <a:ext cx="3514725" cy="704850"/>
+          </a:xfrm>
+          <a:prstGeom prst="rect">
+            <a:avLst/>
+          </a:prstGeom>
+        </p:spPr>
+      </p:pic>
+    </p:spTree>
+    <p:extLst>
+      <p:ext uri="{BB962C8B-B14F-4D97-AF65-F5344CB8AC3E}">
+        <p14:creationId xmlns:p14="http://schemas.microsoft.com/office/powerpoint/2010/main" val="124031581"/>
       </p:ext>
     </p:extLst>
   </p:cSld>
@@ -9022,7 +9750,7 @@
 <file path=ppt/theme/theme1.xml><?xml version="1.0" encoding="utf-8"?>
 <a:theme xmlns:a="http://schemas.openxmlformats.org/drawingml/2006/main" name="Segment">
   <a:themeElements>
-    <a:clrScheme name="Segment">
+    <a:clrScheme name="Grijswaarden">
       <a:dk1>
         <a:sysClr val="windowText" lastClr="000000"/>
       </a:dk1>
@@ -9030,34 +9758,34 @@
         <a:sysClr val="window" lastClr="FFFFFF"/>
       </a:lt1>
       <a:dk2>
-        <a:srgbClr val="146194"/>
+        <a:srgbClr val="000000"/>
       </a:dk2>
       <a:lt2>
-        <a:srgbClr val="76DBF4"/>
+        <a:srgbClr val="F8F8F8"/>
       </a:lt2>
       <a:accent1>
-        <a:srgbClr val="052F61"/>
+        <a:srgbClr val="DDDDDD"/>
       </a:accent1>
       <a:accent2>
-        <a:srgbClr val="A50E82"/>
+        <a:srgbClr val="B2B2B2"/>
       </a:accent2>
       <a:accent3>
-        <a:srgbClr val="14967C"/>
+        <a:srgbClr val="969696"/>
       </a:accent3>
       <a:accent4>
-        <a:srgbClr val="6A9E1F"/>
+        <a:srgbClr val="808080"/>
       </a:accent4>
       <a:accent5>
-        <a:srgbClr val="E87D37"/>
+        <a:srgbClr val="5F5F5F"/>
       </a:accent5>
       <a:accent6>
-        <a:srgbClr val="C62324"/>
+        <a:srgbClr val="4D4D4D"/>
       </a:accent6>
       <a:hlink>
-        <a:srgbClr val="0D2E46"/>
+        <a:srgbClr val="5F5F5F"/>
       </a:hlink>
       <a:folHlink>
-        <a:srgbClr val="356A95"/>
+        <a:srgbClr val="919191"/>
       </a:folHlink>
     </a:clrScheme>
     <a:fontScheme name="Segment">
